--- a/5_Regressionstests/Main_v2/Präsentation.pptx
+++ b/5_Regressionstests/Main_v2/Präsentation.pptx
@@ -4,20 +4,22 @@
   <p:sldMasterIdLst>
     <p:sldMasterId id="2147483648" r:id="rId2"/>
     <p:sldMasterId id="2147483661" r:id="rId3"/>
+    <p:sldMasterId id="2147483674" r:id="rId4"/>
   </p:sldMasterIdLst>
   <p:sldIdLst>
-    <p:sldId id="256" r:id="rId4"/>
-    <p:sldId id="257" r:id="rId5"/>
-    <p:sldId id="258" r:id="rId6"/>
-    <p:sldId id="259" r:id="rId7"/>
-    <p:sldId id="260" r:id="rId8"/>
-    <p:sldId id="261" r:id="rId9"/>
-    <p:sldId id="262" r:id="rId10"/>
-    <p:sldId id="263" r:id="rId11"/>
-    <p:sldId id="264" r:id="rId12"/>
-    <p:sldId id="265" r:id="rId13"/>
-    <p:sldId id="266" r:id="rId14"/>
-    <p:sldId id="267" r:id="rId15"/>
+    <p:sldId id="256" r:id="rId5"/>
+    <p:sldId id="257" r:id="rId6"/>
+    <p:sldId id="258" r:id="rId7"/>
+    <p:sldId id="259" r:id="rId8"/>
+    <p:sldId id="260" r:id="rId9"/>
+    <p:sldId id="261" r:id="rId10"/>
+    <p:sldId id="262" r:id="rId11"/>
+    <p:sldId id="263" r:id="rId12"/>
+    <p:sldId id="264" r:id="rId13"/>
+    <p:sldId id="265" r:id="rId14"/>
+    <p:sldId id="266" r:id="rId15"/>
+    <p:sldId id="267" r:id="rId16"/>
+    <p:sldId id="268" r:id="rId17"/>
   </p:sldIdLst>
   <p:sldSz cx="9144000" cy="6858000"/>
   <p:notesSz cx="7559675" cy="10691812"/>
@@ -65,7 +67,7 @@
       </p:grpSpPr>
       <p:sp>
         <p:nvSpPr>
-          <p:cNvPr id="26" name="PlaceHolder 1"/>
+          <p:cNvPr id="23" name="PlaceHolder 1"/>
           <p:cNvSpPr>
             <a:spLocks noGrp="1"/>
           </p:cNvSpPr>
@@ -75,30 +77,26 @@
         </p:nvSpPr>
         <p:spPr>
           <a:xfrm>
-            <a:off x="457200" y="274680"/>
-            <a:ext cx="8229240" cy="1142640"/>
-          </a:xfrm>
-          <a:prstGeom prst="rect">
-            <a:avLst/>
-          </a:prstGeom>
-        </p:spPr>
-        <p:txBody>
-          <a:bodyPr lIns="0" rIns="0" tIns="0" bIns="0" anchor="ctr">
-            <a:spAutoFit/>
-          </a:bodyPr>
-          <a:p>
-            <a:endParaRPr b="0" lang="ru-RU" sz="1800" spc="-1" strike="noStrike">
-              <a:solidFill>
-                <a:srgbClr val="000000"/>
-              </a:solidFill>
-              <a:latin typeface="Calibri"/>
-            </a:endParaRPr>
-          </a:p>
-        </p:txBody>
-      </p:sp>
-      <p:sp>
-        <p:nvSpPr>
-          <p:cNvPr id="27" name="PlaceHolder 2"/>
+            <a:off x="457200" y="273600"/>
+            <a:ext cx="8228880" cy="1144440"/>
+          </a:xfrm>
+          <a:prstGeom prst="rect">
+            <a:avLst/>
+          </a:prstGeom>
+        </p:spPr>
+        <p:txBody>
+          <a:bodyPr lIns="0" rIns="0" tIns="0" bIns="0" anchor="ctr"/>
+          <a:p>
+            <a:pPr algn="ctr"/>
+            <a:endParaRPr b="0" lang="de-DE" sz="4400" spc="-1" strike="noStrike">
+              <a:latin typeface="Arial"/>
+            </a:endParaRPr>
+          </a:p>
+        </p:txBody>
+      </p:sp>
+      <p:sp>
+        <p:nvSpPr>
+          <p:cNvPr id="24" name="PlaceHolder 2"/>
           <p:cNvSpPr>
             <a:spLocks noGrp="1"/>
           </p:cNvSpPr>
@@ -108,8 +106,8 @@
         </p:nvSpPr>
         <p:spPr>
           <a:xfrm>
-            <a:off x="457200" y="1600200"/>
-            <a:ext cx="8229240" cy="2158560"/>
+            <a:off x="457200" y="1604520"/>
+            <a:ext cx="8229240" cy="1896840"/>
           </a:xfrm>
           <a:prstGeom prst="rect">
             <a:avLst/>
@@ -120,18 +118,15 @@
             <a:normAutofit/>
           </a:bodyPr>
           <a:p>
-            <a:endParaRPr b="0" lang="ru-RU" sz="3200" spc="-1" strike="noStrike">
-              <a:solidFill>
-                <a:srgbClr val="000000"/>
-              </a:solidFill>
-              <a:latin typeface="Calibri"/>
-            </a:endParaRPr>
-          </a:p>
-        </p:txBody>
-      </p:sp>
-      <p:sp>
-        <p:nvSpPr>
-          <p:cNvPr id="28" name="PlaceHolder 3"/>
+            <a:endParaRPr b="0" lang="de-DE" sz="3200" spc="-1" strike="noStrike">
+              <a:latin typeface="Arial"/>
+            </a:endParaRPr>
+          </a:p>
+        </p:txBody>
+      </p:sp>
+      <p:sp>
+        <p:nvSpPr>
+          <p:cNvPr id="25" name="PlaceHolder 3"/>
           <p:cNvSpPr>
             <a:spLocks noGrp="1"/>
           </p:cNvSpPr>
@@ -141,8 +136,8 @@
         </p:nvSpPr>
         <p:spPr>
           <a:xfrm>
-            <a:off x="457200" y="3964320"/>
-            <a:ext cx="8229240" cy="2158560"/>
+            <a:off x="457200" y="3682080"/>
+            <a:ext cx="8229240" cy="1896840"/>
           </a:xfrm>
           <a:prstGeom prst="rect">
             <a:avLst/>
@@ -153,11 +148,8 @@
             <a:normAutofit/>
           </a:bodyPr>
           <a:p>
-            <a:endParaRPr b="0" lang="ru-RU" sz="3200" spc="-1" strike="noStrike">
-              <a:solidFill>
-                <a:srgbClr val="000000"/>
-              </a:solidFill>
-              <a:latin typeface="Calibri"/>
+            <a:endParaRPr b="0" lang="de-DE" sz="3200" spc="-1" strike="noStrike">
+              <a:latin typeface="Arial"/>
             </a:endParaRPr>
           </a:p>
         </p:txBody>
@@ -186,7 +178,7 @@
       </p:grpSpPr>
       <p:sp>
         <p:nvSpPr>
-          <p:cNvPr id="29" name="PlaceHolder 1"/>
+          <p:cNvPr id="26" name="PlaceHolder 1"/>
           <p:cNvSpPr>
             <a:spLocks noGrp="1"/>
           </p:cNvSpPr>
@@ -196,30 +188,26 @@
         </p:nvSpPr>
         <p:spPr>
           <a:xfrm>
-            <a:off x="457200" y="274680"/>
-            <a:ext cx="8229240" cy="1142640"/>
-          </a:xfrm>
-          <a:prstGeom prst="rect">
-            <a:avLst/>
-          </a:prstGeom>
-        </p:spPr>
-        <p:txBody>
-          <a:bodyPr lIns="0" rIns="0" tIns="0" bIns="0" anchor="ctr">
-            <a:spAutoFit/>
-          </a:bodyPr>
-          <a:p>
-            <a:endParaRPr b="0" lang="ru-RU" sz="1800" spc="-1" strike="noStrike">
-              <a:solidFill>
-                <a:srgbClr val="000000"/>
-              </a:solidFill>
-              <a:latin typeface="Calibri"/>
-            </a:endParaRPr>
-          </a:p>
-        </p:txBody>
-      </p:sp>
-      <p:sp>
-        <p:nvSpPr>
-          <p:cNvPr id="30" name="PlaceHolder 2"/>
+            <a:off x="457200" y="273600"/>
+            <a:ext cx="8228880" cy="1144440"/>
+          </a:xfrm>
+          <a:prstGeom prst="rect">
+            <a:avLst/>
+          </a:prstGeom>
+        </p:spPr>
+        <p:txBody>
+          <a:bodyPr lIns="0" rIns="0" tIns="0" bIns="0" anchor="ctr"/>
+          <a:p>
+            <a:pPr algn="ctr"/>
+            <a:endParaRPr b="0" lang="de-DE" sz="4400" spc="-1" strike="noStrike">
+              <a:latin typeface="Arial"/>
+            </a:endParaRPr>
+          </a:p>
+        </p:txBody>
+      </p:sp>
+      <p:sp>
+        <p:nvSpPr>
+          <p:cNvPr id="27" name="PlaceHolder 2"/>
           <p:cNvSpPr>
             <a:spLocks noGrp="1"/>
           </p:cNvSpPr>
@@ -229,8 +217,8 @@
         </p:nvSpPr>
         <p:spPr>
           <a:xfrm>
-            <a:off x="457200" y="1600200"/>
-            <a:ext cx="4015800" cy="2158560"/>
+            <a:off x="457200" y="1604520"/>
+            <a:ext cx="4015800" cy="1896840"/>
           </a:xfrm>
           <a:prstGeom prst="rect">
             <a:avLst/>
@@ -241,18 +229,15 @@
             <a:normAutofit/>
           </a:bodyPr>
           <a:p>
-            <a:endParaRPr b="0" lang="ru-RU" sz="3200" spc="-1" strike="noStrike">
-              <a:solidFill>
-                <a:srgbClr val="000000"/>
-              </a:solidFill>
-              <a:latin typeface="Calibri"/>
-            </a:endParaRPr>
-          </a:p>
-        </p:txBody>
-      </p:sp>
-      <p:sp>
-        <p:nvSpPr>
-          <p:cNvPr id="31" name="PlaceHolder 3"/>
+            <a:endParaRPr b="0" lang="de-DE" sz="3200" spc="-1" strike="noStrike">
+              <a:latin typeface="Arial"/>
+            </a:endParaRPr>
+          </a:p>
+        </p:txBody>
+      </p:sp>
+      <p:sp>
+        <p:nvSpPr>
+          <p:cNvPr id="28" name="PlaceHolder 3"/>
           <p:cNvSpPr>
             <a:spLocks noGrp="1"/>
           </p:cNvSpPr>
@@ -262,8 +247,8 @@
         </p:nvSpPr>
         <p:spPr>
           <a:xfrm>
-            <a:off x="4674240" y="1600200"/>
-            <a:ext cx="4015800" cy="2158560"/>
+            <a:off x="4674240" y="1604520"/>
+            <a:ext cx="4015800" cy="1896840"/>
           </a:xfrm>
           <a:prstGeom prst="rect">
             <a:avLst/>
@@ -274,18 +259,15 @@
             <a:normAutofit/>
           </a:bodyPr>
           <a:p>
-            <a:endParaRPr b="0" lang="ru-RU" sz="3200" spc="-1" strike="noStrike">
-              <a:solidFill>
-                <a:srgbClr val="000000"/>
-              </a:solidFill>
-              <a:latin typeface="Calibri"/>
-            </a:endParaRPr>
-          </a:p>
-        </p:txBody>
-      </p:sp>
-      <p:sp>
-        <p:nvSpPr>
-          <p:cNvPr id="32" name="PlaceHolder 4"/>
+            <a:endParaRPr b="0" lang="de-DE" sz="3200" spc="-1" strike="noStrike">
+              <a:latin typeface="Arial"/>
+            </a:endParaRPr>
+          </a:p>
+        </p:txBody>
+      </p:sp>
+      <p:sp>
+        <p:nvSpPr>
+          <p:cNvPr id="29" name="PlaceHolder 4"/>
           <p:cNvSpPr>
             <a:spLocks noGrp="1"/>
           </p:cNvSpPr>
@@ -295,8 +277,8 @@
         </p:nvSpPr>
         <p:spPr>
           <a:xfrm>
-            <a:off x="457200" y="3964320"/>
-            <a:ext cx="4015800" cy="2158560"/>
+            <a:off x="457200" y="3682080"/>
+            <a:ext cx="4015800" cy="1896840"/>
           </a:xfrm>
           <a:prstGeom prst="rect">
             <a:avLst/>
@@ -307,18 +289,15 @@
             <a:normAutofit/>
           </a:bodyPr>
           <a:p>
-            <a:endParaRPr b="0" lang="ru-RU" sz="3200" spc="-1" strike="noStrike">
-              <a:solidFill>
-                <a:srgbClr val="000000"/>
-              </a:solidFill>
-              <a:latin typeface="Calibri"/>
-            </a:endParaRPr>
-          </a:p>
-        </p:txBody>
-      </p:sp>
-      <p:sp>
-        <p:nvSpPr>
-          <p:cNvPr id="33" name="PlaceHolder 5"/>
+            <a:endParaRPr b="0" lang="de-DE" sz="3200" spc="-1" strike="noStrike">
+              <a:latin typeface="Arial"/>
+            </a:endParaRPr>
+          </a:p>
+        </p:txBody>
+      </p:sp>
+      <p:sp>
+        <p:nvSpPr>
+          <p:cNvPr id="30" name="PlaceHolder 5"/>
           <p:cNvSpPr>
             <a:spLocks noGrp="1"/>
           </p:cNvSpPr>
@@ -328,8 +307,8 @@
         </p:nvSpPr>
         <p:spPr>
           <a:xfrm>
-            <a:off x="4674240" y="3964320"/>
-            <a:ext cx="4015800" cy="2158560"/>
+            <a:off x="4674240" y="3682080"/>
+            <a:ext cx="4015800" cy="1896840"/>
           </a:xfrm>
           <a:prstGeom prst="rect">
             <a:avLst/>
@@ -340,11 +319,8 @@
             <a:normAutofit/>
           </a:bodyPr>
           <a:p>
-            <a:endParaRPr b="0" lang="ru-RU" sz="3200" spc="-1" strike="noStrike">
-              <a:solidFill>
-                <a:srgbClr val="000000"/>
-              </a:solidFill>
-              <a:latin typeface="Calibri"/>
+            <a:endParaRPr b="0" lang="de-DE" sz="3200" spc="-1" strike="noStrike">
+              <a:latin typeface="Arial"/>
             </a:endParaRPr>
           </a:p>
         </p:txBody>
@@ -373,7 +349,7 @@
       </p:grpSpPr>
       <p:sp>
         <p:nvSpPr>
-          <p:cNvPr id="34" name="PlaceHolder 1"/>
+          <p:cNvPr id="31" name="PlaceHolder 1"/>
           <p:cNvSpPr>
             <a:spLocks noGrp="1"/>
           </p:cNvSpPr>
@@ -383,30 +359,26 @@
         </p:nvSpPr>
         <p:spPr>
           <a:xfrm>
-            <a:off x="457200" y="274680"/>
-            <a:ext cx="8229240" cy="1142640"/>
-          </a:xfrm>
-          <a:prstGeom prst="rect">
-            <a:avLst/>
-          </a:prstGeom>
-        </p:spPr>
-        <p:txBody>
-          <a:bodyPr lIns="0" rIns="0" tIns="0" bIns="0" anchor="ctr">
-            <a:spAutoFit/>
-          </a:bodyPr>
-          <a:p>
-            <a:endParaRPr b="0" lang="ru-RU" sz="1800" spc="-1" strike="noStrike">
-              <a:solidFill>
-                <a:srgbClr val="000000"/>
-              </a:solidFill>
-              <a:latin typeface="Calibri"/>
-            </a:endParaRPr>
-          </a:p>
-        </p:txBody>
-      </p:sp>
-      <p:sp>
-        <p:nvSpPr>
-          <p:cNvPr id="35" name="PlaceHolder 2"/>
+            <a:off x="457200" y="273600"/>
+            <a:ext cx="8228880" cy="1144440"/>
+          </a:xfrm>
+          <a:prstGeom prst="rect">
+            <a:avLst/>
+          </a:prstGeom>
+        </p:spPr>
+        <p:txBody>
+          <a:bodyPr lIns="0" rIns="0" tIns="0" bIns="0" anchor="ctr"/>
+          <a:p>
+            <a:pPr algn="ctr"/>
+            <a:endParaRPr b="0" lang="de-DE" sz="4400" spc="-1" strike="noStrike">
+              <a:latin typeface="Arial"/>
+            </a:endParaRPr>
+          </a:p>
+        </p:txBody>
+      </p:sp>
+      <p:sp>
+        <p:nvSpPr>
+          <p:cNvPr id="32" name="PlaceHolder 2"/>
           <p:cNvSpPr>
             <a:spLocks noGrp="1"/>
           </p:cNvSpPr>
@@ -416,8 +388,8 @@
         </p:nvSpPr>
         <p:spPr>
           <a:xfrm>
-            <a:off x="457200" y="1600200"/>
-            <a:ext cx="2649600" cy="2158560"/>
+            <a:off x="457200" y="1604520"/>
+            <a:ext cx="2649600" cy="1896840"/>
           </a:xfrm>
           <a:prstGeom prst="rect">
             <a:avLst/>
@@ -428,18 +400,15 @@
             <a:normAutofit/>
           </a:bodyPr>
           <a:p>
-            <a:endParaRPr b="0" lang="ru-RU" sz="3200" spc="-1" strike="noStrike">
-              <a:solidFill>
-                <a:srgbClr val="000000"/>
-              </a:solidFill>
-              <a:latin typeface="Calibri"/>
-            </a:endParaRPr>
-          </a:p>
-        </p:txBody>
-      </p:sp>
-      <p:sp>
-        <p:nvSpPr>
-          <p:cNvPr id="36" name="PlaceHolder 3"/>
+            <a:endParaRPr b="0" lang="de-DE" sz="3200" spc="-1" strike="noStrike">
+              <a:latin typeface="Arial"/>
+            </a:endParaRPr>
+          </a:p>
+        </p:txBody>
+      </p:sp>
+      <p:sp>
+        <p:nvSpPr>
+          <p:cNvPr id="33" name="PlaceHolder 3"/>
           <p:cNvSpPr>
             <a:spLocks noGrp="1"/>
           </p:cNvSpPr>
@@ -449,8 +418,8 @@
         </p:nvSpPr>
         <p:spPr>
           <a:xfrm>
-            <a:off x="3239640" y="1600200"/>
-            <a:ext cx="2649600" cy="2158560"/>
+            <a:off x="3239640" y="1604520"/>
+            <a:ext cx="2649600" cy="1896840"/>
           </a:xfrm>
           <a:prstGeom prst="rect">
             <a:avLst/>
@@ -461,18 +430,15 @@
             <a:normAutofit/>
           </a:bodyPr>
           <a:p>
-            <a:endParaRPr b="0" lang="ru-RU" sz="3200" spc="-1" strike="noStrike">
-              <a:solidFill>
-                <a:srgbClr val="000000"/>
-              </a:solidFill>
-              <a:latin typeface="Calibri"/>
-            </a:endParaRPr>
-          </a:p>
-        </p:txBody>
-      </p:sp>
-      <p:sp>
-        <p:nvSpPr>
-          <p:cNvPr id="37" name="PlaceHolder 4"/>
+            <a:endParaRPr b="0" lang="de-DE" sz="3200" spc="-1" strike="noStrike">
+              <a:latin typeface="Arial"/>
+            </a:endParaRPr>
+          </a:p>
+        </p:txBody>
+      </p:sp>
+      <p:sp>
+        <p:nvSpPr>
+          <p:cNvPr id="34" name="PlaceHolder 4"/>
           <p:cNvSpPr>
             <a:spLocks noGrp="1"/>
           </p:cNvSpPr>
@@ -482,8 +448,8 @@
         </p:nvSpPr>
         <p:spPr>
           <a:xfrm>
-            <a:off x="6022080" y="1600200"/>
-            <a:ext cx="2649600" cy="2158560"/>
+            <a:off x="6022080" y="1604520"/>
+            <a:ext cx="2649600" cy="1896840"/>
           </a:xfrm>
           <a:prstGeom prst="rect">
             <a:avLst/>
@@ -494,18 +460,15 @@
             <a:normAutofit/>
           </a:bodyPr>
           <a:p>
-            <a:endParaRPr b="0" lang="ru-RU" sz="3200" spc="-1" strike="noStrike">
-              <a:solidFill>
-                <a:srgbClr val="000000"/>
-              </a:solidFill>
-              <a:latin typeface="Calibri"/>
-            </a:endParaRPr>
-          </a:p>
-        </p:txBody>
-      </p:sp>
-      <p:sp>
-        <p:nvSpPr>
-          <p:cNvPr id="38" name="PlaceHolder 5"/>
+            <a:endParaRPr b="0" lang="de-DE" sz="3200" spc="-1" strike="noStrike">
+              <a:latin typeface="Arial"/>
+            </a:endParaRPr>
+          </a:p>
+        </p:txBody>
+      </p:sp>
+      <p:sp>
+        <p:nvSpPr>
+          <p:cNvPr id="35" name="PlaceHolder 5"/>
           <p:cNvSpPr>
             <a:spLocks noGrp="1"/>
           </p:cNvSpPr>
@@ -515,8 +478,8 @@
         </p:nvSpPr>
         <p:spPr>
           <a:xfrm>
-            <a:off x="457200" y="3964320"/>
-            <a:ext cx="2649600" cy="2158560"/>
+            <a:off x="457200" y="3682080"/>
+            <a:ext cx="2649600" cy="1896840"/>
           </a:xfrm>
           <a:prstGeom prst="rect">
             <a:avLst/>
@@ -527,18 +490,15 @@
             <a:normAutofit/>
           </a:bodyPr>
           <a:p>
-            <a:endParaRPr b="0" lang="ru-RU" sz="3200" spc="-1" strike="noStrike">
-              <a:solidFill>
-                <a:srgbClr val="000000"/>
-              </a:solidFill>
-              <a:latin typeface="Calibri"/>
-            </a:endParaRPr>
-          </a:p>
-        </p:txBody>
-      </p:sp>
-      <p:sp>
-        <p:nvSpPr>
-          <p:cNvPr id="39" name="PlaceHolder 6"/>
+            <a:endParaRPr b="0" lang="de-DE" sz="3200" spc="-1" strike="noStrike">
+              <a:latin typeface="Arial"/>
+            </a:endParaRPr>
+          </a:p>
+        </p:txBody>
+      </p:sp>
+      <p:sp>
+        <p:nvSpPr>
+          <p:cNvPr id="36" name="PlaceHolder 6"/>
           <p:cNvSpPr>
             <a:spLocks noGrp="1"/>
           </p:cNvSpPr>
@@ -548,8 +508,8 @@
         </p:nvSpPr>
         <p:spPr>
           <a:xfrm>
-            <a:off x="3239640" y="3964320"/>
-            <a:ext cx="2649600" cy="2158560"/>
+            <a:off x="3239640" y="3682080"/>
+            <a:ext cx="2649600" cy="1896840"/>
           </a:xfrm>
           <a:prstGeom prst="rect">
             <a:avLst/>
@@ -560,18 +520,15 @@
             <a:normAutofit/>
           </a:bodyPr>
           <a:p>
-            <a:endParaRPr b="0" lang="ru-RU" sz="3200" spc="-1" strike="noStrike">
-              <a:solidFill>
-                <a:srgbClr val="000000"/>
-              </a:solidFill>
-              <a:latin typeface="Calibri"/>
-            </a:endParaRPr>
-          </a:p>
-        </p:txBody>
-      </p:sp>
-      <p:sp>
-        <p:nvSpPr>
-          <p:cNvPr id="40" name="PlaceHolder 7"/>
+            <a:endParaRPr b="0" lang="de-DE" sz="3200" spc="-1" strike="noStrike">
+              <a:latin typeface="Arial"/>
+            </a:endParaRPr>
+          </a:p>
+        </p:txBody>
+      </p:sp>
+      <p:sp>
+        <p:nvSpPr>
+          <p:cNvPr id="37" name="PlaceHolder 7"/>
           <p:cNvSpPr>
             <a:spLocks noGrp="1"/>
           </p:cNvSpPr>
@@ -581,8 +538,8 @@
         </p:nvSpPr>
         <p:spPr>
           <a:xfrm>
-            <a:off x="6022080" y="3964320"/>
-            <a:ext cx="2649600" cy="2158560"/>
+            <a:off x="6022080" y="3682080"/>
+            <a:ext cx="2649600" cy="1896840"/>
           </a:xfrm>
           <a:prstGeom prst="rect">
             <a:avLst/>
@@ -593,11 +550,8 @@
             <a:normAutofit/>
           </a:bodyPr>
           <a:p>
-            <a:endParaRPr b="0" lang="ru-RU" sz="3200" spc="-1" strike="noStrike">
-              <a:solidFill>
-                <a:srgbClr val="000000"/>
-              </a:solidFill>
-              <a:latin typeface="Calibri"/>
+            <a:endParaRPr b="0" lang="de-DE" sz="3200" spc="-1" strike="noStrike">
+              <a:latin typeface="Arial"/>
             </a:endParaRPr>
           </a:p>
         </p:txBody>
@@ -648,7 +602,7 @@
       </p:grpSpPr>
       <p:sp>
         <p:nvSpPr>
-          <p:cNvPr id="46" name="PlaceHolder 1"/>
+          <p:cNvPr id="40" name="PlaceHolder 1"/>
           <p:cNvSpPr>
             <a:spLocks noGrp="1"/>
           </p:cNvSpPr>
@@ -658,30 +612,26 @@
         </p:nvSpPr>
         <p:spPr>
           <a:xfrm>
-            <a:off x="457200" y="274680"/>
-            <a:ext cx="8229240" cy="1142640"/>
-          </a:xfrm>
-          <a:prstGeom prst="rect">
-            <a:avLst/>
-          </a:prstGeom>
-        </p:spPr>
-        <p:txBody>
-          <a:bodyPr lIns="0" rIns="0" tIns="0" bIns="0" anchor="ctr">
-            <a:spAutoFit/>
-          </a:bodyPr>
-          <a:p>
-            <a:endParaRPr b="0" lang="ru-RU" sz="1800" spc="-1" strike="noStrike">
-              <a:solidFill>
-                <a:srgbClr val="000000"/>
-              </a:solidFill>
-              <a:latin typeface="Calibri"/>
-            </a:endParaRPr>
-          </a:p>
-        </p:txBody>
-      </p:sp>
-      <p:sp>
-        <p:nvSpPr>
-          <p:cNvPr id="47" name="PlaceHolder 2"/>
+            <a:off x="457200" y="273600"/>
+            <a:ext cx="8228880" cy="1144440"/>
+          </a:xfrm>
+          <a:prstGeom prst="rect">
+            <a:avLst/>
+          </a:prstGeom>
+        </p:spPr>
+        <p:txBody>
+          <a:bodyPr lIns="0" rIns="0" tIns="0" bIns="0" anchor="ctr"/>
+          <a:p>
+            <a:pPr algn="ctr"/>
+            <a:endParaRPr b="0" lang="de-DE" sz="4400" spc="-1" strike="noStrike">
+              <a:latin typeface="Arial"/>
+            </a:endParaRPr>
+          </a:p>
+        </p:txBody>
+      </p:sp>
+      <p:sp>
+        <p:nvSpPr>
+          <p:cNvPr id="41" name="PlaceHolder 2"/>
           <p:cNvSpPr>
             <a:spLocks noGrp="1"/>
           </p:cNvSpPr>
@@ -691,17 +641,15 @@
         </p:nvSpPr>
         <p:spPr>
           <a:xfrm>
-            <a:off x="457200" y="1600200"/>
-            <a:ext cx="8229240" cy="4525560"/>
-          </a:xfrm>
-          <a:prstGeom prst="rect">
-            <a:avLst/>
-          </a:prstGeom>
-        </p:spPr>
-        <p:txBody>
-          <a:bodyPr lIns="0" rIns="0" tIns="0" bIns="0" anchor="ctr">
-            <a:spAutoFit/>
-          </a:bodyPr>
+            <a:off x="457200" y="1604520"/>
+            <a:ext cx="8229240" cy="3977280"/>
+          </a:xfrm>
+          <a:prstGeom prst="rect">
+            <a:avLst/>
+          </a:prstGeom>
+        </p:spPr>
+        <p:txBody>
+          <a:bodyPr lIns="0" rIns="0" tIns="0" bIns="0" anchor="ctr"/>
           <a:p>
             <a:pPr algn="ctr"/>
             <a:endParaRPr b="0" lang="de-DE" sz="3200" spc="-1" strike="noStrike">
@@ -734,7 +682,7 @@
       </p:grpSpPr>
       <p:sp>
         <p:nvSpPr>
-          <p:cNvPr id="48" name="PlaceHolder 1"/>
+          <p:cNvPr id="42" name="PlaceHolder 1"/>
           <p:cNvSpPr>
             <a:spLocks noGrp="1"/>
           </p:cNvSpPr>
@@ -744,30 +692,26 @@
         </p:nvSpPr>
         <p:spPr>
           <a:xfrm>
-            <a:off x="457200" y="274680"/>
-            <a:ext cx="8229240" cy="1142640"/>
-          </a:xfrm>
-          <a:prstGeom prst="rect">
-            <a:avLst/>
-          </a:prstGeom>
-        </p:spPr>
-        <p:txBody>
-          <a:bodyPr lIns="0" rIns="0" tIns="0" bIns="0" anchor="ctr">
-            <a:spAutoFit/>
-          </a:bodyPr>
-          <a:p>
-            <a:endParaRPr b="0" lang="ru-RU" sz="1800" spc="-1" strike="noStrike">
-              <a:solidFill>
-                <a:srgbClr val="000000"/>
-              </a:solidFill>
-              <a:latin typeface="Calibri"/>
-            </a:endParaRPr>
-          </a:p>
-        </p:txBody>
-      </p:sp>
-      <p:sp>
-        <p:nvSpPr>
-          <p:cNvPr id="49" name="PlaceHolder 2"/>
+            <a:off x="457200" y="273600"/>
+            <a:ext cx="8228880" cy="1144440"/>
+          </a:xfrm>
+          <a:prstGeom prst="rect">
+            <a:avLst/>
+          </a:prstGeom>
+        </p:spPr>
+        <p:txBody>
+          <a:bodyPr lIns="0" rIns="0" tIns="0" bIns="0" anchor="ctr"/>
+          <a:p>
+            <a:pPr algn="ctr"/>
+            <a:endParaRPr b="0" lang="de-DE" sz="4400" spc="-1" strike="noStrike">
+              <a:latin typeface="Arial"/>
+            </a:endParaRPr>
+          </a:p>
+        </p:txBody>
+      </p:sp>
+      <p:sp>
+        <p:nvSpPr>
+          <p:cNvPr id="43" name="PlaceHolder 2"/>
           <p:cNvSpPr>
             <a:spLocks noGrp="1"/>
           </p:cNvSpPr>
@@ -777,8 +721,8 @@
         </p:nvSpPr>
         <p:spPr>
           <a:xfrm>
-            <a:off x="457200" y="1600200"/>
-            <a:ext cx="8229240" cy="4525560"/>
+            <a:off x="457200" y="1604520"/>
+            <a:ext cx="8229240" cy="3977280"/>
           </a:xfrm>
           <a:prstGeom prst="rect">
             <a:avLst/>
@@ -789,11 +733,8 @@
             <a:normAutofit/>
           </a:bodyPr>
           <a:p>
-            <a:endParaRPr b="0" lang="ru-RU" sz="3200" spc="-1" strike="noStrike">
-              <a:solidFill>
-                <a:srgbClr val="000000"/>
-              </a:solidFill>
-              <a:latin typeface="Calibri"/>
+            <a:endParaRPr b="0" lang="de-DE" sz="3200" spc="-1" strike="noStrike">
+              <a:latin typeface="Arial"/>
             </a:endParaRPr>
           </a:p>
         </p:txBody>
@@ -822,7 +763,7 @@
       </p:grpSpPr>
       <p:sp>
         <p:nvSpPr>
-          <p:cNvPr id="50" name="PlaceHolder 1"/>
+          <p:cNvPr id="44" name="PlaceHolder 1"/>
           <p:cNvSpPr>
             <a:spLocks noGrp="1"/>
           </p:cNvSpPr>
@@ -832,30 +773,26 @@
         </p:nvSpPr>
         <p:spPr>
           <a:xfrm>
-            <a:off x="457200" y="274680"/>
-            <a:ext cx="8229240" cy="1142640"/>
-          </a:xfrm>
-          <a:prstGeom prst="rect">
-            <a:avLst/>
-          </a:prstGeom>
-        </p:spPr>
-        <p:txBody>
-          <a:bodyPr lIns="0" rIns="0" tIns="0" bIns="0" anchor="ctr">
-            <a:spAutoFit/>
-          </a:bodyPr>
-          <a:p>
-            <a:endParaRPr b="0" lang="ru-RU" sz="1800" spc="-1" strike="noStrike">
-              <a:solidFill>
-                <a:srgbClr val="000000"/>
-              </a:solidFill>
-              <a:latin typeface="Calibri"/>
-            </a:endParaRPr>
-          </a:p>
-        </p:txBody>
-      </p:sp>
-      <p:sp>
-        <p:nvSpPr>
-          <p:cNvPr id="51" name="PlaceHolder 2"/>
+            <a:off x="457200" y="273600"/>
+            <a:ext cx="8228880" cy="1144440"/>
+          </a:xfrm>
+          <a:prstGeom prst="rect">
+            <a:avLst/>
+          </a:prstGeom>
+        </p:spPr>
+        <p:txBody>
+          <a:bodyPr lIns="0" rIns="0" tIns="0" bIns="0" anchor="ctr"/>
+          <a:p>
+            <a:pPr algn="ctr"/>
+            <a:endParaRPr b="0" lang="de-DE" sz="4400" spc="-1" strike="noStrike">
+              <a:latin typeface="Arial"/>
+            </a:endParaRPr>
+          </a:p>
+        </p:txBody>
+      </p:sp>
+      <p:sp>
+        <p:nvSpPr>
+          <p:cNvPr id="45" name="PlaceHolder 2"/>
           <p:cNvSpPr>
             <a:spLocks noGrp="1"/>
           </p:cNvSpPr>
@@ -865,8 +802,8 @@
         </p:nvSpPr>
         <p:spPr>
           <a:xfrm>
-            <a:off x="457200" y="1600200"/>
-            <a:ext cx="4015800" cy="4525560"/>
+            <a:off x="457200" y="1604520"/>
+            <a:ext cx="4015800" cy="3977280"/>
           </a:xfrm>
           <a:prstGeom prst="rect">
             <a:avLst/>
@@ -877,18 +814,15 @@
             <a:normAutofit/>
           </a:bodyPr>
           <a:p>
-            <a:endParaRPr b="0" lang="ru-RU" sz="3200" spc="-1" strike="noStrike">
-              <a:solidFill>
-                <a:srgbClr val="000000"/>
-              </a:solidFill>
-              <a:latin typeface="Calibri"/>
-            </a:endParaRPr>
-          </a:p>
-        </p:txBody>
-      </p:sp>
-      <p:sp>
-        <p:nvSpPr>
-          <p:cNvPr id="52" name="PlaceHolder 3"/>
+            <a:endParaRPr b="0" lang="de-DE" sz="3200" spc="-1" strike="noStrike">
+              <a:latin typeface="Arial"/>
+            </a:endParaRPr>
+          </a:p>
+        </p:txBody>
+      </p:sp>
+      <p:sp>
+        <p:nvSpPr>
+          <p:cNvPr id="46" name="PlaceHolder 3"/>
           <p:cNvSpPr>
             <a:spLocks noGrp="1"/>
           </p:cNvSpPr>
@@ -898,8 +832,8 @@
         </p:nvSpPr>
         <p:spPr>
           <a:xfrm>
-            <a:off x="4674240" y="1600200"/>
-            <a:ext cx="4015800" cy="4525560"/>
+            <a:off x="4674240" y="1604520"/>
+            <a:ext cx="4015800" cy="3977280"/>
           </a:xfrm>
           <a:prstGeom prst="rect">
             <a:avLst/>
@@ -910,11 +844,8 @@
             <a:normAutofit/>
           </a:bodyPr>
           <a:p>
-            <a:endParaRPr b="0" lang="ru-RU" sz="3200" spc="-1" strike="noStrike">
-              <a:solidFill>
-                <a:srgbClr val="000000"/>
-              </a:solidFill>
-              <a:latin typeface="Calibri"/>
+            <a:endParaRPr b="0" lang="de-DE" sz="3200" spc="-1" strike="noStrike">
+              <a:latin typeface="Arial"/>
             </a:endParaRPr>
           </a:p>
         </p:txBody>
@@ -943,7 +874,7 @@
       </p:grpSpPr>
       <p:sp>
         <p:nvSpPr>
-          <p:cNvPr id="53" name="PlaceHolder 1"/>
+          <p:cNvPr id="47" name="PlaceHolder 1"/>
           <p:cNvSpPr>
             <a:spLocks noGrp="1"/>
           </p:cNvSpPr>
@@ -953,23 +884,19 @@
         </p:nvSpPr>
         <p:spPr>
           <a:xfrm>
-            <a:off x="457200" y="274680"/>
-            <a:ext cx="8229240" cy="1142640"/>
-          </a:xfrm>
-          <a:prstGeom prst="rect">
-            <a:avLst/>
-          </a:prstGeom>
-        </p:spPr>
-        <p:txBody>
-          <a:bodyPr lIns="0" rIns="0" tIns="0" bIns="0" anchor="ctr">
-            <a:spAutoFit/>
-          </a:bodyPr>
-          <a:p>
-            <a:endParaRPr b="0" lang="ru-RU" sz="1800" spc="-1" strike="noStrike">
-              <a:solidFill>
-                <a:srgbClr val="000000"/>
-              </a:solidFill>
-              <a:latin typeface="Calibri"/>
+            <a:off x="457200" y="273600"/>
+            <a:ext cx="8228880" cy="1144440"/>
+          </a:xfrm>
+          <a:prstGeom prst="rect">
+            <a:avLst/>
+          </a:prstGeom>
+        </p:spPr>
+        <p:txBody>
+          <a:bodyPr lIns="0" rIns="0" tIns="0" bIns="0" anchor="ctr"/>
+          <a:p>
+            <a:pPr algn="ctr"/>
+            <a:endParaRPr b="0" lang="de-DE" sz="4400" spc="-1" strike="noStrike">
+              <a:latin typeface="Arial"/>
             </a:endParaRPr>
           </a:p>
         </p:txBody>
@@ -998,7 +925,7 @@
       </p:grpSpPr>
       <p:sp>
         <p:nvSpPr>
-          <p:cNvPr id="54" name="PlaceHolder 1"/>
+          <p:cNvPr id="48" name="PlaceHolder 1"/>
           <p:cNvSpPr>
             <a:spLocks noGrp="1"/>
           </p:cNvSpPr>
@@ -1008,17 +935,15 @@
         </p:nvSpPr>
         <p:spPr>
           <a:xfrm>
-            <a:off x="457200" y="274680"/>
-            <a:ext cx="8229240" cy="5297760"/>
-          </a:xfrm>
-          <a:prstGeom prst="rect">
-            <a:avLst/>
-          </a:prstGeom>
-        </p:spPr>
-        <p:txBody>
-          <a:bodyPr lIns="0" rIns="0" tIns="0" bIns="0" anchor="ctr">
-            <a:spAutoFit/>
-          </a:bodyPr>
+            <a:off x="457200" y="273600"/>
+            <a:ext cx="8228880" cy="5306400"/>
+          </a:xfrm>
+          <a:prstGeom prst="rect">
+            <a:avLst/>
+          </a:prstGeom>
+        </p:spPr>
+        <p:txBody>
+          <a:bodyPr lIns="0" rIns="0" tIns="0" bIns="0" anchor="ctr"/>
           <a:p>
             <a:pPr algn="ctr"/>
             <a:endParaRPr b="0" lang="de-DE" sz="3200" spc="-1" strike="noStrike">
@@ -1051,7 +976,7 @@
       </p:grpSpPr>
       <p:sp>
         <p:nvSpPr>
-          <p:cNvPr id="55" name="PlaceHolder 1"/>
+          <p:cNvPr id="49" name="PlaceHolder 1"/>
           <p:cNvSpPr>
             <a:spLocks noGrp="1"/>
           </p:cNvSpPr>
@@ -1061,30 +986,26 @@
         </p:nvSpPr>
         <p:spPr>
           <a:xfrm>
-            <a:off x="457200" y="274680"/>
-            <a:ext cx="8229240" cy="1142640"/>
-          </a:xfrm>
-          <a:prstGeom prst="rect">
-            <a:avLst/>
-          </a:prstGeom>
-        </p:spPr>
-        <p:txBody>
-          <a:bodyPr lIns="0" rIns="0" tIns="0" bIns="0" anchor="ctr">
-            <a:spAutoFit/>
-          </a:bodyPr>
-          <a:p>
-            <a:endParaRPr b="0" lang="ru-RU" sz="1800" spc="-1" strike="noStrike">
-              <a:solidFill>
-                <a:srgbClr val="000000"/>
-              </a:solidFill>
-              <a:latin typeface="Calibri"/>
-            </a:endParaRPr>
-          </a:p>
-        </p:txBody>
-      </p:sp>
-      <p:sp>
-        <p:nvSpPr>
-          <p:cNvPr id="56" name="PlaceHolder 2"/>
+            <a:off x="457200" y="273600"/>
+            <a:ext cx="8228880" cy="1144440"/>
+          </a:xfrm>
+          <a:prstGeom prst="rect">
+            <a:avLst/>
+          </a:prstGeom>
+        </p:spPr>
+        <p:txBody>
+          <a:bodyPr lIns="0" rIns="0" tIns="0" bIns="0" anchor="ctr"/>
+          <a:p>
+            <a:pPr algn="ctr"/>
+            <a:endParaRPr b="0" lang="de-DE" sz="4400" spc="-1" strike="noStrike">
+              <a:latin typeface="Arial"/>
+            </a:endParaRPr>
+          </a:p>
+        </p:txBody>
+      </p:sp>
+      <p:sp>
+        <p:nvSpPr>
+          <p:cNvPr id="50" name="PlaceHolder 2"/>
           <p:cNvSpPr>
             <a:spLocks noGrp="1"/>
           </p:cNvSpPr>
@@ -1094,8 +1015,8 @@
         </p:nvSpPr>
         <p:spPr>
           <a:xfrm>
-            <a:off x="457200" y="1600200"/>
-            <a:ext cx="4015800" cy="2158560"/>
+            <a:off x="457200" y="1604520"/>
+            <a:ext cx="4015800" cy="1896840"/>
           </a:xfrm>
           <a:prstGeom prst="rect">
             <a:avLst/>
@@ -1106,18 +1027,15 @@
             <a:normAutofit/>
           </a:bodyPr>
           <a:p>
-            <a:endParaRPr b="0" lang="ru-RU" sz="3200" spc="-1" strike="noStrike">
-              <a:solidFill>
-                <a:srgbClr val="000000"/>
-              </a:solidFill>
-              <a:latin typeface="Calibri"/>
-            </a:endParaRPr>
-          </a:p>
-        </p:txBody>
-      </p:sp>
-      <p:sp>
-        <p:nvSpPr>
-          <p:cNvPr id="57" name="PlaceHolder 3"/>
+            <a:endParaRPr b="0" lang="de-DE" sz="3200" spc="-1" strike="noStrike">
+              <a:latin typeface="Arial"/>
+            </a:endParaRPr>
+          </a:p>
+        </p:txBody>
+      </p:sp>
+      <p:sp>
+        <p:nvSpPr>
+          <p:cNvPr id="51" name="PlaceHolder 3"/>
           <p:cNvSpPr>
             <a:spLocks noGrp="1"/>
           </p:cNvSpPr>
@@ -1127,8 +1045,8 @@
         </p:nvSpPr>
         <p:spPr>
           <a:xfrm>
-            <a:off x="4674240" y="1600200"/>
-            <a:ext cx="4015800" cy="4525560"/>
+            <a:off x="4674240" y="1604520"/>
+            <a:ext cx="4015800" cy="3977280"/>
           </a:xfrm>
           <a:prstGeom prst="rect">
             <a:avLst/>
@@ -1139,18 +1057,15 @@
             <a:normAutofit/>
           </a:bodyPr>
           <a:p>
-            <a:endParaRPr b="0" lang="ru-RU" sz="3200" spc="-1" strike="noStrike">
-              <a:solidFill>
-                <a:srgbClr val="000000"/>
-              </a:solidFill>
-              <a:latin typeface="Calibri"/>
-            </a:endParaRPr>
-          </a:p>
-        </p:txBody>
-      </p:sp>
-      <p:sp>
-        <p:nvSpPr>
-          <p:cNvPr id="58" name="PlaceHolder 4"/>
+            <a:endParaRPr b="0" lang="de-DE" sz="3200" spc="-1" strike="noStrike">
+              <a:latin typeface="Arial"/>
+            </a:endParaRPr>
+          </a:p>
+        </p:txBody>
+      </p:sp>
+      <p:sp>
+        <p:nvSpPr>
+          <p:cNvPr id="52" name="PlaceHolder 4"/>
           <p:cNvSpPr>
             <a:spLocks noGrp="1"/>
           </p:cNvSpPr>
@@ -1160,8 +1075,8 @@
         </p:nvSpPr>
         <p:spPr>
           <a:xfrm>
-            <a:off x="457200" y="3964320"/>
-            <a:ext cx="4015800" cy="2158560"/>
+            <a:off x="457200" y="3682080"/>
+            <a:ext cx="4015800" cy="1896840"/>
           </a:xfrm>
           <a:prstGeom prst="rect">
             <a:avLst/>
@@ -1172,11 +1087,8 @@
             <a:normAutofit/>
           </a:bodyPr>
           <a:p>
-            <a:endParaRPr b="0" lang="ru-RU" sz="3200" spc="-1" strike="noStrike">
-              <a:solidFill>
-                <a:srgbClr val="000000"/>
-              </a:solidFill>
-              <a:latin typeface="Calibri"/>
+            <a:endParaRPr b="0" lang="de-DE" sz="3200" spc="-1" strike="noStrike">
+              <a:latin typeface="Arial"/>
             </a:endParaRPr>
           </a:p>
         </p:txBody>
@@ -1205,7 +1117,7 @@
       </p:grpSpPr>
       <p:sp>
         <p:nvSpPr>
-          <p:cNvPr id="5" name="PlaceHolder 1"/>
+          <p:cNvPr id="2" name="PlaceHolder 1"/>
           <p:cNvSpPr>
             <a:spLocks noGrp="1"/>
           </p:cNvSpPr>
@@ -1215,30 +1127,26 @@
         </p:nvSpPr>
         <p:spPr>
           <a:xfrm>
-            <a:off x="457200" y="274680"/>
-            <a:ext cx="8229240" cy="1142640"/>
-          </a:xfrm>
-          <a:prstGeom prst="rect">
-            <a:avLst/>
-          </a:prstGeom>
-        </p:spPr>
-        <p:txBody>
-          <a:bodyPr lIns="0" rIns="0" tIns="0" bIns="0" anchor="ctr">
-            <a:spAutoFit/>
-          </a:bodyPr>
-          <a:p>
-            <a:endParaRPr b="0" lang="ru-RU" sz="1800" spc="-1" strike="noStrike">
-              <a:solidFill>
-                <a:srgbClr val="000000"/>
-              </a:solidFill>
-              <a:latin typeface="Calibri"/>
-            </a:endParaRPr>
-          </a:p>
-        </p:txBody>
-      </p:sp>
-      <p:sp>
-        <p:nvSpPr>
-          <p:cNvPr id="6" name="PlaceHolder 2"/>
+            <a:off x="457200" y="273600"/>
+            <a:ext cx="8228880" cy="1144440"/>
+          </a:xfrm>
+          <a:prstGeom prst="rect">
+            <a:avLst/>
+          </a:prstGeom>
+        </p:spPr>
+        <p:txBody>
+          <a:bodyPr lIns="0" rIns="0" tIns="0" bIns="0" anchor="ctr"/>
+          <a:p>
+            <a:pPr algn="ctr"/>
+            <a:endParaRPr b="0" lang="de-DE" sz="4400" spc="-1" strike="noStrike">
+              <a:latin typeface="Arial"/>
+            </a:endParaRPr>
+          </a:p>
+        </p:txBody>
+      </p:sp>
+      <p:sp>
+        <p:nvSpPr>
+          <p:cNvPr id="3" name="PlaceHolder 2"/>
           <p:cNvSpPr>
             <a:spLocks noGrp="1"/>
           </p:cNvSpPr>
@@ -1248,17 +1156,15 @@
         </p:nvSpPr>
         <p:spPr>
           <a:xfrm>
-            <a:off x="457200" y="1600200"/>
-            <a:ext cx="8229240" cy="4525560"/>
-          </a:xfrm>
-          <a:prstGeom prst="rect">
-            <a:avLst/>
-          </a:prstGeom>
-        </p:spPr>
-        <p:txBody>
-          <a:bodyPr lIns="0" rIns="0" tIns="0" bIns="0" anchor="ctr">
-            <a:spAutoFit/>
-          </a:bodyPr>
+            <a:off x="457200" y="1604520"/>
+            <a:ext cx="8229240" cy="3977280"/>
+          </a:xfrm>
+          <a:prstGeom prst="rect">
+            <a:avLst/>
+          </a:prstGeom>
+        </p:spPr>
+        <p:txBody>
+          <a:bodyPr lIns="0" rIns="0" tIns="0" bIns="0" anchor="ctr"/>
           <a:p>
             <a:pPr algn="ctr"/>
             <a:endParaRPr b="0" lang="de-DE" sz="3200" spc="-1" strike="noStrike">
@@ -1291,7 +1197,7 @@
       </p:grpSpPr>
       <p:sp>
         <p:nvSpPr>
-          <p:cNvPr id="59" name="PlaceHolder 1"/>
+          <p:cNvPr id="53" name="PlaceHolder 1"/>
           <p:cNvSpPr>
             <a:spLocks noGrp="1"/>
           </p:cNvSpPr>
@@ -1301,30 +1207,26 @@
         </p:nvSpPr>
         <p:spPr>
           <a:xfrm>
-            <a:off x="457200" y="274680"/>
-            <a:ext cx="8229240" cy="1142640"/>
-          </a:xfrm>
-          <a:prstGeom prst="rect">
-            <a:avLst/>
-          </a:prstGeom>
-        </p:spPr>
-        <p:txBody>
-          <a:bodyPr lIns="0" rIns="0" tIns="0" bIns="0" anchor="ctr">
-            <a:spAutoFit/>
-          </a:bodyPr>
-          <a:p>
-            <a:endParaRPr b="0" lang="ru-RU" sz="1800" spc="-1" strike="noStrike">
-              <a:solidFill>
-                <a:srgbClr val="000000"/>
-              </a:solidFill>
-              <a:latin typeface="Calibri"/>
-            </a:endParaRPr>
-          </a:p>
-        </p:txBody>
-      </p:sp>
-      <p:sp>
-        <p:nvSpPr>
-          <p:cNvPr id="60" name="PlaceHolder 2"/>
+            <a:off x="457200" y="273600"/>
+            <a:ext cx="8228880" cy="1144440"/>
+          </a:xfrm>
+          <a:prstGeom prst="rect">
+            <a:avLst/>
+          </a:prstGeom>
+        </p:spPr>
+        <p:txBody>
+          <a:bodyPr lIns="0" rIns="0" tIns="0" bIns="0" anchor="ctr"/>
+          <a:p>
+            <a:pPr algn="ctr"/>
+            <a:endParaRPr b="0" lang="de-DE" sz="4400" spc="-1" strike="noStrike">
+              <a:latin typeface="Arial"/>
+            </a:endParaRPr>
+          </a:p>
+        </p:txBody>
+      </p:sp>
+      <p:sp>
+        <p:nvSpPr>
+          <p:cNvPr id="54" name="PlaceHolder 2"/>
           <p:cNvSpPr>
             <a:spLocks noGrp="1"/>
           </p:cNvSpPr>
@@ -1334,8 +1236,8 @@
         </p:nvSpPr>
         <p:spPr>
           <a:xfrm>
-            <a:off x="457200" y="1600200"/>
-            <a:ext cx="4015800" cy="4525560"/>
+            <a:off x="457200" y="1604520"/>
+            <a:ext cx="4015800" cy="3977280"/>
           </a:xfrm>
           <a:prstGeom prst="rect">
             <a:avLst/>
@@ -1346,18 +1248,15 @@
             <a:normAutofit/>
           </a:bodyPr>
           <a:p>
-            <a:endParaRPr b="0" lang="ru-RU" sz="3200" spc="-1" strike="noStrike">
-              <a:solidFill>
-                <a:srgbClr val="000000"/>
-              </a:solidFill>
-              <a:latin typeface="Calibri"/>
-            </a:endParaRPr>
-          </a:p>
-        </p:txBody>
-      </p:sp>
-      <p:sp>
-        <p:nvSpPr>
-          <p:cNvPr id="61" name="PlaceHolder 3"/>
+            <a:endParaRPr b="0" lang="de-DE" sz="3200" spc="-1" strike="noStrike">
+              <a:latin typeface="Arial"/>
+            </a:endParaRPr>
+          </a:p>
+        </p:txBody>
+      </p:sp>
+      <p:sp>
+        <p:nvSpPr>
+          <p:cNvPr id="55" name="PlaceHolder 3"/>
           <p:cNvSpPr>
             <a:spLocks noGrp="1"/>
           </p:cNvSpPr>
@@ -1367,8 +1266,8 @@
         </p:nvSpPr>
         <p:spPr>
           <a:xfrm>
-            <a:off x="4674240" y="1600200"/>
-            <a:ext cx="4015800" cy="2158560"/>
+            <a:off x="4674240" y="1604520"/>
+            <a:ext cx="4015800" cy="1896840"/>
           </a:xfrm>
           <a:prstGeom prst="rect">
             <a:avLst/>
@@ -1379,18 +1278,15 @@
             <a:normAutofit/>
           </a:bodyPr>
           <a:p>
-            <a:endParaRPr b="0" lang="ru-RU" sz="3200" spc="-1" strike="noStrike">
-              <a:solidFill>
-                <a:srgbClr val="000000"/>
-              </a:solidFill>
-              <a:latin typeface="Calibri"/>
-            </a:endParaRPr>
-          </a:p>
-        </p:txBody>
-      </p:sp>
-      <p:sp>
-        <p:nvSpPr>
-          <p:cNvPr id="62" name="PlaceHolder 4"/>
+            <a:endParaRPr b="0" lang="de-DE" sz="3200" spc="-1" strike="noStrike">
+              <a:latin typeface="Arial"/>
+            </a:endParaRPr>
+          </a:p>
+        </p:txBody>
+      </p:sp>
+      <p:sp>
+        <p:nvSpPr>
+          <p:cNvPr id="56" name="PlaceHolder 4"/>
           <p:cNvSpPr>
             <a:spLocks noGrp="1"/>
           </p:cNvSpPr>
@@ -1400,8 +1296,8 @@
         </p:nvSpPr>
         <p:spPr>
           <a:xfrm>
-            <a:off x="4674240" y="3964320"/>
-            <a:ext cx="4015800" cy="2158560"/>
+            <a:off x="4674240" y="3682080"/>
+            <a:ext cx="4015800" cy="1896840"/>
           </a:xfrm>
           <a:prstGeom prst="rect">
             <a:avLst/>
@@ -1412,11 +1308,8 @@
             <a:normAutofit/>
           </a:bodyPr>
           <a:p>
-            <a:endParaRPr b="0" lang="ru-RU" sz="3200" spc="-1" strike="noStrike">
-              <a:solidFill>
-                <a:srgbClr val="000000"/>
-              </a:solidFill>
-              <a:latin typeface="Calibri"/>
+            <a:endParaRPr b="0" lang="de-DE" sz="3200" spc="-1" strike="noStrike">
+              <a:latin typeface="Arial"/>
             </a:endParaRPr>
           </a:p>
         </p:txBody>
@@ -1445,7 +1338,7 @@
       </p:grpSpPr>
       <p:sp>
         <p:nvSpPr>
-          <p:cNvPr id="63" name="PlaceHolder 1"/>
+          <p:cNvPr id="57" name="PlaceHolder 1"/>
           <p:cNvSpPr>
             <a:spLocks noGrp="1"/>
           </p:cNvSpPr>
@@ -1455,30 +1348,26 @@
         </p:nvSpPr>
         <p:spPr>
           <a:xfrm>
-            <a:off x="457200" y="274680"/>
-            <a:ext cx="8229240" cy="1142640"/>
-          </a:xfrm>
-          <a:prstGeom prst="rect">
-            <a:avLst/>
-          </a:prstGeom>
-        </p:spPr>
-        <p:txBody>
-          <a:bodyPr lIns="0" rIns="0" tIns="0" bIns="0" anchor="ctr">
-            <a:spAutoFit/>
-          </a:bodyPr>
-          <a:p>
-            <a:endParaRPr b="0" lang="ru-RU" sz="1800" spc="-1" strike="noStrike">
-              <a:solidFill>
-                <a:srgbClr val="000000"/>
-              </a:solidFill>
-              <a:latin typeface="Calibri"/>
-            </a:endParaRPr>
-          </a:p>
-        </p:txBody>
-      </p:sp>
-      <p:sp>
-        <p:nvSpPr>
-          <p:cNvPr id="64" name="PlaceHolder 2"/>
+            <a:off x="457200" y="273600"/>
+            <a:ext cx="8228880" cy="1144440"/>
+          </a:xfrm>
+          <a:prstGeom prst="rect">
+            <a:avLst/>
+          </a:prstGeom>
+        </p:spPr>
+        <p:txBody>
+          <a:bodyPr lIns="0" rIns="0" tIns="0" bIns="0" anchor="ctr"/>
+          <a:p>
+            <a:pPr algn="ctr"/>
+            <a:endParaRPr b="0" lang="de-DE" sz="4400" spc="-1" strike="noStrike">
+              <a:latin typeface="Arial"/>
+            </a:endParaRPr>
+          </a:p>
+        </p:txBody>
+      </p:sp>
+      <p:sp>
+        <p:nvSpPr>
+          <p:cNvPr id="58" name="PlaceHolder 2"/>
           <p:cNvSpPr>
             <a:spLocks noGrp="1"/>
           </p:cNvSpPr>
@@ -1488,8 +1377,8 @@
         </p:nvSpPr>
         <p:spPr>
           <a:xfrm>
-            <a:off x="457200" y="1600200"/>
-            <a:ext cx="4015800" cy="2158560"/>
+            <a:off x="457200" y="1604520"/>
+            <a:ext cx="4015800" cy="1896840"/>
           </a:xfrm>
           <a:prstGeom prst="rect">
             <a:avLst/>
@@ -1500,18 +1389,15 @@
             <a:normAutofit/>
           </a:bodyPr>
           <a:p>
-            <a:endParaRPr b="0" lang="ru-RU" sz="3200" spc="-1" strike="noStrike">
-              <a:solidFill>
-                <a:srgbClr val="000000"/>
-              </a:solidFill>
-              <a:latin typeface="Calibri"/>
-            </a:endParaRPr>
-          </a:p>
-        </p:txBody>
-      </p:sp>
-      <p:sp>
-        <p:nvSpPr>
-          <p:cNvPr id="65" name="PlaceHolder 3"/>
+            <a:endParaRPr b="0" lang="de-DE" sz="3200" spc="-1" strike="noStrike">
+              <a:latin typeface="Arial"/>
+            </a:endParaRPr>
+          </a:p>
+        </p:txBody>
+      </p:sp>
+      <p:sp>
+        <p:nvSpPr>
+          <p:cNvPr id="59" name="PlaceHolder 3"/>
           <p:cNvSpPr>
             <a:spLocks noGrp="1"/>
           </p:cNvSpPr>
@@ -1521,8 +1407,8 @@
         </p:nvSpPr>
         <p:spPr>
           <a:xfrm>
-            <a:off x="4674240" y="1600200"/>
-            <a:ext cx="4015800" cy="2158560"/>
+            <a:off x="4674240" y="1604520"/>
+            <a:ext cx="4015800" cy="1896840"/>
           </a:xfrm>
           <a:prstGeom prst="rect">
             <a:avLst/>
@@ -1533,18 +1419,15 @@
             <a:normAutofit/>
           </a:bodyPr>
           <a:p>
-            <a:endParaRPr b="0" lang="ru-RU" sz="3200" spc="-1" strike="noStrike">
-              <a:solidFill>
-                <a:srgbClr val="000000"/>
-              </a:solidFill>
-              <a:latin typeface="Calibri"/>
-            </a:endParaRPr>
-          </a:p>
-        </p:txBody>
-      </p:sp>
-      <p:sp>
-        <p:nvSpPr>
-          <p:cNvPr id="66" name="PlaceHolder 4"/>
+            <a:endParaRPr b="0" lang="de-DE" sz="3200" spc="-1" strike="noStrike">
+              <a:latin typeface="Arial"/>
+            </a:endParaRPr>
+          </a:p>
+        </p:txBody>
+      </p:sp>
+      <p:sp>
+        <p:nvSpPr>
+          <p:cNvPr id="60" name="PlaceHolder 4"/>
           <p:cNvSpPr>
             <a:spLocks noGrp="1"/>
           </p:cNvSpPr>
@@ -1554,8 +1437,8 @@
         </p:nvSpPr>
         <p:spPr>
           <a:xfrm>
-            <a:off x="457200" y="3964320"/>
-            <a:ext cx="8229240" cy="2158560"/>
+            <a:off x="457200" y="3682080"/>
+            <a:ext cx="8229240" cy="1896840"/>
           </a:xfrm>
           <a:prstGeom prst="rect">
             <a:avLst/>
@@ -1566,11 +1449,8 @@
             <a:normAutofit/>
           </a:bodyPr>
           <a:p>
-            <a:endParaRPr b="0" lang="ru-RU" sz="3200" spc="-1" strike="noStrike">
-              <a:solidFill>
-                <a:srgbClr val="000000"/>
-              </a:solidFill>
-              <a:latin typeface="Calibri"/>
+            <a:endParaRPr b="0" lang="de-DE" sz="3200" spc="-1" strike="noStrike">
+              <a:latin typeface="Arial"/>
             </a:endParaRPr>
           </a:p>
         </p:txBody>
@@ -1599,7 +1479,7 @@
       </p:grpSpPr>
       <p:sp>
         <p:nvSpPr>
-          <p:cNvPr id="67" name="PlaceHolder 1"/>
+          <p:cNvPr id="61" name="PlaceHolder 1"/>
           <p:cNvSpPr>
             <a:spLocks noGrp="1"/>
           </p:cNvSpPr>
@@ -1609,30 +1489,26 @@
         </p:nvSpPr>
         <p:spPr>
           <a:xfrm>
-            <a:off x="457200" y="274680"/>
-            <a:ext cx="8229240" cy="1142640"/>
-          </a:xfrm>
-          <a:prstGeom prst="rect">
-            <a:avLst/>
-          </a:prstGeom>
-        </p:spPr>
-        <p:txBody>
-          <a:bodyPr lIns="0" rIns="0" tIns="0" bIns="0" anchor="ctr">
-            <a:spAutoFit/>
-          </a:bodyPr>
-          <a:p>
-            <a:endParaRPr b="0" lang="ru-RU" sz="1800" spc="-1" strike="noStrike">
-              <a:solidFill>
-                <a:srgbClr val="000000"/>
-              </a:solidFill>
-              <a:latin typeface="Calibri"/>
-            </a:endParaRPr>
-          </a:p>
-        </p:txBody>
-      </p:sp>
-      <p:sp>
-        <p:nvSpPr>
-          <p:cNvPr id="68" name="PlaceHolder 2"/>
+            <a:off x="457200" y="273600"/>
+            <a:ext cx="8228880" cy="1144440"/>
+          </a:xfrm>
+          <a:prstGeom prst="rect">
+            <a:avLst/>
+          </a:prstGeom>
+        </p:spPr>
+        <p:txBody>
+          <a:bodyPr lIns="0" rIns="0" tIns="0" bIns="0" anchor="ctr"/>
+          <a:p>
+            <a:pPr algn="ctr"/>
+            <a:endParaRPr b="0" lang="de-DE" sz="4400" spc="-1" strike="noStrike">
+              <a:latin typeface="Arial"/>
+            </a:endParaRPr>
+          </a:p>
+        </p:txBody>
+      </p:sp>
+      <p:sp>
+        <p:nvSpPr>
+          <p:cNvPr id="62" name="PlaceHolder 2"/>
           <p:cNvSpPr>
             <a:spLocks noGrp="1"/>
           </p:cNvSpPr>
@@ -1642,8 +1518,8 @@
         </p:nvSpPr>
         <p:spPr>
           <a:xfrm>
-            <a:off x="457200" y="1600200"/>
-            <a:ext cx="8229240" cy="2158560"/>
+            <a:off x="457200" y="1604520"/>
+            <a:ext cx="8229240" cy="1896840"/>
           </a:xfrm>
           <a:prstGeom prst="rect">
             <a:avLst/>
@@ -1654,18 +1530,15 @@
             <a:normAutofit/>
           </a:bodyPr>
           <a:p>
-            <a:endParaRPr b="0" lang="ru-RU" sz="3200" spc="-1" strike="noStrike">
-              <a:solidFill>
-                <a:srgbClr val="000000"/>
-              </a:solidFill>
-              <a:latin typeface="Calibri"/>
-            </a:endParaRPr>
-          </a:p>
-        </p:txBody>
-      </p:sp>
-      <p:sp>
-        <p:nvSpPr>
-          <p:cNvPr id="69" name="PlaceHolder 3"/>
+            <a:endParaRPr b="0" lang="de-DE" sz="3200" spc="-1" strike="noStrike">
+              <a:latin typeface="Arial"/>
+            </a:endParaRPr>
+          </a:p>
+        </p:txBody>
+      </p:sp>
+      <p:sp>
+        <p:nvSpPr>
+          <p:cNvPr id="63" name="PlaceHolder 3"/>
           <p:cNvSpPr>
             <a:spLocks noGrp="1"/>
           </p:cNvSpPr>
@@ -1675,8 +1548,8 @@
         </p:nvSpPr>
         <p:spPr>
           <a:xfrm>
-            <a:off x="457200" y="3964320"/>
-            <a:ext cx="8229240" cy="2158560"/>
+            <a:off x="457200" y="3682080"/>
+            <a:ext cx="8229240" cy="1896840"/>
           </a:xfrm>
           <a:prstGeom prst="rect">
             <a:avLst/>
@@ -1687,11 +1560,8 @@
             <a:normAutofit/>
           </a:bodyPr>
           <a:p>
-            <a:endParaRPr b="0" lang="ru-RU" sz="3200" spc="-1" strike="noStrike">
-              <a:solidFill>
-                <a:srgbClr val="000000"/>
-              </a:solidFill>
-              <a:latin typeface="Calibri"/>
+            <a:endParaRPr b="0" lang="de-DE" sz="3200" spc="-1" strike="noStrike">
+              <a:latin typeface="Arial"/>
             </a:endParaRPr>
           </a:p>
         </p:txBody>
@@ -1720,7 +1590,7 @@
       </p:grpSpPr>
       <p:sp>
         <p:nvSpPr>
-          <p:cNvPr id="70" name="PlaceHolder 1"/>
+          <p:cNvPr id="64" name="PlaceHolder 1"/>
           <p:cNvSpPr>
             <a:spLocks noGrp="1"/>
           </p:cNvSpPr>
@@ -1730,30 +1600,26 @@
         </p:nvSpPr>
         <p:spPr>
           <a:xfrm>
-            <a:off x="457200" y="274680"/>
-            <a:ext cx="8229240" cy="1142640"/>
-          </a:xfrm>
-          <a:prstGeom prst="rect">
-            <a:avLst/>
-          </a:prstGeom>
-        </p:spPr>
-        <p:txBody>
-          <a:bodyPr lIns="0" rIns="0" tIns="0" bIns="0" anchor="ctr">
-            <a:spAutoFit/>
-          </a:bodyPr>
-          <a:p>
-            <a:endParaRPr b="0" lang="ru-RU" sz="1800" spc="-1" strike="noStrike">
-              <a:solidFill>
-                <a:srgbClr val="000000"/>
-              </a:solidFill>
-              <a:latin typeface="Calibri"/>
-            </a:endParaRPr>
-          </a:p>
-        </p:txBody>
-      </p:sp>
-      <p:sp>
-        <p:nvSpPr>
-          <p:cNvPr id="71" name="PlaceHolder 2"/>
+            <a:off x="457200" y="273600"/>
+            <a:ext cx="8228880" cy="1144440"/>
+          </a:xfrm>
+          <a:prstGeom prst="rect">
+            <a:avLst/>
+          </a:prstGeom>
+        </p:spPr>
+        <p:txBody>
+          <a:bodyPr lIns="0" rIns="0" tIns="0" bIns="0" anchor="ctr"/>
+          <a:p>
+            <a:pPr algn="ctr"/>
+            <a:endParaRPr b="0" lang="de-DE" sz="4400" spc="-1" strike="noStrike">
+              <a:latin typeface="Arial"/>
+            </a:endParaRPr>
+          </a:p>
+        </p:txBody>
+      </p:sp>
+      <p:sp>
+        <p:nvSpPr>
+          <p:cNvPr id="65" name="PlaceHolder 2"/>
           <p:cNvSpPr>
             <a:spLocks noGrp="1"/>
           </p:cNvSpPr>
@@ -1763,8 +1629,8 @@
         </p:nvSpPr>
         <p:spPr>
           <a:xfrm>
-            <a:off x="457200" y="1600200"/>
-            <a:ext cx="4015800" cy="2158560"/>
+            <a:off x="457200" y="1604520"/>
+            <a:ext cx="4015800" cy="1896840"/>
           </a:xfrm>
           <a:prstGeom prst="rect">
             <a:avLst/>
@@ -1775,18 +1641,15 @@
             <a:normAutofit/>
           </a:bodyPr>
           <a:p>
-            <a:endParaRPr b="0" lang="ru-RU" sz="3200" spc="-1" strike="noStrike">
-              <a:solidFill>
-                <a:srgbClr val="000000"/>
-              </a:solidFill>
-              <a:latin typeface="Calibri"/>
-            </a:endParaRPr>
-          </a:p>
-        </p:txBody>
-      </p:sp>
-      <p:sp>
-        <p:nvSpPr>
-          <p:cNvPr id="72" name="PlaceHolder 3"/>
+            <a:endParaRPr b="0" lang="de-DE" sz="3200" spc="-1" strike="noStrike">
+              <a:latin typeface="Arial"/>
+            </a:endParaRPr>
+          </a:p>
+        </p:txBody>
+      </p:sp>
+      <p:sp>
+        <p:nvSpPr>
+          <p:cNvPr id="66" name="PlaceHolder 3"/>
           <p:cNvSpPr>
             <a:spLocks noGrp="1"/>
           </p:cNvSpPr>
@@ -1796,8 +1659,8 @@
         </p:nvSpPr>
         <p:spPr>
           <a:xfrm>
-            <a:off x="4674240" y="1600200"/>
-            <a:ext cx="4015800" cy="2158560"/>
+            <a:off x="4674240" y="1604520"/>
+            <a:ext cx="4015800" cy="1896840"/>
           </a:xfrm>
           <a:prstGeom prst="rect">
             <a:avLst/>
@@ -1808,18 +1671,15 @@
             <a:normAutofit/>
           </a:bodyPr>
           <a:p>
-            <a:endParaRPr b="0" lang="ru-RU" sz="3200" spc="-1" strike="noStrike">
-              <a:solidFill>
-                <a:srgbClr val="000000"/>
-              </a:solidFill>
-              <a:latin typeface="Calibri"/>
-            </a:endParaRPr>
-          </a:p>
-        </p:txBody>
-      </p:sp>
-      <p:sp>
-        <p:nvSpPr>
-          <p:cNvPr id="73" name="PlaceHolder 4"/>
+            <a:endParaRPr b="0" lang="de-DE" sz="3200" spc="-1" strike="noStrike">
+              <a:latin typeface="Arial"/>
+            </a:endParaRPr>
+          </a:p>
+        </p:txBody>
+      </p:sp>
+      <p:sp>
+        <p:nvSpPr>
+          <p:cNvPr id="67" name="PlaceHolder 4"/>
           <p:cNvSpPr>
             <a:spLocks noGrp="1"/>
           </p:cNvSpPr>
@@ -1829,8 +1689,8 @@
         </p:nvSpPr>
         <p:spPr>
           <a:xfrm>
-            <a:off x="457200" y="3964320"/>
-            <a:ext cx="4015800" cy="2158560"/>
+            <a:off x="457200" y="3682080"/>
+            <a:ext cx="4015800" cy="1896840"/>
           </a:xfrm>
           <a:prstGeom prst="rect">
             <a:avLst/>
@@ -1841,18 +1701,15 @@
             <a:normAutofit/>
           </a:bodyPr>
           <a:p>
-            <a:endParaRPr b="0" lang="ru-RU" sz="3200" spc="-1" strike="noStrike">
-              <a:solidFill>
-                <a:srgbClr val="000000"/>
-              </a:solidFill>
-              <a:latin typeface="Calibri"/>
-            </a:endParaRPr>
-          </a:p>
-        </p:txBody>
-      </p:sp>
-      <p:sp>
-        <p:nvSpPr>
-          <p:cNvPr id="74" name="PlaceHolder 5"/>
+            <a:endParaRPr b="0" lang="de-DE" sz="3200" spc="-1" strike="noStrike">
+              <a:latin typeface="Arial"/>
+            </a:endParaRPr>
+          </a:p>
+        </p:txBody>
+      </p:sp>
+      <p:sp>
+        <p:nvSpPr>
+          <p:cNvPr id="68" name="PlaceHolder 5"/>
           <p:cNvSpPr>
             <a:spLocks noGrp="1"/>
           </p:cNvSpPr>
@@ -1862,8 +1719,8 @@
         </p:nvSpPr>
         <p:spPr>
           <a:xfrm>
-            <a:off x="4674240" y="3964320"/>
-            <a:ext cx="4015800" cy="2158560"/>
+            <a:off x="4674240" y="3682080"/>
+            <a:ext cx="4015800" cy="1896840"/>
           </a:xfrm>
           <a:prstGeom prst="rect">
             <a:avLst/>
@@ -1874,11 +1731,8 @@
             <a:normAutofit/>
           </a:bodyPr>
           <a:p>
-            <a:endParaRPr b="0" lang="ru-RU" sz="3200" spc="-1" strike="noStrike">
-              <a:solidFill>
-                <a:srgbClr val="000000"/>
-              </a:solidFill>
-              <a:latin typeface="Calibri"/>
+            <a:endParaRPr b="0" lang="de-DE" sz="3200" spc="-1" strike="noStrike">
+              <a:latin typeface="Arial"/>
             </a:endParaRPr>
           </a:p>
         </p:txBody>
@@ -1907,7 +1761,7 @@
       </p:grpSpPr>
       <p:sp>
         <p:nvSpPr>
-          <p:cNvPr id="75" name="PlaceHolder 1"/>
+          <p:cNvPr id="69" name="PlaceHolder 1"/>
           <p:cNvSpPr>
             <a:spLocks noGrp="1"/>
           </p:cNvSpPr>
@@ -1917,30 +1771,26 @@
         </p:nvSpPr>
         <p:spPr>
           <a:xfrm>
-            <a:off x="457200" y="274680"/>
-            <a:ext cx="8229240" cy="1142640"/>
-          </a:xfrm>
-          <a:prstGeom prst="rect">
-            <a:avLst/>
-          </a:prstGeom>
-        </p:spPr>
-        <p:txBody>
-          <a:bodyPr lIns="0" rIns="0" tIns="0" bIns="0" anchor="ctr">
-            <a:spAutoFit/>
-          </a:bodyPr>
-          <a:p>
-            <a:endParaRPr b="0" lang="ru-RU" sz="1800" spc="-1" strike="noStrike">
-              <a:solidFill>
-                <a:srgbClr val="000000"/>
-              </a:solidFill>
-              <a:latin typeface="Calibri"/>
-            </a:endParaRPr>
-          </a:p>
-        </p:txBody>
-      </p:sp>
-      <p:sp>
-        <p:nvSpPr>
-          <p:cNvPr id="76" name="PlaceHolder 2"/>
+            <a:off x="457200" y="273600"/>
+            <a:ext cx="8228880" cy="1144440"/>
+          </a:xfrm>
+          <a:prstGeom prst="rect">
+            <a:avLst/>
+          </a:prstGeom>
+        </p:spPr>
+        <p:txBody>
+          <a:bodyPr lIns="0" rIns="0" tIns="0" bIns="0" anchor="ctr"/>
+          <a:p>
+            <a:pPr algn="ctr"/>
+            <a:endParaRPr b="0" lang="de-DE" sz="4400" spc="-1" strike="noStrike">
+              <a:latin typeface="Arial"/>
+            </a:endParaRPr>
+          </a:p>
+        </p:txBody>
+      </p:sp>
+      <p:sp>
+        <p:nvSpPr>
+          <p:cNvPr id="70" name="PlaceHolder 2"/>
           <p:cNvSpPr>
             <a:spLocks noGrp="1"/>
           </p:cNvSpPr>
@@ -1950,8 +1800,8 @@
         </p:nvSpPr>
         <p:spPr>
           <a:xfrm>
-            <a:off x="457200" y="1600200"/>
-            <a:ext cx="2649600" cy="2158560"/>
+            <a:off x="457200" y="1604520"/>
+            <a:ext cx="2649600" cy="1896840"/>
           </a:xfrm>
           <a:prstGeom prst="rect">
             <a:avLst/>
@@ -1962,18 +1812,15 @@
             <a:normAutofit/>
           </a:bodyPr>
           <a:p>
-            <a:endParaRPr b="0" lang="ru-RU" sz="3200" spc="-1" strike="noStrike">
-              <a:solidFill>
-                <a:srgbClr val="000000"/>
-              </a:solidFill>
-              <a:latin typeface="Calibri"/>
-            </a:endParaRPr>
-          </a:p>
-        </p:txBody>
-      </p:sp>
-      <p:sp>
-        <p:nvSpPr>
-          <p:cNvPr id="77" name="PlaceHolder 3"/>
+            <a:endParaRPr b="0" lang="de-DE" sz="3200" spc="-1" strike="noStrike">
+              <a:latin typeface="Arial"/>
+            </a:endParaRPr>
+          </a:p>
+        </p:txBody>
+      </p:sp>
+      <p:sp>
+        <p:nvSpPr>
+          <p:cNvPr id="71" name="PlaceHolder 3"/>
           <p:cNvSpPr>
             <a:spLocks noGrp="1"/>
           </p:cNvSpPr>
@@ -1983,8 +1830,8 @@
         </p:nvSpPr>
         <p:spPr>
           <a:xfrm>
-            <a:off x="3239640" y="1600200"/>
-            <a:ext cx="2649600" cy="2158560"/>
+            <a:off x="3239640" y="1604520"/>
+            <a:ext cx="2649600" cy="1896840"/>
           </a:xfrm>
           <a:prstGeom prst="rect">
             <a:avLst/>
@@ -1995,18 +1842,15 @@
             <a:normAutofit/>
           </a:bodyPr>
           <a:p>
-            <a:endParaRPr b="0" lang="ru-RU" sz="3200" spc="-1" strike="noStrike">
-              <a:solidFill>
-                <a:srgbClr val="000000"/>
-              </a:solidFill>
-              <a:latin typeface="Calibri"/>
-            </a:endParaRPr>
-          </a:p>
-        </p:txBody>
-      </p:sp>
-      <p:sp>
-        <p:nvSpPr>
-          <p:cNvPr id="78" name="PlaceHolder 4"/>
+            <a:endParaRPr b="0" lang="de-DE" sz="3200" spc="-1" strike="noStrike">
+              <a:latin typeface="Arial"/>
+            </a:endParaRPr>
+          </a:p>
+        </p:txBody>
+      </p:sp>
+      <p:sp>
+        <p:nvSpPr>
+          <p:cNvPr id="72" name="PlaceHolder 4"/>
           <p:cNvSpPr>
             <a:spLocks noGrp="1"/>
           </p:cNvSpPr>
@@ -2016,8 +1860,8 @@
         </p:nvSpPr>
         <p:spPr>
           <a:xfrm>
-            <a:off x="6022080" y="1600200"/>
-            <a:ext cx="2649600" cy="2158560"/>
+            <a:off x="6022080" y="1604520"/>
+            <a:ext cx="2649600" cy="1896840"/>
           </a:xfrm>
           <a:prstGeom prst="rect">
             <a:avLst/>
@@ -2028,18 +1872,15 @@
             <a:normAutofit/>
           </a:bodyPr>
           <a:p>
-            <a:endParaRPr b="0" lang="ru-RU" sz="3200" spc="-1" strike="noStrike">
-              <a:solidFill>
-                <a:srgbClr val="000000"/>
-              </a:solidFill>
-              <a:latin typeface="Calibri"/>
-            </a:endParaRPr>
-          </a:p>
-        </p:txBody>
-      </p:sp>
-      <p:sp>
-        <p:nvSpPr>
-          <p:cNvPr id="79" name="PlaceHolder 5"/>
+            <a:endParaRPr b="0" lang="de-DE" sz="3200" spc="-1" strike="noStrike">
+              <a:latin typeface="Arial"/>
+            </a:endParaRPr>
+          </a:p>
+        </p:txBody>
+      </p:sp>
+      <p:sp>
+        <p:nvSpPr>
+          <p:cNvPr id="73" name="PlaceHolder 5"/>
           <p:cNvSpPr>
             <a:spLocks noGrp="1"/>
           </p:cNvSpPr>
@@ -2049,8 +1890,8 @@
         </p:nvSpPr>
         <p:spPr>
           <a:xfrm>
-            <a:off x="457200" y="3964320"/>
-            <a:ext cx="2649600" cy="2158560"/>
+            <a:off x="457200" y="3682080"/>
+            <a:ext cx="2649600" cy="1896840"/>
           </a:xfrm>
           <a:prstGeom prst="rect">
             <a:avLst/>
@@ -2061,18 +1902,15 @@
             <a:normAutofit/>
           </a:bodyPr>
           <a:p>
-            <a:endParaRPr b="0" lang="ru-RU" sz="3200" spc="-1" strike="noStrike">
-              <a:solidFill>
-                <a:srgbClr val="000000"/>
-              </a:solidFill>
-              <a:latin typeface="Calibri"/>
-            </a:endParaRPr>
-          </a:p>
-        </p:txBody>
-      </p:sp>
-      <p:sp>
-        <p:nvSpPr>
-          <p:cNvPr id="80" name="PlaceHolder 6"/>
+            <a:endParaRPr b="0" lang="de-DE" sz="3200" spc="-1" strike="noStrike">
+              <a:latin typeface="Arial"/>
+            </a:endParaRPr>
+          </a:p>
+        </p:txBody>
+      </p:sp>
+      <p:sp>
+        <p:nvSpPr>
+          <p:cNvPr id="74" name="PlaceHolder 6"/>
           <p:cNvSpPr>
             <a:spLocks noGrp="1"/>
           </p:cNvSpPr>
@@ -2082,8 +1920,8 @@
         </p:nvSpPr>
         <p:spPr>
           <a:xfrm>
-            <a:off x="3239640" y="3964320"/>
-            <a:ext cx="2649600" cy="2158560"/>
+            <a:off x="3239640" y="3682080"/>
+            <a:ext cx="2649600" cy="1896840"/>
           </a:xfrm>
           <a:prstGeom prst="rect">
             <a:avLst/>
@@ -2094,18 +1932,15 @@
             <a:normAutofit/>
           </a:bodyPr>
           <a:p>
-            <a:endParaRPr b="0" lang="ru-RU" sz="3200" spc="-1" strike="noStrike">
-              <a:solidFill>
-                <a:srgbClr val="000000"/>
-              </a:solidFill>
-              <a:latin typeface="Calibri"/>
-            </a:endParaRPr>
-          </a:p>
-        </p:txBody>
-      </p:sp>
-      <p:sp>
-        <p:nvSpPr>
-          <p:cNvPr id="81" name="PlaceHolder 7"/>
+            <a:endParaRPr b="0" lang="de-DE" sz="3200" spc="-1" strike="noStrike">
+              <a:latin typeface="Arial"/>
+            </a:endParaRPr>
+          </a:p>
+        </p:txBody>
+      </p:sp>
+      <p:sp>
+        <p:nvSpPr>
+          <p:cNvPr id="75" name="PlaceHolder 7"/>
           <p:cNvSpPr>
             <a:spLocks noGrp="1"/>
           </p:cNvSpPr>
@@ -2115,8 +1950,8 @@
         </p:nvSpPr>
         <p:spPr>
           <a:xfrm>
-            <a:off x="6022080" y="3964320"/>
-            <a:ext cx="2649600" cy="2158560"/>
+            <a:off x="6022080" y="3682080"/>
+            <a:ext cx="2649600" cy="1896840"/>
           </a:xfrm>
           <a:prstGeom prst="rect">
             <a:avLst/>
@@ -2127,11 +1962,353 @@
             <a:normAutofit/>
           </a:bodyPr>
           <a:p>
-            <a:endParaRPr b="0" lang="ru-RU" sz="3200" spc="-1" strike="noStrike">
-              <a:solidFill>
-                <a:srgbClr val="000000"/>
-              </a:solidFill>
-              <a:latin typeface="Calibri"/>
+            <a:endParaRPr b="0" lang="de-DE" sz="3200" spc="-1" strike="noStrike">
+              <a:latin typeface="Arial"/>
+            </a:endParaRPr>
+          </a:p>
+        </p:txBody>
+      </p:sp>
+    </p:spTree>
+  </p:cSld>
+</p:sldLayout>
+</file>
+
+<file path=ppt/slideLayouts/slideLayout25.xml><?xml version="1.0" encoding="utf-8"?>
+<p:sldLayout xmlns:a="http://schemas.openxmlformats.org/drawingml/2006/main" xmlns:p="http://schemas.openxmlformats.org/presentationml/2006/main" xmlns:r="http://schemas.openxmlformats.org/officeDocument/2006/relationships" xmlns:p14="http://schemas.microsoft.com/office/powerpoint/2010/main" xmlns:p15="http://schemas.microsoft.com/office/powerpoint/2012/main" xmlns:mc="http://schemas.openxmlformats.org/markup-compatibility/2006" type="blank" preserve="1">
+  <p:cSld name="Blank Slide">
+    <p:spTree>
+      <p:nvGrpSpPr>
+        <p:cNvPr id="1" name=""/>
+        <p:cNvGrpSpPr/>
+        <p:nvPr/>
+      </p:nvGrpSpPr>
+      <p:grpSpPr>
+        <a:xfrm>
+          <a:off x="0" y="0"/>
+          <a:ext cx="0" cy="0"/>
+          <a:chOff x="0" y="0"/>
+          <a:chExt cx="0" cy="0"/>
+        </a:xfrm>
+      </p:grpSpPr>
+    </p:spTree>
+  </p:cSld>
+</p:sldLayout>
+</file>
+
+<file path=ppt/slideLayouts/slideLayout26.xml><?xml version="1.0" encoding="utf-8"?>
+<p:sldLayout xmlns:a="http://schemas.openxmlformats.org/drawingml/2006/main" xmlns:p="http://schemas.openxmlformats.org/presentationml/2006/main" xmlns:r="http://schemas.openxmlformats.org/officeDocument/2006/relationships" xmlns:p14="http://schemas.microsoft.com/office/powerpoint/2010/main" xmlns:p15="http://schemas.microsoft.com/office/powerpoint/2012/main" xmlns:mc="http://schemas.openxmlformats.org/markup-compatibility/2006" type="tx" preserve="1">
+  <p:cSld name="Title Slide">
+    <p:spTree>
+      <p:nvGrpSpPr>
+        <p:cNvPr id="1" name=""/>
+        <p:cNvGrpSpPr/>
+        <p:nvPr/>
+      </p:nvGrpSpPr>
+      <p:grpSpPr>
+        <a:xfrm>
+          <a:off x="0" y="0"/>
+          <a:ext cx="0" cy="0"/>
+          <a:chOff x="0" y="0"/>
+          <a:chExt cx="0" cy="0"/>
+        </a:xfrm>
+      </p:grpSpPr>
+      <p:sp>
+        <p:nvSpPr>
+          <p:cNvPr id="78" name="PlaceHolder 1"/>
+          <p:cNvSpPr>
+            <a:spLocks noGrp="1"/>
+          </p:cNvSpPr>
+          <p:nvPr>
+            <p:ph type="title"/>
+          </p:nvPr>
+        </p:nvSpPr>
+        <p:spPr>
+          <a:xfrm>
+            <a:off x="457200" y="273600"/>
+            <a:ext cx="8228880" cy="1144440"/>
+          </a:xfrm>
+          <a:prstGeom prst="rect">
+            <a:avLst/>
+          </a:prstGeom>
+        </p:spPr>
+        <p:txBody>
+          <a:bodyPr lIns="0" rIns="0" tIns="0" bIns="0" anchor="ctr"/>
+          <a:p>
+            <a:pPr algn="ctr"/>
+            <a:endParaRPr b="0" lang="de-DE" sz="4400" spc="-1" strike="noStrike">
+              <a:latin typeface="Arial"/>
+            </a:endParaRPr>
+          </a:p>
+        </p:txBody>
+      </p:sp>
+      <p:sp>
+        <p:nvSpPr>
+          <p:cNvPr id="79" name="PlaceHolder 2"/>
+          <p:cNvSpPr>
+            <a:spLocks noGrp="1"/>
+          </p:cNvSpPr>
+          <p:nvPr>
+            <p:ph type="subTitle"/>
+          </p:nvPr>
+        </p:nvSpPr>
+        <p:spPr>
+          <a:xfrm>
+            <a:off x="457200" y="1604520"/>
+            <a:ext cx="8229240" cy="3977280"/>
+          </a:xfrm>
+          <a:prstGeom prst="rect">
+            <a:avLst/>
+          </a:prstGeom>
+        </p:spPr>
+        <p:txBody>
+          <a:bodyPr lIns="0" rIns="0" tIns="0" bIns="0" anchor="ctr"/>
+          <a:p>
+            <a:pPr algn="ctr"/>
+            <a:endParaRPr b="0" lang="de-DE" sz="3200" spc="-1" strike="noStrike">
+              <a:latin typeface="Arial"/>
+            </a:endParaRPr>
+          </a:p>
+        </p:txBody>
+      </p:sp>
+    </p:spTree>
+  </p:cSld>
+</p:sldLayout>
+</file>
+
+<file path=ppt/slideLayouts/slideLayout27.xml><?xml version="1.0" encoding="utf-8"?>
+<p:sldLayout xmlns:a="http://schemas.openxmlformats.org/drawingml/2006/main" xmlns:p="http://schemas.openxmlformats.org/presentationml/2006/main" xmlns:r="http://schemas.openxmlformats.org/officeDocument/2006/relationships" xmlns:p14="http://schemas.microsoft.com/office/powerpoint/2010/main" xmlns:p15="http://schemas.microsoft.com/office/powerpoint/2012/main" xmlns:mc="http://schemas.openxmlformats.org/markup-compatibility/2006" type="obj" preserve="1">
+  <p:cSld name="Title, Content">
+    <p:spTree>
+      <p:nvGrpSpPr>
+        <p:cNvPr id="1" name=""/>
+        <p:cNvGrpSpPr/>
+        <p:nvPr/>
+      </p:nvGrpSpPr>
+      <p:grpSpPr>
+        <a:xfrm>
+          <a:off x="0" y="0"/>
+          <a:ext cx="0" cy="0"/>
+          <a:chOff x="0" y="0"/>
+          <a:chExt cx="0" cy="0"/>
+        </a:xfrm>
+      </p:grpSpPr>
+      <p:sp>
+        <p:nvSpPr>
+          <p:cNvPr id="80" name="PlaceHolder 1"/>
+          <p:cNvSpPr>
+            <a:spLocks noGrp="1"/>
+          </p:cNvSpPr>
+          <p:nvPr>
+            <p:ph type="title"/>
+          </p:nvPr>
+        </p:nvSpPr>
+        <p:spPr>
+          <a:xfrm>
+            <a:off x="457200" y="273600"/>
+            <a:ext cx="8228880" cy="1144440"/>
+          </a:xfrm>
+          <a:prstGeom prst="rect">
+            <a:avLst/>
+          </a:prstGeom>
+        </p:spPr>
+        <p:txBody>
+          <a:bodyPr lIns="0" rIns="0" tIns="0" bIns="0" anchor="ctr"/>
+          <a:p>
+            <a:pPr algn="ctr"/>
+            <a:endParaRPr b="0" lang="de-DE" sz="4400" spc="-1" strike="noStrike">
+              <a:latin typeface="Arial"/>
+            </a:endParaRPr>
+          </a:p>
+        </p:txBody>
+      </p:sp>
+      <p:sp>
+        <p:nvSpPr>
+          <p:cNvPr id="81" name="PlaceHolder 2"/>
+          <p:cNvSpPr>
+            <a:spLocks noGrp="1"/>
+          </p:cNvSpPr>
+          <p:nvPr>
+            <p:ph type="body"/>
+          </p:nvPr>
+        </p:nvSpPr>
+        <p:spPr>
+          <a:xfrm>
+            <a:off x="457200" y="1604520"/>
+            <a:ext cx="8229240" cy="3977280"/>
+          </a:xfrm>
+          <a:prstGeom prst="rect">
+            <a:avLst/>
+          </a:prstGeom>
+        </p:spPr>
+        <p:txBody>
+          <a:bodyPr lIns="0" rIns="0" tIns="0" bIns="0">
+            <a:normAutofit/>
+          </a:bodyPr>
+          <a:p>
+            <a:endParaRPr b="0" lang="de-DE" sz="3200" spc="-1" strike="noStrike">
+              <a:latin typeface="Arial"/>
+            </a:endParaRPr>
+          </a:p>
+        </p:txBody>
+      </p:sp>
+    </p:spTree>
+  </p:cSld>
+</p:sldLayout>
+</file>
+
+<file path=ppt/slideLayouts/slideLayout28.xml><?xml version="1.0" encoding="utf-8"?>
+<p:sldLayout xmlns:a="http://schemas.openxmlformats.org/drawingml/2006/main" xmlns:p="http://schemas.openxmlformats.org/presentationml/2006/main" xmlns:r="http://schemas.openxmlformats.org/officeDocument/2006/relationships" xmlns:p14="http://schemas.microsoft.com/office/powerpoint/2010/main" xmlns:p15="http://schemas.microsoft.com/office/powerpoint/2012/main" xmlns:mc="http://schemas.openxmlformats.org/markup-compatibility/2006" type="twoObj" preserve="1">
+  <p:cSld name="Title, 2 Content">
+    <p:spTree>
+      <p:nvGrpSpPr>
+        <p:cNvPr id="1" name=""/>
+        <p:cNvGrpSpPr/>
+        <p:nvPr/>
+      </p:nvGrpSpPr>
+      <p:grpSpPr>
+        <a:xfrm>
+          <a:off x="0" y="0"/>
+          <a:ext cx="0" cy="0"/>
+          <a:chOff x="0" y="0"/>
+          <a:chExt cx="0" cy="0"/>
+        </a:xfrm>
+      </p:grpSpPr>
+      <p:sp>
+        <p:nvSpPr>
+          <p:cNvPr id="82" name="PlaceHolder 1"/>
+          <p:cNvSpPr>
+            <a:spLocks noGrp="1"/>
+          </p:cNvSpPr>
+          <p:nvPr>
+            <p:ph type="title"/>
+          </p:nvPr>
+        </p:nvSpPr>
+        <p:spPr>
+          <a:xfrm>
+            <a:off x="457200" y="273600"/>
+            <a:ext cx="8228880" cy="1144440"/>
+          </a:xfrm>
+          <a:prstGeom prst="rect">
+            <a:avLst/>
+          </a:prstGeom>
+        </p:spPr>
+        <p:txBody>
+          <a:bodyPr lIns="0" rIns="0" tIns="0" bIns="0" anchor="ctr"/>
+          <a:p>
+            <a:pPr algn="ctr"/>
+            <a:endParaRPr b="0" lang="de-DE" sz="4400" spc="-1" strike="noStrike">
+              <a:latin typeface="Arial"/>
+            </a:endParaRPr>
+          </a:p>
+        </p:txBody>
+      </p:sp>
+      <p:sp>
+        <p:nvSpPr>
+          <p:cNvPr id="83" name="PlaceHolder 2"/>
+          <p:cNvSpPr>
+            <a:spLocks noGrp="1"/>
+          </p:cNvSpPr>
+          <p:nvPr>
+            <p:ph type="body"/>
+          </p:nvPr>
+        </p:nvSpPr>
+        <p:spPr>
+          <a:xfrm>
+            <a:off x="457200" y="1604520"/>
+            <a:ext cx="4015800" cy="3977280"/>
+          </a:xfrm>
+          <a:prstGeom prst="rect">
+            <a:avLst/>
+          </a:prstGeom>
+        </p:spPr>
+        <p:txBody>
+          <a:bodyPr lIns="0" rIns="0" tIns="0" bIns="0">
+            <a:normAutofit/>
+          </a:bodyPr>
+          <a:p>
+            <a:endParaRPr b="0" lang="de-DE" sz="3200" spc="-1" strike="noStrike">
+              <a:latin typeface="Arial"/>
+            </a:endParaRPr>
+          </a:p>
+        </p:txBody>
+      </p:sp>
+      <p:sp>
+        <p:nvSpPr>
+          <p:cNvPr id="84" name="PlaceHolder 3"/>
+          <p:cNvSpPr>
+            <a:spLocks noGrp="1"/>
+          </p:cNvSpPr>
+          <p:nvPr>
+            <p:ph type="body"/>
+          </p:nvPr>
+        </p:nvSpPr>
+        <p:spPr>
+          <a:xfrm>
+            <a:off x="4674240" y="1604520"/>
+            <a:ext cx="4015800" cy="3977280"/>
+          </a:xfrm>
+          <a:prstGeom prst="rect">
+            <a:avLst/>
+          </a:prstGeom>
+        </p:spPr>
+        <p:txBody>
+          <a:bodyPr lIns="0" rIns="0" tIns="0" bIns="0">
+            <a:normAutofit/>
+          </a:bodyPr>
+          <a:p>
+            <a:endParaRPr b="0" lang="de-DE" sz="3200" spc="-1" strike="noStrike">
+              <a:latin typeface="Arial"/>
+            </a:endParaRPr>
+          </a:p>
+        </p:txBody>
+      </p:sp>
+    </p:spTree>
+  </p:cSld>
+</p:sldLayout>
+</file>
+
+<file path=ppt/slideLayouts/slideLayout29.xml><?xml version="1.0" encoding="utf-8"?>
+<p:sldLayout xmlns:a="http://schemas.openxmlformats.org/drawingml/2006/main" xmlns:p="http://schemas.openxmlformats.org/presentationml/2006/main" xmlns:r="http://schemas.openxmlformats.org/officeDocument/2006/relationships" xmlns:p14="http://schemas.microsoft.com/office/powerpoint/2010/main" xmlns:p15="http://schemas.microsoft.com/office/powerpoint/2012/main" xmlns:mc="http://schemas.openxmlformats.org/markup-compatibility/2006" type="titleOnly" preserve="1">
+  <p:cSld name="Title Only">
+    <p:spTree>
+      <p:nvGrpSpPr>
+        <p:cNvPr id="1" name=""/>
+        <p:cNvGrpSpPr/>
+        <p:nvPr/>
+      </p:nvGrpSpPr>
+      <p:grpSpPr>
+        <a:xfrm>
+          <a:off x="0" y="0"/>
+          <a:ext cx="0" cy="0"/>
+          <a:chOff x="0" y="0"/>
+          <a:chExt cx="0" cy="0"/>
+        </a:xfrm>
+      </p:grpSpPr>
+      <p:sp>
+        <p:nvSpPr>
+          <p:cNvPr id="85" name="PlaceHolder 1"/>
+          <p:cNvSpPr>
+            <a:spLocks noGrp="1"/>
+          </p:cNvSpPr>
+          <p:nvPr>
+            <p:ph type="title"/>
+          </p:nvPr>
+        </p:nvSpPr>
+        <p:spPr>
+          <a:xfrm>
+            <a:off x="457200" y="273600"/>
+            <a:ext cx="8228880" cy="1144440"/>
+          </a:xfrm>
+          <a:prstGeom prst="rect">
+            <a:avLst/>
+          </a:prstGeom>
+        </p:spPr>
+        <p:txBody>
+          <a:bodyPr lIns="0" rIns="0" tIns="0" bIns="0" anchor="ctr"/>
+          <a:p>
+            <a:pPr algn="ctr"/>
+            <a:endParaRPr b="0" lang="de-DE" sz="4400" spc="-1" strike="noStrike">
+              <a:latin typeface="Arial"/>
             </a:endParaRPr>
           </a:p>
         </p:txBody>
@@ -2160,7 +2337,7 @@
       </p:grpSpPr>
       <p:sp>
         <p:nvSpPr>
-          <p:cNvPr id="7" name="PlaceHolder 1"/>
+          <p:cNvPr id="4" name="PlaceHolder 1"/>
           <p:cNvSpPr>
             <a:spLocks noGrp="1"/>
           </p:cNvSpPr>
@@ -2170,30 +2347,26 @@
         </p:nvSpPr>
         <p:spPr>
           <a:xfrm>
-            <a:off x="457200" y="274680"/>
-            <a:ext cx="8229240" cy="1142640"/>
-          </a:xfrm>
-          <a:prstGeom prst="rect">
-            <a:avLst/>
-          </a:prstGeom>
-        </p:spPr>
-        <p:txBody>
-          <a:bodyPr lIns="0" rIns="0" tIns="0" bIns="0" anchor="ctr">
-            <a:spAutoFit/>
-          </a:bodyPr>
-          <a:p>
-            <a:endParaRPr b="0" lang="ru-RU" sz="1800" spc="-1" strike="noStrike">
-              <a:solidFill>
-                <a:srgbClr val="000000"/>
-              </a:solidFill>
-              <a:latin typeface="Calibri"/>
-            </a:endParaRPr>
-          </a:p>
-        </p:txBody>
-      </p:sp>
-      <p:sp>
-        <p:nvSpPr>
-          <p:cNvPr id="8" name="PlaceHolder 2"/>
+            <a:off x="457200" y="273600"/>
+            <a:ext cx="8228880" cy="1144440"/>
+          </a:xfrm>
+          <a:prstGeom prst="rect">
+            <a:avLst/>
+          </a:prstGeom>
+        </p:spPr>
+        <p:txBody>
+          <a:bodyPr lIns="0" rIns="0" tIns="0" bIns="0" anchor="ctr"/>
+          <a:p>
+            <a:pPr algn="ctr"/>
+            <a:endParaRPr b="0" lang="de-DE" sz="4400" spc="-1" strike="noStrike">
+              <a:latin typeface="Arial"/>
+            </a:endParaRPr>
+          </a:p>
+        </p:txBody>
+      </p:sp>
+      <p:sp>
+        <p:nvSpPr>
+          <p:cNvPr id="5" name="PlaceHolder 2"/>
           <p:cNvSpPr>
             <a:spLocks noGrp="1"/>
           </p:cNvSpPr>
@@ -2203,8 +2376,8 @@
         </p:nvSpPr>
         <p:spPr>
           <a:xfrm>
-            <a:off x="457200" y="1600200"/>
-            <a:ext cx="8229240" cy="4525560"/>
+            <a:off x="457200" y="1604520"/>
+            <a:ext cx="8229240" cy="3977280"/>
           </a:xfrm>
           <a:prstGeom prst="rect">
             <a:avLst/>
@@ -2215,11 +2388,995 @@
             <a:normAutofit/>
           </a:bodyPr>
           <a:p>
-            <a:endParaRPr b="0" lang="ru-RU" sz="3200" spc="-1" strike="noStrike">
-              <a:solidFill>
-                <a:srgbClr val="000000"/>
-              </a:solidFill>
-              <a:latin typeface="Calibri"/>
+            <a:endParaRPr b="0" lang="de-DE" sz="3200" spc="-1" strike="noStrike">
+              <a:latin typeface="Arial"/>
+            </a:endParaRPr>
+          </a:p>
+        </p:txBody>
+      </p:sp>
+    </p:spTree>
+  </p:cSld>
+</p:sldLayout>
+</file>
+
+<file path=ppt/slideLayouts/slideLayout30.xml><?xml version="1.0" encoding="utf-8"?>
+<p:sldLayout xmlns:a="http://schemas.openxmlformats.org/drawingml/2006/main" xmlns:p="http://schemas.openxmlformats.org/presentationml/2006/main" xmlns:r="http://schemas.openxmlformats.org/officeDocument/2006/relationships" xmlns:p14="http://schemas.microsoft.com/office/powerpoint/2010/main" xmlns:p15="http://schemas.microsoft.com/office/powerpoint/2012/main" xmlns:mc="http://schemas.openxmlformats.org/markup-compatibility/2006" type="objOnly" preserve="1">
+  <p:cSld name="Centered Text">
+    <p:spTree>
+      <p:nvGrpSpPr>
+        <p:cNvPr id="1" name=""/>
+        <p:cNvGrpSpPr/>
+        <p:nvPr/>
+      </p:nvGrpSpPr>
+      <p:grpSpPr>
+        <a:xfrm>
+          <a:off x="0" y="0"/>
+          <a:ext cx="0" cy="0"/>
+          <a:chOff x="0" y="0"/>
+          <a:chExt cx="0" cy="0"/>
+        </a:xfrm>
+      </p:grpSpPr>
+      <p:sp>
+        <p:nvSpPr>
+          <p:cNvPr id="86" name="PlaceHolder 1"/>
+          <p:cNvSpPr>
+            <a:spLocks noGrp="1"/>
+          </p:cNvSpPr>
+          <p:nvPr>
+            <p:ph type="subTitle"/>
+          </p:nvPr>
+        </p:nvSpPr>
+        <p:spPr>
+          <a:xfrm>
+            <a:off x="457200" y="273600"/>
+            <a:ext cx="8228880" cy="5306400"/>
+          </a:xfrm>
+          <a:prstGeom prst="rect">
+            <a:avLst/>
+          </a:prstGeom>
+        </p:spPr>
+        <p:txBody>
+          <a:bodyPr lIns="0" rIns="0" tIns="0" bIns="0" anchor="ctr"/>
+          <a:p>
+            <a:pPr algn="ctr"/>
+            <a:endParaRPr b="0" lang="de-DE" sz="3200" spc="-1" strike="noStrike">
+              <a:latin typeface="Arial"/>
+            </a:endParaRPr>
+          </a:p>
+        </p:txBody>
+      </p:sp>
+    </p:spTree>
+  </p:cSld>
+</p:sldLayout>
+</file>
+
+<file path=ppt/slideLayouts/slideLayout31.xml><?xml version="1.0" encoding="utf-8"?>
+<p:sldLayout xmlns:a="http://schemas.openxmlformats.org/drawingml/2006/main" xmlns:p="http://schemas.openxmlformats.org/presentationml/2006/main" xmlns:r="http://schemas.openxmlformats.org/officeDocument/2006/relationships" xmlns:p14="http://schemas.microsoft.com/office/powerpoint/2010/main" xmlns:p15="http://schemas.microsoft.com/office/powerpoint/2012/main" xmlns:mc="http://schemas.openxmlformats.org/markup-compatibility/2006" type="twoObjAndObj" preserve="1">
+  <p:cSld name="Title, 2 Content and Content">
+    <p:spTree>
+      <p:nvGrpSpPr>
+        <p:cNvPr id="1" name=""/>
+        <p:cNvGrpSpPr/>
+        <p:nvPr/>
+      </p:nvGrpSpPr>
+      <p:grpSpPr>
+        <a:xfrm>
+          <a:off x="0" y="0"/>
+          <a:ext cx="0" cy="0"/>
+          <a:chOff x="0" y="0"/>
+          <a:chExt cx="0" cy="0"/>
+        </a:xfrm>
+      </p:grpSpPr>
+      <p:sp>
+        <p:nvSpPr>
+          <p:cNvPr id="87" name="PlaceHolder 1"/>
+          <p:cNvSpPr>
+            <a:spLocks noGrp="1"/>
+          </p:cNvSpPr>
+          <p:nvPr>
+            <p:ph type="title"/>
+          </p:nvPr>
+        </p:nvSpPr>
+        <p:spPr>
+          <a:xfrm>
+            <a:off x="457200" y="273600"/>
+            <a:ext cx="8228880" cy="1144440"/>
+          </a:xfrm>
+          <a:prstGeom prst="rect">
+            <a:avLst/>
+          </a:prstGeom>
+        </p:spPr>
+        <p:txBody>
+          <a:bodyPr lIns="0" rIns="0" tIns="0" bIns="0" anchor="ctr"/>
+          <a:p>
+            <a:pPr algn="ctr"/>
+            <a:endParaRPr b="0" lang="de-DE" sz="4400" spc="-1" strike="noStrike">
+              <a:latin typeface="Arial"/>
+            </a:endParaRPr>
+          </a:p>
+        </p:txBody>
+      </p:sp>
+      <p:sp>
+        <p:nvSpPr>
+          <p:cNvPr id="88" name="PlaceHolder 2"/>
+          <p:cNvSpPr>
+            <a:spLocks noGrp="1"/>
+          </p:cNvSpPr>
+          <p:nvPr>
+            <p:ph type="body"/>
+          </p:nvPr>
+        </p:nvSpPr>
+        <p:spPr>
+          <a:xfrm>
+            <a:off x="457200" y="1604520"/>
+            <a:ext cx="4015800" cy="1896840"/>
+          </a:xfrm>
+          <a:prstGeom prst="rect">
+            <a:avLst/>
+          </a:prstGeom>
+        </p:spPr>
+        <p:txBody>
+          <a:bodyPr lIns="0" rIns="0" tIns="0" bIns="0">
+            <a:normAutofit/>
+          </a:bodyPr>
+          <a:p>
+            <a:endParaRPr b="0" lang="de-DE" sz="3200" spc="-1" strike="noStrike">
+              <a:latin typeface="Arial"/>
+            </a:endParaRPr>
+          </a:p>
+        </p:txBody>
+      </p:sp>
+      <p:sp>
+        <p:nvSpPr>
+          <p:cNvPr id="89" name="PlaceHolder 3"/>
+          <p:cNvSpPr>
+            <a:spLocks noGrp="1"/>
+          </p:cNvSpPr>
+          <p:nvPr>
+            <p:ph type="body"/>
+          </p:nvPr>
+        </p:nvSpPr>
+        <p:spPr>
+          <a:xfrm>
+            <a:off x="4674240" y="1604520"/>
+            <a:ext cx="4015800" cy="3977280"/>
+          </a:xfrm>
+          <a:prstGeom prst="rect">
+            <a:avLst/>
+          </a:prstGeom>
+        </p:spPr>
+        <p:txBody>
+          <a:bodyPr lIns="0" rIns="0" tIns="0" bIns="0">
+            <a:normAutofit/>
+          </a:bodyPr>
+          <a:p>
+            <a:endParaRPr b="0" lang="de-DE" sz="3200" spc="-1" strike="noStrike">
+              <a:latin typeface="Arial"/>
+            </a:endParaRPr>
+          </a:p>
+        </p:txBody>
+      </p:sp>
+      <p:sp>
+        <p:nvSpPr>
+          <p:cNvPr id="90" name="PlaceHolder 4"/>
+          <p:cNvSpPr>
+            <a:spLocks noGrp="1"/>
+          </p:cNvSpPr>
+          <p:nvPr>
+            <p:ph type="body"/>
+          </p:nvPr>
+        </p:nvSpPr>
+        <p:spPr>
+          <a:xfrm>
+            <a:off x="457200" y="3682080"/>
+            <a:ext cx="4015800" cy="1896840"/>
+          </a:xfrm>
+          <a:prstGeom prst="rect">
+            <a:avLst/>
+          </a:prstGeom>
+        </p:spPr>
+        <p:txBody>
+          <a:bodyPr lIns="0" rIns="0" tIns="0" bIns="0">
+            <a:normAutofit/>
+          </a:bodyPr>
+          <a:p>
+            <a:endParaRPr b="0" lang="de-DE" sz="3200" spc="-1" strike="noStrike">
+              <a:latin typeface="Arial"/>
+            </a:endParaRPr>
+          </a:p>
+        </p:txBody>
+      </p:sp>
+    </p:spTree>
+  </p:cSld>
+</p:sldLayout>
+</file>
+
+<file path=ppt/slideLayouts/slideLayout32.xml><?xml version="1.0" encoding="utf-8"?>
+<p:sldLayout xmlns:a="http://schemas.openxmlformats.org/drawingml/2006/main" xmlns:p="http://schemas.openxmlformats.org/presentationml/2006/main" xmlns:r="http://schemas.openxmlformats.org/officeDocument/2006/relationships" xmlns:p14="http://schemas.microsoft.com/office/powerpoint/2010/main" xmlns:p15="http://schemas.microsoft.com/office/powerpoint/2012/main" xmlns:mc="http://schemas.openxmlformats.org/markup-compatibility/2006" type="objAndTwoObj" preserve="1">
+  <p:cSld name="Title Content and 2 Content">
+    <p:spTree>
+      <p:nvGrpSpPr>
+        <p:cNvPr id="1" name=""/>
+        <p:cNvGrpSpPr/>
+        <p:nvPr/>
+      </p:nvGrpSpPr>
+      <p:grpSpPr>
+        <a:xfrm>
+          <a:off x="0" y="0"/>
+          <a:ext cx="0" cy="0"/>
+          <a:chOff x="0" y="0"/>
+          <a:chExt cx="0" cy="0"/>
+        </a:xfrm>
+      </p:grpSpPr>
+      <p:sp>
+        <p:nvSpPr>
+          <p:cNvPr id="91" name="PlaceHolder 1"/>
+          <p:cNvSpPr>
+            <a:spLocks noGrp="1"/>
+          </p:cNvSpPr>
+          <p:nvPr>
+            <p:ph type="title"/>
+          </p:nvPr>
+        </p:nvSpPr>
+        <p:spPr>
+          <a:xfrm>
+            <a:off x="457200" y="273600"/>
+            <a:ext cx="8228880" cy="1144440"/>
+          </a:xfrm>
+          <a:prstGeom prst="rect">
+            <a:avLst/>
+          </a:prstGeom>
+        </p:spPr>
+        <p:txBody>
+          <a:bodyPr lIns="0" rIns="0" tIns="0" bIns="0" anchor="ctr"/>
+          <a:p>
+            <a:pPr algn="ctr"/>
+            <a:endParaRPr b="0" lang="de-DE" sz="4400" spc="-1" strike="noStrike">
+              <a:latin typeface="Arial"/>
+            </a:endParaRPr>
+          </a:p>
+        </p:txBody>
+      </p:sp>
+      <p:sp>
+        <p:nvSpPr>
+          <p:cNvPr id="92" name="PlaceHolder 2"/>
+          <p:cNvSpPr>
+            <a:spLocks noGrp="1"/>
+          </p:cNvSpPr>
+          <p:nvPr>
+            <p:ph type="body"/>
+          </p:nvPr>
+        </p:nvSpPr>
+        <p:spPr>
+          <a:xfrm>
+            <a:off x="457200" y="1604520"/>
+            <a:ext cx="4015800" cy="3977280"/>
+          </a:xfrm>
+          <a:prstGeom prst="rect">
+            <a:avLst/>
+          </a:prstGeom>
+        </p:spPr>
+        <p:txBody>
+          <a:bodyPr lIns="0" rIns="0" tIns="0" bIns="0">
+            <a:normAutofit/>
+          </a:bodyPr>
+          <a:p>
+            <a:endParaRPr b="0" lang="de-DE" sz="3200" spc="-1" strike="noStrike">
+              <a:latin typeface="Arial"/>
+            </a:endParaRPr>
+          </a:p>
+        </p:txBody>
+      </p:sp>
+      <p:sp>
+        <p:nvSpPr>
+          <p:cNvPr id="93" name="PlaceHolder 3"/>
+          <p:cNvSpPr>
+            <a:spLocks noGrp="1"/>
+          </p:cNvSpPr>
+          <p:nvPr>
+            <p:ph type="body"/>
+          </p:nvPr>
+        </p:nvSpPr>
+        <p:spPr>
+          <a:xfrm>
+            <a:off x="4674240" y="1604520"/>
+            <a:ext cx="4015800" cy="1896840"/>
+          </a:xfrm>
+          <a:prstGeom prst="rect">
+            <a:avLst/>
+          </a:prstGeom>
+        </p:spPr>
+        <p:txBody>
+          <a:bodyPr lIns="0" rIns="0" tIns="0" bIns="0">
+            <a:normAutofit/>
+          </a:bodyPr>
+          <a:p>
+            <a:endParaRPr b="0" lang="de-DE" sz="3200" spc="-1" strike="noStrike">
+              <a:latin typeface="Arial"/>
+            </a:endParaRPr>
+          </a:p>
+        </p:txBody>
+      </p:sp>
+      <p:sp>
+        <p:nvSpPr>
+          <p:cNvPr id="94" name="PlaceHolder 4"/>
+          <p:cNvSpPr>
+            <a:spLocks noGrp="1"/>
+          </p:cNvSpPr>
+          <p:nvPr>
+            <p:ph type="body"/>
+          </p:nvPr>
+        </p:nvSpPr>
+        <p:spPr>
+          <a:xfrm>
+            <a:off x="4674240" y="3682080"/>
+            <a:ext cx="4015800" cy="1896840"/>
+          </a:xfrm>
+          <a:prstGeom prst="rect">
+            <a:avLst/>
+          </a:prstGeom>
+        </p:spPr>
+        <p:txBody>
+          <a:bodyPr lIns="0" rIns="0" tIns="0" bIns="0">
+            <a:normAutofit/>
+          </a:bodyPr>
+          <a:p>
+            <a:endParaRPr b="0" lang="de-DE" sz="3200" spc="-1" strike="noStrike">
+              <a:latin typeface="Arial"/>
+            </a:endParaRPr>
+          </a:p>
+        </p:txBody>
+      </p:sp>
+    </p:spTree>
+  </p:cSld>
+</p:sldLayout>
+</file>
+
+<file path=ppt/slideLayouts/slideLayout33.xml><?xml version="1.0" encoding="utf-8"?>
+<p:sldLayout xmlns:a="http://schemas.openxmlformats.org/drawingml/2006/main" xmlns:p="http://schemas.openxmlformats.org/presentationml/2006/main" xmlns:r="http://schemas.openxmlformats.org/officeDocument/2006/relationships" xmlns:p14="http://schemas.microsoft.com/office/powerpoint/2010/main" xmlns:p15="http://schemas.microsoft.com/office/powerpoint/2012/main" xmlns:mc="http://schemas.openxmlformats.org/markup-compatibility/2006" type="twoObjOverTx" preserve="1">
+  <p:cSld name="Title, 2 Content over Content">
+    <p:spTree>
+      <p:nvGrpSpPr>
+        <p:cNvPr id="1" name=""/>
+        <p:cNvGrpSpPr/>
+        <p:nvPr/>
+      </p:nvGrpSpPr>
+      <p:grpSpPr>
+        <a:xfrm>
+          <a:off x="0" y="0"/>
+          <a:ext cx="0" cy="0"/>
+          <a:chOff x="0" y="0"/>
+          <a:chExt cx="0" cy="0"/>
+        </a:xfrm>
+      </p:grpSpPr>
+      <p:sp>
+        <p:nvSpPr>
+          <p:cNvPr id="95" name="PlaceHolder 1"/>
+          <p:cNvSpPr>
+            <a:spLocks noGrp="1"/>
+          </p:cNvSpPr>
+          <p:nvPr>
+            <p:ph type="title"/>
+          </p:nvPr>
+        </p:nvSpPr>
+        <p:spPr>
+          <a:xfrm>
+            <a:off x="457200" y="273600"/>
+            <a:ext cx="8228880" cy="1144440"/>
+          </a:xfrm>
+          <a:prstGeom prst="rect">
+            <a:avLst/>
+          </a:prstGeom>
+        </p:spPr>
+        <p:txBody>
+          <a:bodyPr lIns="0" rIns="0" tIns="0" bIns="0" anchor="ctr"/>
+          <a:p>
+            <a:pPr algn="ctr"/>
+            <a:endParaRPr b="0" lang="de-DE" sz="4400" spc="-1" strike="noStrike">
+              <a:latin typeface="Arial"/>
+            </a:endParaRPr>
+          </a:p>
+        </p:txBody>
+      </p:sp>
+      <p:sp>
+        <p:nvSpPr>
+          <p:cNvPr id="96" name="PlaceHolder 2"/>
+          <p:cNvSpPr>
+            <a:spLocks noGrp="1"/>
+          </p:cNvSpPr>
+          <p:nvPr>
+            <p:ph type="body"/>
+          </p:nvPr>
+        </p:nvSpPr>
+        <p:spPr>
+          <a:xfrm>
+            <a:off x="457200" y="1604520"/>
+            <a:ext cx="4015800" cy="1896840"/>
+          </a:xfrm>
+          <a:prstGeom prst="rect">
+            <a:avLst/>
+          </a:prstGeom>
+        </p:spPr>
+        <p:txBody>
+          <a:bodyPr lIns="0" rIns="0" tIns="0" bIns="0">
+            <a:normAutofit/>
+          </a:bodyPr>
+          <a:p>
+            <a:endParaRPr b="0" lang="de-DE" sz="3200" spc="-1" strike="noStrike">
+              <a:latin typeface="Arial"/>
+            </a:endParaRPr>
+          </a:p>
+        </p:txBody>
+      </p:sp>
+      <p:sp>
+        <p:nvSpPr>
+          <p:cNvPr id="97" name="PlaceHolder 3"/>
+          <p:cNvSpPr>
+            <a:spLocks noGrp="1"/>
+          </p:cNvSpPr>
+          <p:nvPr>
+            <p:ph type="body"/>
+          </p:nvPr>
+        </p:nvSpPr>
+        <p:spPr>
+          <a:xfrm>
+            <a:off x="4674240" y="1604520"/>
+            <a:ext cx="4015800" cy="1896840"/>
+          </a:xfrm>
+          <a:prstGeom prst="rect">
+            <a:avLst/>
+          </a:prstGeom>
+        </p:spPr>
+        <p:txBody>
+          <a:bodyPr lIns="0" rIns="0" tIns="0" bIns="0">
+            <a:normAutofit/>
+          </a:bodyPr>
+          <a:p>
+            <a:endParaRPr b="0" lang="de-DE" sz="3200" spc="-1" strike="noStrike">
+              <a:latin typeface="Arial"/>
+            </a:endParaRPr>
+          </a:p>
+        </p:txBody>
+      </p:sp>
+      <p:sp>
+        <p:nvSpPr>
+          <p:cNvPr id="98" name="PlaceHolder 4"/>
+          <p:cNvSpPr>
+            <a:spLocks noGrp="1"/>
+          </p:cNvSpPr>
+          <p:nvPr>
+            <p:ph type="body"/>
+          </p:nvPr>
+        </p:nvSpPr>
+        <p:spPr>
+          <a:xfrm>
+            <a:off x="457200" y="3682080"/>
+            <a:ext cx="8229240" cy="1896840"/>
+          </a:xfrm>
+          <a:prstGeom prst="rect">
+            <a:avLst/>
+          </a:prstGeom>
+        </p:spPr>
+        <p:txBody>
+          <a:bodyPr lIns="0" rIns="0" tIns="0" bIns="0">
+            <a:normAutofit/>
+          </a:bodyPr>
+          <a:p>
+            <a:endParaRPr b="0" lang="de-DE" sz="3200" spc="-1" strike="noStrike">
+              <a:latin typeface="Arial"/>
+            </a:endParaRPr>
+          </a:p>
+        </p:txBody>
+      </p:sp>
+    </p:spTree>
+  </p:cSld>
+</p:sldLayout>
+</file>
+
+<file path=ppt/slideLayouts/slideLayout34.xml><?xml version="1.0" encoding="utf-8"?>
+<p:sldLayout xmlns:a="http://schemas.openxmlformats.org/drawingml/2006/main" xmlns:p="http://schemas.openxmlformats.org/presentationml/2006/main" xmlns:r="http://schemas.openxmlformats.org/officeDocument/2006/relationships" xmlns:p14="http://schemas.microsoft.com/office/powerpoint/2010/main" xmlns:p15="http://schemas.microsoft.com/office/powerpoint/2012/main" xmlns:mc="http://schemas.openxmlformats.org/markup-compatibility/2006" type="objOverTx" preserve="1">
+  <p:cSld name="Title, Content over Content">
+    <p:spTree>
+      <p:nvGrpSpPr>
+        <p:cNvPr id="1" name=""/>
+        <p:cNvGrpSpPr/>
+        <p:nvPr/>
+      </p:nvGrpSpPr>
+      <p:grpSpPr>
+        <a:xfrm>
+          <a:off x="0" y="0"/>
+          <a:ext cx="0" cy="0"/>
+          <a:chOff x="0" y="0"/>
+          <a:chExt cx="0" cy="0"/>
+        </a:xfrm>
+      </p:grpSpPr>
+      <p:sp>
+        <p:nvSpPr>
+          <p:cNvPr id="99" name="PlaceHolder 1"/>
+          <p:cNvSpPr>
+            <a:spLocks noGrp="1"/>
+          </p:cNvSpPr>
+          <p:nvPr>
+            <p:ph type="title"/>
+          </p:nvPr>
+        </p:nvSpPr>
+        <p:spPr>
+          <a:xfrm>
+            <a:off x="457200" y="273600"/>
+            <a:ext cx="8228880" cy="1144440"/>
+          </a:xfrm>
+          <a:prstGeom prst="rect">
+            <a:avLst/>
+          </a:prstGeom>
+        </p:spPr>
+        <p:txBody>
+          <a:bodyPr lIns="0" rIns="0" tIns="0" bIns="0" anchor="ctr"/>
+          <a:p>
+            <a:pPr algn="ctr"/>
+            <a:endParaRPr b="0" lang="de-DE" sz="4400" spc="-1" strike="noStrike">
+              <a:latin typeface="Arial"/>
+            </a:endParaRPr>
+          </a:p>
+        </p:txBody>
+      </p:sp>
+      <p:sp>
+        <p:nvSpPr>
+          <p:cNvPr id="100" name="PlaceHolder 2"/>
+          <p:cNvSpPr>
+            <a:spLocks noGrp="1"/>
+          </p:cNvSpPr>
+          <p:nvPr>
+            <p:ph type="body"/>
+          </p:nvPr>
+        </p:nvSpPr>
+        <p:spPr>
+          <a:xfrm>
+            <a:off x="457200" y="1604520"/>
+            <a:ext cx="8229240" cy="1896840"/>
+          </a:xfrm>
+          <a:prstGeom prst="rect">
+            <a:avLst/>
+          </a:prstGeom>
+        </p:spPr>
+        <p:txBody>
+          <a:bodyPr lIns="0" rIns="0" tIns="0" bIns="0">
+            <a:normAutofit/>
+          </a:bodyPr>
+          <a:p>
+            <a:endParaRPr b="0" lang="de-DE" sz="3200" spc="-1" strike="noStrike">
+              <a:latin typeface="Arial"/>
+            </a:endParaRPr>
+          </a:p>
+        </p:txBody>
+      </p:sp>
+      <p:sp>
+        <p:nvSpPr>
+          <p:cNvPr id="101" name="PlaceHolder 3"/>
+          <p:cNvSpPr>
+            <a:spLocks noGrp="1"/>
+          </p:cNvSpPr>
+          <p:nvPr>
+            <p:ph type="body"/>
+          </p:nvPr>
+        </p:nvSpPr>
+        <p:spPr>
+          <a:xfrm>
+            <a:off x="457200" y="3682080"/>
+            <a:ext cx="8229240" cy="1896840"/>
+          </a:xfrm>
+          <a:prstGeom prst="rect">
+            <a:avLst/>
+          </a:prstGeom>
+        </p:spPr>
+        <p:txBody>
+          <a:bodyPr lIns="0" rIns="0" tIns="0" bIns="0">
+            <a:normAutofit/>
+          </a:bodyPr>
+          <a:p>
+            <a:endParaRPr b="0" lang="de-DE" sz="3200" spc="-1" strike="noStrike">
+              <a:latin typeface="Arial"/>
+            </a:endParaRPr>
+          </a:p>
+        </p:txBody>
+      </p:sp>
+    </p:spTree>
+  </p:cSld>
+</p:sldLayout>
+</file>
+
+<file path=ppt/slideLayouts/slideLayout35.xml><?xml version="1.0" encoding="utf-8"?>
+<p:sldLayout xmlns:a="http://schemas.openxmlformats.org/drawingml/2006/main" xmlns:p="http://schemas.openxmlformats.org/presentationml/2006/main" xmlns:r="http://schemas.openxmlformats.org/officeDocument/2006/relationships" xmlns:p14="http://schemas.microsoft.com/office/powerpoint/2010/main" xmlns:p15="http://schemas.microsoft.com/office/powerpoint/2012/main" xmlns:mc="http://schemas.openxmlformats.org/markup-compatibility/2006" type="fourObj" preserve="1">
+  <p:cSld name="Title, 4 Content">
+    <p:spTree>
+      <p:nvGrpSpPr>
+        <p:cNvPr id="1" name=""/>
+        <p:cNvGrpSpPr/>
+        <p:nvPr/>
+      </p:nvGrpSpPr>
+      <p:grpSpPr>
+        <a:xfrm>
+          <a:off x="0" y="0"/>
+          <a:ext cx="0" cy="0"/>
+          <a:chOff x="0" y="0"/>
+          <a:chExt cx="0" cy="0"/>
+        </a:xfrm>
+      </p:grpSpPr>
+      <p:sp>
+        <p:nvSpPr>
+          <p:cNvPr id="102" name="PlaceHolder 1"/>
+          <p:cNvSpPr>
+            <a:spLocks noGrp="1"/>
+          </p:cNvSpPr>
+          <p:nvPr>
+            <p:ph type="title"/>
+          </p:nvPr>
+        </p:nvSpPr>
+        <p:spPr>
+          <a:xfrm>
+            <a:off x="457200" y="273600"/>
+            <a:ext cx="8228880" cy="1144440"/>
+          </a:xfrm>
+          <a:prstGeom prst="rect">
+            <a:avLst/>
+          </a:prstGeom>
+        </p:spPr>
+        <p:txBody>
+          <a:bodyPr lIns="0" rIns="0" tIns="0" bIns="0" anchor="ctr"/>
+          <a:p>
+            <a:pPr algn="ctr"/>
+            <a:endParaRPr b="0" lang="de-DE" sz="4400" spc="-1" strike="noStrike">
+              <a:latin typeface="Arial"/>
+            </a:endParaRPr>
+          </a:p>
+        </p:txBody>
+      </p:sp>
+      <p:sp>
+        <p:nvSpPr>
+          <p:cNvPr id="103" name="PlaceHolder 2"/>
+          <p:cNvSpPr>
+            <a:spLocks noGrp="1"/>
+          </p:cNvSpPr>
+          <p:nvPr>
+            <p:ph type="body"/>
+          </p:nvPr>
+        </p:nvSpPr>
+        <p:spPr>
+          <a:xfrm>
+            <a:off x="457200" y="1604520"/>
+            <a:ext cx="4015800" cy="1896840"/>
+          </a:xfrm>
+          <a:prstGeom prst="rect">
+            <a:avLst/>
+          </a:prstGeom>
+        </p:spPr>
+        <p:txBody>
+          <a:bodyPr lIns="0" rIns="0" tIns="0" bIns="0">
+            <a:normAutofit/>
+          </a:bodyPr>
+          <a:p>
+            <a:endParaRPr b="0" lang="de-DE" sz="3200" spc="-1" strike="noStrike">
+              <a:latin typeface="Arial"/>
+            </a:endParaRPr>
+          </a:p>
+        </p:txBody>
+      </p:sp>
+      <p:sp>
+        <p:nvSpPr>
+          <p:cNvPr id="104" name="PlaceHolder 3"/>
+          <p:cNvSpPr>
+            <a:spLocks noGrp="1"/>
+          </p:cNvSpPr>
+          <p:nvPr>
+            <p:ph type="body"/>
+          </p:nvPr>
+        </p:nvSpPr>
+        <p:spPr>
+          <a:xfrm>
+            <a:off x="4674240" y="1604520"/>
+            <a:ext cx="4015800" cy="1896840"/>
+          </a:xfrm>
+          <a:prstGeom prst="rect">
+            <a:avLst/>
+          </a:prstGeom>
+        </p:spPr>
+        <p:txBody>
+          <a:bodyPr lIns="0" rIns="0" tIns="0" bIns="0">
+            <a:normAutofit/>
+          </a:bodyPr>
+          <a:p>
+            <a:endParaRPr b="0" lang="de-DE" sz="3200" spc="-1" strike="noStrike">
+              <a:latin typeface="Arial"/>
+            </a:endParaRPr>
+          </a:p>
+        </p:txBody>
+      </p:sp>
+      <p:sp>
+        <p:nvSpPr>
+          <p:cNvPr id="105" name="PlaceHolder 4"/>
+          <p:cNvSpPr>
+            <a:spLocks noGrp="1"/>
+          </p:cNvSpPr>
+          <p:nvPr>
+            <p:ph type="body"/>
+          </p:nvPr>
+        </p:nvSpPr>
+        <p:spPr>
+          <a:xfrm>
+            <a:off x="457200" y="3682080"/>
+            <a:ext cx="4015800" cy="1896840"/>
+          </a:xfrm>
+          <a:prstGeom prst="rect">
+            <a:avLst/>
+          </a:prstGeom>
+        </p:spPr>
+        <p:txBody>
+          <a:bodyPr lIns="0" rIns="0" tIns="0" bIns="0">
+            <a:normAutofit/>
+          </a:bodyPr>
+          <a:p>
+            <a:endParaRPr b="0" lang="de-DE" sz="3200" spc="-1" strike="noStrike">
+              <a:latin typeface="Arial"/>
+            </a:endParaRPr>
+          </a:p>
+        </p:txBody>
+      </p:sp>
+      <p:sp>
+        <p:nvSpPr>
+          <p:cNvPr id="106" name="PlaceHolder 5"/>
+          <p:cNvSpPr>
+            <a:spLocks noGrp="1"/>
+          </p:cNvSpPr>
+          <p:nvPr>
+            <p:ph type="body"/>
+          </p:nvPr>
+        </p:nvSpPr>
+        <p:spPr>
+          <a:xfrm>
+            <a:off x="4674240" y="3682080"/>
+            <a:ext cx="4015800" cy="1896840"/>
+          </a:xfrm>
+          <a:prstGeom prst="rect">
+            <a:avLst/>
+          </a:prstGeom>
+        </p:spPr>
+        <p:txBody>
+          <a:bodyPr lIns="0" rIns="0" tIns="0" bIns="0">
+            <a:normAutofit/>
+          </a:bodyPr>
+          <a:p>
+            <a:endParaRPr b="0" lang="de-DE" sz="3200" spc="-1" strike="noStrike">
+              <a:latin typeface="Arial"/>
+            </a:endParaRPr>
+          </a:p>
+        </p:txBody>
+      </p:sp>
+    </p:spTree>
+  </p:cSld>
+</p:sldLayout>
+</file>
+
+<file path=ppt/slideLayouts/slideLayout36.xml><?xml version="1.0" encoding="utf-8"?>
+<p:sldLayout xmlns:a="http://schemas.openxmlformats.org/drawingml/2006/main" xmlns:p="http://schemas.openxmlformats.org/presentationml/2006/main" xmlns:r="http://schemas.openxmlformats.org/officeDocument/2006/relationships" xmlns:p14="http://schemas.microsoft.com/office/powerpoint/2010/main" xmlns:p15="http://schemas.microsoft.com/office/powerpoint/2012/main" xmlns:mc="http://schemas.openxmlformats.org/markup-compatibility/2006" type="blank" preserve="1">
+  <p:cSld name="Title, 6 Content">
+    <p:spTree>
+      <p:nvGrpSpPr>
+        <p:cNvPr id="1" name=""/>
+        <p:cNvGrpSpPr/>
+        <p:nvPr/>
+      </p:nvGrpSpPr>
+      <p:grpSpPr>
+        <a:xfrm>
+          <a:off x="0" y="0"/>
+          <a:ext cx="0" cy="0"/>
+          <a:chOff x="0" y="0"/>
+          <a:chExt cx="0" cy="0"/>
+        </a:xfrm>
+      </p:grpSpPr>
+      <p:sp>
+        <p:nvSpPr>
+          <p:cNvPr id="107" name="PlaceHolder 1"/>
+          <p:cNvSpPr>
+            <a:spLocks noGrp="1"/>
+          </p:cNvSpPr>
+          <p:nvPr>
+            <p:ph type="title"/>
+          </p:nvPr>
+        </p:nvSpPr>
+        <p:spPr>
+          <a:xfrm>
+            <a:off x="457200" y="273600"/>
+            <a:ext cx="8228880" cy="1144440"/>
+          </a:xfrm>
+          <a:prstGeom prst="rect">
+            <a:avLst/>
+          </a:prstGeom>
+        </p:spPr>
+        <p:txBody>
+          <a:bodyPr lIns="0" rIns="0" tIns="0" bIns="0" anchor="ctr"/>
+          <a:p>
+            <a:pPr algn="ctr"/>
+            <a:endParaRPr b="0" lang="de-DE" sz="4400" spc="-1" strike="noStrike">
+              <a:latin typeface="Arial"/>
+            </a:endParaRPr>
+          </a:p>
+        </p:txBody>
+      </p:sp>
+      <p:sp>
+        <p:nvSpPr>
+          <p:cNvPr id="108" name="PlaceHolder 2"/>
+          <p:cNvSpPr>
+            <a:spLocks noGrp="1"/>
+          </p:cNvSpPr>
+          <p:nvPr>
+            <p:ph type="body"/>
+          </p:nvPr>
+        </p:nvSpPr>
+        <p:spPr>
+          <a:xfrm>
+            <a:off x="457200" y="1604520"/>
+            <a:ext cx="2649600" cy="1896840"/>
+          </a:xfrm>
+          <a:prstGeom prst="rect">
+            <a:avLst/>
+          </a:prstGeom>
+        </p:spPr>
+        <p:txBody>
+          <a:bodyPr lIns="0" rIns="0" tIns="0" bIns="0">
+            <a:normAutofit/>
+          </a:bodyPr>
+          <a:p>
+            <a:endParaRPr b="0" lang="de-DE" sz="3200" spc="-1" strike="noStrike">
+              <a:latin typeface="Arial"/>
+            </a:endParaRPr>
+          </a:p>
+        </p:txBody>
+      </p:sp>
+      <p:sp>
+        <p:nvSpPr>
+          <p:cNvPr id="109" name="PlaceHolder 3"/>
+          <p:cNvSpPr>
+            <a:spLocks noGrp="1"/>
+          </p:cNvSpPr>
+          <p:nvPr>
+            <p:ph type="body"/>
+          </p:nvPr>
+        </p:nvSpPr>
+        <p:spPr>
+          <a:xfrm>
+            <a:off x="3239640" y="1604520"/>
+            <a:ext cx="2649600" cy="1896840"/>
+          </a:xfrm>
+          <a:prstGeom prst="rect">
+            <a:avLst/>
+          </a:prstGeom>
+        </p:spPr>
+        <p:txBody>
+          <a:bodyPr lIns="0" rIns="0" tIns="0" bIns="0">
+            <a:normAutofit/>
+          </a:bodyPr>
+          <a:p>
+            <a:endParaRPr b="0" lang="de-DE" sz="3200" spc="-1" strike="noStrike">
+              <a:latin typeface="Arial"/>
+            </a:endParaRPr>
+          </a:p>
+        </p:txBody>
+      </p:sp>
+      <p:sp>
+        <p:nvSpPr>
+          <p:cNvPr id="110" name="PlaceHolder 4"/>
+          <p:cNvSpPr>
+            <a:spLocks noGrp="1"/>
+          </p:cNvSpPr>
+          <p:nvPr>
+            <p:ph type="body"/>
+          </p:nvPr>
+        </p:nvSpPr>
+        <p:spPr>
+          <a:xfrm>
+            <a:off x="6022080" y="1604520"/>
+            <a:ext cx="2649600" cy="1896840"/>
+          </a:xfrm>
+          <a:prstGeom prst="rect">
+            <a:avLst/>
+          </a:prstGeom>
+        </p:spPr>
+        <p:txBody>
+          <a:bodyPr lIns="0" rIns="0" tIns="0" bIns="0">
+            <a:normAutofit/>
+          </a:bodyPr>
+          <a:p>
+            <a:endParaRPr b="0" lang="de-DE" sz="3200" spc="-1" strike="noStrike">
+              <a:latin typeface="Arial"/>
+            </a:endParaRPr>
+          </a:p>
+        </p:txBody>
+      </p:sp>
+      <p:sp>
+        <p:nvSpPr>
+          <p:cNvPr id="111" name="PlaceHolder 5"/>
+          <p:cNvSpPr>
+            <a:spLocks noGrp="1"/>
+          </p:cNvSpPr>
+          <p:nvPr>
+            <p:ph type="body"/>
+          </p:nvPr>
+        </p:nvSpPr>
+        <p:spPr>
+          <a:xfrm>
+            <a:off x="457200" y="3682080"/>
+            <a:ext cx="2649600" cy="1896840"/>
+          </a:xfrm>
+          <a:prstGeom prst="rect">
+            <a:avLst/>
+          </a:prstGeom>
+        </p:spPr>
+        <p:txBody>
+          <a:bodyPr lIns="0" rIns="0" tIns="0" bIns="0">
+            <a:normAutofit/>
+          </a:bodyPr>
+          <a:p>
+            <a:endParaRPr b="0" lang="de-DE" sz="3200" spc="-1" strike="noStrike">
+              <a:latin typeface="Arial"/>
+            </a:endParaRPr>
+          </a:p>
+        </p:txBody>
+      </p:sp>
+      <p:sp>
+        <p:nvSpPr>
+          <p:cNvPr id="112" name="PlaceHolder 6"/>
+          <p:cNvSpPr>
+            <a:spLocks noGrp="1"/>
+          </p:cNvSpPr>
+          <p:nvPr>
+            <p:ph type="body"/>
+          </p:nvPr>
+        </p:nvSpPr>
+        <p:spPr>
+          <a:xfrm>
+            <a:off x="3239640" y="3682080"/>
+            <a:ext cx="2649600" cy="1896840"/>
+          </a:xfrm>
+          <a:prstGeom prst="rect">
+            <a:avLst/>
+          </a:prstGeom>
+        </p:spPr>
+        <p:txBody>
+          <a:bodyPr lIns="0" rIns="0" tIns="0" bIns="0">
+            <a:normAutofit/>
+          </a:bodyPr>
+          <a:p>
+            <a:endParaRPr b="0" lang="de-DE" sz="3200" spc="-1" strike="noStrike">
+              <a:latin typeface="Arial"/>
+            </a:endParaRPr>
+          </a:p>
+        </p:txBody>
+      </p:sp>
+      <p:sp>
+        <p:nvSpPr>
+          <p:cNvPr id="113" name="PlaceHolder 7"/>
+          <p:cNvSpPr>
+            <a:spLocks noGrp="1"/>
+          </p:cNvSpPr>
+          <p:nvPr>
+            <p:ph type="body"/>
+          </p:nvPr>
+        </p:nvSpPr>
+        <p:spPr>
+          <a:xfrm>
+            <a:off x="6022080" y="3682080"/>
+            <a:ext cx="2649600" cy="1896840"/>
+          </a:xfrm>
+          <a:prstGeom prst="rect">
+            <a:avLst/>
+          </a:prstGeom>
+        </p:spPr>
+        <p:txBody>
+          <a:bodyPr lIns="0" rIns="0" tIns="0" bIns="0">
+            <a:normAutofit/>
+          </a:bodyPr>
+          <a:p>
+            <a:endParaRPr b="0" lang="de-DE" sz="3200" spc="-1" strike="noStrike">
+              <a:latin typeface="Arial"/>
             </a:endParaRPr>
           </a:p>
         </p:txBody>
@@ -2248,7 +3405,7 @@
       </p:grpSpPr>
       <p:sp>
         <p:nvSpPr>
-          <p:cNvPr id="9" name="PlaceHolder 1"/>
+          <p:cNvPr id="6" name="PlaceHolder 1"/>
           <p:cNvSpPr>
             <a:spLocks noGrp="1"/>
           </p:cNvSpPr>
@@ -2258,30 +3415,26 @@
         </p:nvSpPr>
         <p:spPr>
           <a:xfrm>
-            <a:off x="457200" y="274680"/>
-            <a:ext cx="8229240" cy="1142640"/>
-          </a:xfrm>
-          <a:prstGeom prst="rect">
-            <a:avLst/>
-          </a:prstGeom>
-        </p:spPr>
-        <p:txBody>
-          <a:bodyPr lIns="0" rIns="0" tIns="0" bIns="0" anchor="ctr">
-            <a:spAutoFit/>
-          </a:bodyPr>
-          <a:p>
-            <a:endParaRPr b="0" lang="ru-RU" sz="1800" spc="-1" strike="noStrike">
-              <a:solidFill>
-                <a:srgbClr val="000000"/>
-              </a:solidFill>
-              <a:latin typeface="Calibri"/>
-            </a:endParaRPr>
-          </a:p>
-        </p:txBody>
-      </p:sp>
-      <p:sp>
-        <p:nvSpPr>
-          <p:cNvPr id="10" name="PlaceHolder 2"/>
+            <a:off x="457200" y="273600"/>
+            <a:ext cx="8228880" cy="1144440"/>
+          </a:xfrm>
+          <a:prstGeom prst="rect">
+            <a:avLst/>
+          </a:prstGeom>
+        </p:spPr>
+        <p:txBody>
+          <a:bodyPr lIns="0" rIns="0" tIns="0" bIns="0" anchor="ctr"/>
+          <a:p>
+            <a:pPr algn="ctr"/>
+            <a:endParaRPr b="0" lang="de-DE" sz="4400" spc="-1" strike="noStrike">
+              <a:latin typeface="Arial"/>
+            </a:endParaRPr>
+          </a:p>
+        </p:txBody>
+      </p:sp>
+      <p:sp>
+        <p:nvSpPr>
+          <p:cNvPr id="7" name="PlaceHolder 2"/>
           <p:cNvSpPr>
             <a:spLocks noGrp="1"/>
           </p:cNvSpPr>
@@ -2291,8 +3444,8 @@
         </p:nvSpPr>
         <p:spPr>
           <a:xfrm>
-            <a:off x="457200" y="1600200"/>
-            <a:ext cx="4015800" cy="4525560"/>
+            <a:off x="457200" y="1604520"/>
+            <a:ext cx="4015800" cy="3977280"/>
           </a:xfrm>
           <a:prstGeom prst="rect">
             <a:avLst/>
@@ -2303,18 +3456,15 @@
             <a:normAutofit/>
           </a:bodyPr>
           <a:p>
-            <a:endParaRPr b="0" lang="ru-RU" sz="3200" spc="-1" strike="noStrike">
-              <a:solidFill>
-                <a:srgbClr val="000000"/>
-              </a:solidFill>
-              <a:latin typeface="Calibri"/>
-            </a:endParaRPr>
-          </a:p>
-        </p:txBody>
-      </p:sp>
-      <p:sp>
-        <p:nvSpPr>
-          <p:cNvPr id="11" name="PlaceHolder 3"/>
+            <a:endParaRPr b="0" lang="de-DE" sz="3200" spc="-1" strike="noStrike">
+              <a:latin typeface="Arial"/>
+            </a:endParaRPr>
+          </a:p>
+        </p:txBody>
+      </p:sp>
+      <p:sp>
+        <p:nvSpPr>
+          <p:cNvPr id="8" name="PlaceHolder 3"/>
           <p:cNvSpPr>
             <a:spLocks noGrp="1"/>
           </p:cNvSpPr>
@@ -2324,8 +3474,8 @@
         </p:nvSpPr>
         <p:spPr>
           <a:xfrm>
-            <a:off x="4674240" y="1600200"/>
-            <a:ext cx="4015800" cy="4525560"/>
+            <a:off x="4674240" y="1604520"/>
+            <a:ext cx="4015800" cy="3977280"/>
           </a:xfrm>
           <a:prstGeom prst="rect">
             <a:avLst/>
@@ -2336,11 +3486,8 @@
             <a:normAutofit/>
           </a:bodyPr>
           <a:p>
-            <a:endParaRPr b="0" lang="ru-RU" sz="3200" spc="-1" strike="noStrike">
-              <a:solidFill>
-                <a:srgbClr val="000000"/>
-              </a:solidFill>
-              <a:latin typeface="Calibri"/>
+            <a:endParaRPr b="0" lang="de-DE" sz="3200" spc="-1" strike="noStrike">
+              <a:latin typeface="Arial"/>
             </a:endParaRPr>
           </a:p>
         </p:txBody>
@@ -2369,7 +3516,7 @@
       </p:grpSpPr>
       <p:sp>
         <p:nvSpPr>
-          <p:cNvPr id="12" name="PlaceHolder 1"/>
+          <p:cNvPr id="9" name="PlaceHolder 1"/>
           <p:cNvSpPr>
             <a:spLocks noGrp="1"/>
           </p:cNvSpPr>
@@ -2379,23 +3526,19 @@
         </p:nvSpPr>
         <p:spPr>
           <a:xfrm>
-            <a:off x="457200" y="274680"/>
-            <a:ext cx="8229240" cy="1142640"/>
-          </a:xfrm>
-          <a:prstGeom prst="rect">
-            <a:avLst/>
-          </a:prstGeom>
-        </p:spPr>
-        <p:txBody>
-          <a:bodyPr lIns="0" rIns="0" tIns="0" bIns="0" anchor="ctr">
-            <a:spAutoFit/>
-          </a:bodyPr>
-          <a:p>
-            <a:endParaRPr b="0" lang="ru-RU" sz="1800" spc="-1" strike="noStrike">
-              <a:solidFill>
-                <a:srgbClr val="000000"/>
-              </a:solidFill>
-              <a:latin typeface="Calibri"/>
+            <a:off x="457200" y="273600"/>
+            <a:ext cx="8228880" cy="1144440"/>
+          </a:xfrm>
+          <a:prstGeom prst="rect">
+            <a:avLst/>
+          </a:prstGeom>
+        </p:spPr>
+        <p:txBody>
+          <a:bodyPr lIns="0" rIns="0" tIns="0" bIns="0" anchor="ctr"/>
+          <a:p>
+            <a:pPr algn="ctr"/>
+            <a:endParaRPr b="0" lang="de-DE" sz="4400" spc="-1" strike="noStrike">
+              <a:latin typeface="Arial"/>
             </a:endParaRPr>
           </a:p>
         </p:txBody>
@@ -2424,7 +3567,7 @@
       </p:grpSpPr>
       <p:sp>
         <p:nvSpPr>
-          <p:cNvPr id="13" name="PlaceHolder 1"/>
+          <p:cNvPr id="10" name="PlaceHolder 1"/>
           <p:cNvSpPr>
             <a:spLocks noGrp="1"/>
           </p:cNvSpPr>
@@ -2434,17 +3577,15 @@
         </p:nvSpPr>
         <p:spPr>
           <a:xfrm>
-            <a:off x="457200" y="274680"/>
-            <a:ext cx="8229240" cy="5297760"/>
-          </a:xfrm>
-          <a:prstGeom prst="rect">
-            <a:avLst/>
-          </a:prstGeom>
-        </p:spPr>
-        <p:txBody>
-          <a:bodyPr lIns="0" rIns="0" tIns="0" bIns="0" anchor="ctr">
-            <a:spAutoFit/>
-          </a:bodyPr>
+            <a:off x="457200" y="273600"/>
+            <a:ext cx="8228880" cy="5306400"/>
+          </a:xfrm>
+          <a:prstGeom prst="rect">
+            <a:avLst/>
+          </a:prstGeom>
+        </p:spPr>
+        <p:txBody>
+          <a:bodyPr lIns="0" rIns="0" tIns="0" bIns="0" anchor="ctr"/>
           <a:p>
             <a:pPr algn="ctr"/>
             <a:endParaRPr b="0" lang="de-DE" sz="3200" spc="-1" strike="noStrike">
@@ -2477,7 +3618,7 @@
       </p:grpSpPr>
       <p:sp>
         <p:nvSpPr>
-          <p:cNvPr id="14" name="PlaceHolder 1"/>
+          <p:cNvPr id="11" name="PlaceHolder 1"/>
           <p:cNvSpPr>
             <a:spLocks noGrp="1"/>
           </p:cNvSpPr>
@@ -2487,30 +3628,26 @@
         </p:nvSpPr>
         <p:spPr>
           <a:xfrm>
-            <a:off x="457200" y="274680"/>
-            <a:ext cx="8229240" cy="1142640"/>
-          </a:xfrm>
-          <a:prstGeom prst="rect">
-            <a:avLst/>
-          </a:prstGeom>
-        </p:spPr>
-        <p:txBody>
-          <a:bodyPr lIns="0" rIns="0" tIns="0" bIns="0" anchor="ctr">
-            <a:spAutoFit/>
-          </a:bodyPr>
-          <a:p>
-            <a:endParaRPr b="0" lang="ru-RU" sz="1800" spc="-1" strike="noStrike">
-              <a:solidFill>
-                <a:srgbClr val="000000"/>
-              </a:solidFill>
-              <a:latin typeface="Calibri"/>
-            </a:endParaRPr>
-          </a:p>
-        </p:txBody>
-      </p:sp>
-      <p:sp>
-        <p:nvSpPr>
-          <p:cNvPr id="15" name="PlaceHolder 2"/>
+            <a:off x="457200" y="273600"/>
+            <a:ext cx="8228880" cy="1144440"/>
+          </a:xfrm>
+          <a:prstGeom prst="rect">
+            <a:avLst/>
+          </a:prstGeom>
+        </p:spPr>
+        <p:txBody>
+          <a:bodyPr lIns="0" rIns="0" tIns="0" bIns="0" anchor="ctr"/>
+          <a:p>
+            <a:pPr algn="ctr"/>
+            <a:endParaRPr b="0" lang="de-DE" sz="4400" spc="-1" strike="noStrike">
+              <a:latin typeface="Arial"/>
+            </a:endParaRPr>
+          </a:p>
+        </p:txBody>
+      </p:sp>
+      <p:sp>
+        <p:nvSpPr>
+          <p:cNvPr id="12" name="PlaceHolder 2"/>
           <p:cNvSpPr>
             <a:spLocks noGrp="1"/>
           </p:cNvSpPr>
@@ -2520,8 +3657,8 @@
         </p:nvSpPr>
         <p:spPr>
           <a:xfrm>
-            <a:off x="457200" y="1600200"/>
-            <a:ext cx="4015800" cy="2158560"/>
+            <a:off x="457200" y="1604520"/>
+            <a:ext cx="4015800" cy="1896840"/>
           </a:xfrm>
           <a:prstGeom prst="rect">
             <a:avLst/>
@@ -2532,18 +3669,15 @@
             <a:normAutofit/>
           </a:bodyPr>
           <a:p>
-            <a:endParaRPr b="0" lang="ru-RU" sz="3200" spc="-1" strike="noStrike">
-              <a:solidFill>
-                <a:srgbClr val="000000"/>
-              </a:solidFill>
-              <a:latin typeface="Calibri"/>
-            </a:endParaRPr>
-          </a:p>
-        </p:txBody>
-      </p:sp>
-      <p:sp>
-        <p:nvSpPr>
-          <p:cNvPr id="16" name="PlaceHolder 3"/>
+            <a:endParaRPr b="0" lang="de-DE" sz="3200" spc="-1" strike="noStrike">
+              <a:latin typeface="Arial"/>
+            </a:endParaRPr>
+          </a:p>
+        </p:txBody>
+      </p:sp>
+      <p:sp>
+        <p:nvSpPr>
+          <p:cNvPr id="13" name="PlaceHolder 3"/>
           <p:cNvSpPr>
             <a:spLocks noGrp="1"/>
           </p:cNvSpPr>
@@ -2553,8 +3687,8 @@
         </p:nvSpPr>
         <p:spPr>
           <a:xfrm>
-            <a:off x="4674240" y="1600200"/>
-            <a:ext cx="4015800" cy="4525560"/>
+            <a:off x="4674240" y="1604520"/>
+            <a:ext cx="4015800" cy="3977280"/>
           </a:xfrm>
           <a:prstGeom prst="rect">
             <a:avLst/>
@@ -2565,18 +3699,15 @@
             <a:normAutofit/>
           </a:bodyPr>
           <a:p>
-            <a:endParaRPr b="0" lang="ru-RU" sz="3200" spc="-1" strike="noStrike">
-              <a:solidFill>
-                <a:srgbClr val="000000"/>
-              </a:solidFill>
-              <a:latin typeface="Calibri"/>
-            </a:endParaRPr>
-          </a:p>
-        </p:txBody>
-      </p:sp>
-      <p:sp>
-        <p:nvSpPr>
-          <p:cNvPr id="17" name="PlaceHolder 4"/>
+            <a:endParaRPr b="0" lang="de-DE" sz="3200" spc="-1" strike="noStrike">
+              <a:latin typeface="Arial"/>
+            </a:endParaRPr>
+          </a:p>
+        </p:txBody>
+      </p:sp>
+      <p:sp>
+        <p:nvSpPr>
+          <p:cNvPr id="14" name="PlaceHolder 4"/>
           <p:cNvSpPr>
             <a:spLocks noGrp="1"/>
           </p:cNvSpPr>
@@ -2586,8 +3717,8 @@
         </p:nvSpPr>
         <p:spPr>
           <a:xfrm>
-            <a:off x="457200" y="3964320"/>
-            <a:ext cx="4015800" cy="2158560"/>
+            <a:off x="457200" y="3682080"/>
+            <a:ext cx="4015800" cy="1896840"/>
           </a:xfrm>
           <a:prstGeom prst="rect">
             <a:avLst/>
@@ -2598,11 +3729,8 @@
             <a:normAutofit/>
           </a:bodyPr>
           <a:p>
-            <a:endParaRPr b="0" lang="ru-RU" sz="3200" spc="-1" strike="noStrike">
-              <a:solidFill>
-                <a:srgbClr val="000000"/>
-              </a:solidFill>
-              <a:latin typeface="Calibri"/>
+            <a:endParaRPr b="0" lang="de-DE" sz="3200" spc="-1" strike="noStrike">
+              <a:latin typeface="Arial"/>
             </a:endParaRPr>
           </a:p>
         </p:txBody>
@@ -2631,7 +3759,7 @@
       </p:grpSpPr>
       <p:sp>
         <p:nvSpPr>
-          <p:cNvPr id="18" name="PlaceHolder 1"/>
+          <p:cNvPr id="15" name="PlaceHolder 1"/>
           <p:cNvSpPr>
             <a:spLocks noGrp="1"/>
           </p:cNvSpPr>
@@ -2641,30 +3769,26 @@
         </p:nvSpPr>
         <p:spPr>
           <a:xfrm>
-            <a:off x="457200" y="274680"/>
-            <a:ext cx="8229240" cy="1142640"/>
-          </a:xfrm>
-          <a:prstGeom prst="rect">
-            <a:avLst/>
-          </a:prstGeom>
-        </p:spPr>
-        <p:txBody>
-          <a:bodyPr lIns="0" rIns="0" tIns="0" bIns="0" anchor="ctr">
-            <a:spAutoFit/>
-          </a:bodyPr>
-          <a:p>
-            <a:endParaRPr b="0" lang="ru-RU" sz="1800" spc="-1" strike="noStrike">
-              <a:solidFill>
-                <a:srgbClr val="000000"/>
-              </a:solidFill>
-              <a:latin typeface="Calibri"/>
-            </a:endParaRPr>
-          </a:p>
-        </p:txBody>
-      </p:sp>
-      <p:sp>
-        <p:nvSpPr>
-          <p:cNvPr id="19" name="PlaceHolder 2"/>
+            <a:off x="457200" y="273600"/>
+            <a:ext cx="8228880" cy="1144440"/>
+          </a:xfrm>
+          <a:prstGeom prst="rect">
+            <a:avLst/>
+          </a:prstGeom>
+        </p:spPr>
+        <p:txBody>
+          <a:bodyPr lIns="0" rIns="0" tIns="0" bIns="0" anchor="ctr"/>
+          <a:p>
+            <a:pPr algn="ctr"/>
+            <a:endParaRPr b="0" lang="de-DE" sz="4400" spc="-1" strike="noStrike">
+              <a:latin typeface="Arial"/>
+            </a:endParaRPr>
+          </a:p>
+        </p:txBody>
+      </p:sp>
+      <p:sp>
+        <p:nvSpPr>
+          <p:cNvPr id="16" name="PlaceHolder 2"/>
           <p:cNvSpPr>
             <a:spLocks noGrp="1"/>
           </p:cNvSpPr>
@@ -2674,8 +3798,8 @@
         </p:nvSpPr>
         <p:spPr>
           <a:xfrm>
-            <a:off x="457200" y="1600200"/>
-            <a:ext cx="4015800" cy="4525560"/>
+            <a:off x="457200" y="1604520"/>
+            <a:ext cx="4015800" cy="3977280"/>
           </a:xfrm>
           <a:prstGeom prst="rect">
             <a:avLst/>
@@ -2686,18 +3810,15 @@
             <a:normAutofit/>
           </a:bodyPr>
           <a:p>
-            <a:endParaRPr b="0" lang="ru-RU" sz="3200" spc="-1" strike="noStrike">
-              <a:solidFill>
-                <a:srgbClr val="000000"/>
-              </a:solidFill>
-              <a:latin typeface="Calibri"/>
-            </a:endParaRPr>
-          </a:p>
-        </p:txBody>
-      </p:sp>
-      <p:sp>
-        <p:nvSpPr>
-          <p:cNvPr id="20" name="PlaceHolder 3"/>
+            <a:endParaRPr b="0" lang="de-DE" sz="3200" spc="-1" strike="noStrike">
+              <a:latin typeface="Arial"/>
+            </a:endParaRPr>
+          </a:p>
+        </p:txBody>
+      </p:sp>
+      <p:sp>
+        <p:nvSpPr>
+          <p:cNvPr id="17" name="PlaceHolder 3"/>
           <p:cNvSpPr>
             <a:spLocks noGrp="1"/>
           </p:cNvSpPr>
@@ -2707,8 +3828,8 @@
         </p:nvSpPr>
         <p:spPr>
           <a:xfrm>
-            <a:off x="4674240" y="1600200"/>
-            <a:ext cx="4015800" cy="2158560"/>
+            <a:off x="4674240" y="1604520"/>
+            <a:ext cx="4015800" cy="1896840"/>
           </a:xfrm>
           <a:prstGeom prst="rect">
             <a:avLst/>
@@ -2719,18 +3840,15 @@
             <a:normAutofit/>
           </a:bodyPr>
           <a:p>
-            <a:endParaRPr b="0" lang="ru-RU" sz="3200" spc="-1" strike="noStrike">
-              <a:solidFill>
-                <a:srgbClr val="000000"/>
-              </a:solidFill>
-              <a:latin typeface="Calibri"/>
-            </a:endParaRPr>
-          </a:p>
-        </p:txBody>
-      </p:sp>
-      <p:sp>
-        <p:nvSpPr>
-          <p:cNvPr id="21" name="PlaceHolder 4"/>
+            <a:endParaRPr b="0" lang="de-DE" sz="3200" spc="-1" strike="noStrike">
+              <a:latin typeface="Arial"/>
+            </a:endParaRPr>
+          </a:p>
+        </p:txBody>
+      </p:sp>
+      <p:sp>
+        <p:nvSpPr>
+          <p:cNvPr id="18" name="PlaceHolder 4"/>
           <p:cNvSpPr>
             <a:spLocks noGrp="1"/>
           </p:cNvSpPr>
@@ -2740,8 +3858,8 @@
         </p:nvSpPr>
         <p:spPr>
           <a:xfrm>
-            <a:off x="4674240" y="3964320"/>
-            <a:ext cx="4015800" cy="2158560"/>
+            <a:off x="4674240" y="3682080"/>
+            <a:ext cx="4015800" cy="1896840"/>
           </a:xfrm>
           <a:prstGeom prst="rect">
             <a:avLst/>
@@ -2752,11 +3870,8 @@
             <a:normAutofit/>
           </a:bodyPr>
           <a:p>
-            <a:endParaRPr b="0" lang="ru-RU" sz="3200" spc="-1" strike="noStrike">
-              <a:solidFill>
-                <a:srgbClr val="000000"/>
-              </a:solidFill>
-              <a:latin typeface="Calibri"/>
+            <a:endParaRPr b="0" lang="de-DE" sz="3200" spc="-1" strike="noStrike">
+              <a:latin typeface="Arial"/>
             </a:endParaRPr>
           </a:p>
         </p:txBody>
@@ -2785,7 +3900,7 @@
       </p:grpSpPr>
       <p:sp>
         <p:nvSpPr>
-          <p:cNvPr id="22" name="PlaceHolder 1"/>
+          <p:cNvPr id="19" name="PlaceHolder 1"/>
           <p:cNvSpPr>
             <a:spLocks noGrp="1"/>
           </p:cNvSpPr>
@@ -2795,30 +3910,26 @@
         </p:nvSpPr>
         <p:spPr>
           <a:xfrm>
-            <a:off x="457200" y="274680"/>
-            <a:ext cx="8229240" cy="1142640"/>
-          </a:xfrm>
-          <a:prstGeom prst="rect">
-            <a:avLst/>
-          </a:prstGeom>
-        </p:spPr>
-        <p:txBody>
-          <a:bodyPr lIns="0" rIns="0" tIns="0" bIns="0" anchor="ctr">
-            <a:spAutoFit/>
-          </a:bodyPr>
-          <a:p>
-            <a:endParaRPr b="0" lang="ru-RU" sz="1800" spc="-1" strike="noStrike">
-              <a:solidFill>
-                <a:srgbClr val="000000"/>
-              </a:solidFill>
-              <a:latin typeface="Calibri"/>
-            </a:endParaRPr>
-          </a:p>
-        </p:txBody>
-      </p:sp>
-      <p:sp>
-        <p:nvSpPr>
-          <p:cNvPr id="23" name="PlaceHolder 2"/>
+            <a:off x="457200" y="273600"/>
+            <a:ext cx="8228880" cy="1144440"/>
+          </a:xfrm>
+          <a:prstGeom prst="rect">
+            <a:avLst/>
+          </a:prstGeom>
+        </p:spPr>
+        <p:txBody>
+          <a:bodyPr lIns="0" rIns="0" tIns="0" bIns="0" anchor="ctr"/>
+          <a:p>
+            <a:pPr algn="ctr"/>
+            <a:endParaRPr b="0" lang="de-DE" sz="4400" spc="-1" strike="noStrike">
+              <a:latin typeface="Arial"/>
+            </a:endParaRPr>
+          </a:p>
+        </p:txBody>
+      </p:sp>
+      <p:sp>
+        <p:nvSpPr>
+          <p:cNvPr id="20" name="PlaceHolder 2"/>
           <p:cNvSpPr>
             <a:spLocks noGrp="1"/>
           </p:cNvSpPr>
@@ -2828,8 +3939,8 @@
         </p:nvSpPr>
         <p:spPr>
           <a:xfrm>
-            <a:off x="457200" y="1600200"/>
-            <a:ext cx="4015800" cy="2158560"/>
+            <a:off x="457200" y="1604520"/>
+            <a:ext cx="4015800" cy="1896840"/>
           </a:xfrm>
           <a:prstGeom prst="rect">
             <a:avLst/>
@@ -2840,18 +3951,15 @@
             <a:normAutofit/>
           </a:bodyPr>
           <a:p>
-            <a:endParaRPr b="0" lang="ru-RU" sz="3200" spc="-1" strike="noStrike">
-              <a:solidFill>
-                <a:srgbClr val="000000"/>
-              </a:solidFill>
-              <a:latin typeface="Calibri"/>
-            </a:endParaRPr>
-          </a:p>
-        </p:txBody>
-      </p:sp>
-      <p:sp>
-        <p:nvSpPr>
-          <p:cNvPr id="24" name="PlaceHolder 3"/>
+            <a:endParaRPr b="0" lang="de-DE" sz="3200" spc="-1" strike="noStrike">
+              <a:latin typeface="Arial"/>
+            </a:endParaRPr>
+          </a:p>
+        </p:txBody>
+      </p:sp>
+      <p:sp>
+        <p:nvSpPr>
+          <p:cNvPr id="21" name="PlaceHolder 3"/>
           <p:cNvSpPr>
             <a:spLocks noGrp="1"/>
           </p:cNvSpPr>
@@ -2861,8 +3969,8 @@
         </p:nvSpPr>
         <p:spPr>
           <a:xfrm>
-            <a:off x="4674240" y="1600200"/>
-            <a:ext cx="4015800" cy="2158560"/>
+            <a:off x="4674240" y="1604520"/>
+            <a:ext cx="4015800" cy="1896840"/>
           </a:xfrm>
           <a:prstGeom prst="rect">
             <a:avLst/>
@@ -2873,18 +3981,15 @@
             <a:normAutofit/>
           </a:bodyPr>
           <a:p>
-            <a:endParaRPr b="0" lang="ru-RU" sz="3200" spc="-1" strike="noStrike">
-              <a:solidFill>
-                <a:srgbClr val="000000"/>
-              </a:solidFill>
-              <a:latin typeface="Calibri"/>
-            </a:endParaRPr>
-          </a:p>
-        </p:txBody>
-      </p:sp>
-      <p:sp>
-        <p:nvSpPr>
-          <p:cNvPr id="25" name="PlaceHolder 4"/>
+            <a:endParaRPr b="0" lang="de-DE" sz="3200" spc="-1" strike="noStrike">
+              <a:latin typeface="Arial"/>
+            </a:endParaRPr>
+          </a:p>
+        </p:txBody>
+      </p:sp>
+      <p:sp>
+        <p:nvSpPr>
+          <p:cNvPr id="22" name="PlaceHolder 4"/>
           <p:cNvSpPr>
             <a:spLocks noGrp="1"/>
           </p:cNvSpPr>
@@ -2894,8 +3999,8 @@
         </p:nvSpPr>
         <p:spPr>
           <a:xfrm>
-            <a:off x="457200" y="3964320"/>
-            <a:ext cx="8229240" cy="2158560"/>
+            <a:off x="457200" y="3682080"/>
+            <a:ext cx="8229240" cy="1896840"/>
           </a:xfrm>
           <a:prstGeom prst="rect">
             <a:avLst/>
@@ -2906,11 +4011,8 @@
             <a:normAutofit/>
           </a:bodyPr>
           <a:p>
-            <a:endParaRPr b="0" lang="ru-RU" sz="3200" spc="-1" strike="noStrike">
-              <a:solidFill>
-                <a:srgbClr val="000000"/>
-              </a:solidFill>
-              <a:latin typeface="Calibri"/>
+            <a:endParaRPr b="0" lang="de-DE" sz="3200" spc="-1" strike="noStrike">
+              <a:latin typeface="Arial"/>
             </a:endParaRPr>
           </a:p>
         </p:txBody>
@@ -2956,37 +4058,24 @@
         </p:nvSpPr>
         <p:spPr>
           <a:xfrm>
-            <a:off x="685800" y="2130480"/>
-            <a:ext cx="7772040" cy="1469520"/>
-          </a:xfrm>
-          <a:prstGeom prst="rect">
-            <a:avLst/>
-          </a:prstGeom>
-        </p:spPr>
-        <p:txBody>
-          <a:bodyPr anchor="ctr">
-            <a:noAutofit/>
-          </a:bodyPr>
-          <a:p>
-            <a:pPr algn="ctr">
-              <a:lnSpc>
-                <a:spcPct val="100000"/>
-              </a:lnSpc>
-            </a:pPr>
-            <a:r>
-              <a:rPr b="0" lang="ru-RU" sz="4400" spc="-1" strike="noStrike">
-                <a:solidFill>
-                  <a:srgbClr val="000000"/>
-                </a:solidFill>
-                <a:latin typeface="Calibri"/>
-              </a:rPr>
-              <a:t>Образец заголовка</a:t>
-            </a:r>
-            <a:endParaRPr b="0" lang="ru-RU" sz="4400" spc="-1" strike="noStrike">
-              <a:solidFill>
-                <a:srgbClr val="000000"/>
-              </a:solidFill>
-              <a:latin typeface="Calibri"/>
+            <a:off x="457200" y="273600"/>
+            <a:ext cx="8228880" cy="1144440"/>
+          </a:xfrm>
+          <a:prstGeom prst="rect">
+            <a:avLst/>
+          </a:prstGeom>
+        </p:spPr>
+        <p:txBody>
+          <a:bodyPr lIns="0" rIns="0" tIns="0" bIns="0" anchor="ctr"/>
+          <a:p>
+            <a:r>
+              <a:rPr b="0" lang="de-DE" sz="1800" spc="-1" strike="noStrike">
+                <a:latin typeface="Arial"/>
+              </a:rPr>
+              <a:t>Click to edit the title text format</a:t>
+            </a:r>
+            <a:endParaRPr b="0" lang="de-DE" sz="1800" spc="-1" strike="noStrike">
+              <a:latin typeface="Arial"/>
             </a:endParaRPr>
           </a:p>
         </p:txBody>
@@ -2998,131 +4087,13 @@
             <a:spLocks noGrp="1"/>
           </p:cNvSpPr>
           <p:nvPr>
-            <p:ph type="dt"/>
-          </p:nvPr>
-        </p:nvSpPr>
-        <p:spPr>
-          <a:xfrm>
-            <a:off x="457200" y="6356520"/>
-            <a:ext cx="2133360" cy="364680"/>
-          </a:xfrm>
-          <a:prstGeom prst="rect">
-            <a:avLst/>
-          </a:prstGeom>
-        </p:spPr>
-        <p:txBody>
-          <a:bodyPr anchor="ctr">
-            <a:noAutofit/>
-          </a:bodyPr>
-          <a:p>
-            <a:pPr>
-              <a:lnSpc>
-                <a:spcPct val="100000"/>
-              </a:lnSpc>
-            </a:pPr>
-            <a:fld id="{CC54952A-1C87-48C4-B13B-FAE0FC214FE2}" type="datetime">
-              <a:rPr b="0" lang="de-DE" sz="1200" spc="-1" strike="noStrike">
-                <a:solidFill>
-                  <a:srgbClr val="8b8b8b"/>
-                </a:solidFill>
-                <a:latin typeface="Calibri"/>
-              </a:rPr>
-              <a:t>04.02.20</a:t>
-            </a:fld>
-            <a:endParaRPr b="0" lang="de-DE" sz="1200" spc="-1" strike="noStrike">
-              <a:latin typeface="Times New Roman"/>
-            </a:endParaRPr>
-          </a:p>
-        </p:txBody>
-      </p:sp>
-      <p:sp>
-        <p:nvSpPr>
-          <p:cNvPr id="2" name="PlaceHolder 3"/>
-          <p:cNvSpPr>
-            <a:spLocks noGrp="1"/>
-          </p:cNvSpPr>
-          <p:nvPr>
-            <p:ph type="ftr"/>
-          </p:nvPr>
-        </p:nvSpPr>
-        <p:spPr>
-          <a:xfrm>
-            <a:off x="3124080" y="6356520"/>
-            <a:ext cx="2895120" cy="364680"/>
-          </a:xfrm>
-          <a:prstGeom prst="rect">
-            <a:avLst/>
-          </a:prstGeom>
-        </p:spPr>
-        <p:txBody>
-          <a:bodyPr anchor="ctr">
-            <a:noAutofit/>
-          </a:bodyPr>
-          <a:p>
-            <a:endParaRPr b="0" lang="de-DE" sz="2400" spc="-1" strike="noStrike">
-              <a:latin typeface="Times New Roman"/>
-            </a:endParaRPr>
-          </a:p>
-        </p:txBody>
-      </p:sp>
-      <p:sp>
-        <p:nvSpPr>
-          <p:cNvPr id="3" name="PlaceHolder 4"/>
-          <p:cNvSpPr>
-            <a:spLocks noGrp="1"/>
-          </p:cNvSpPr>
-          <p:nvPr>
-            <p:ph type="sldNum"/>
-          </p:nvPr>
-        </p:nvSpPr>
-        <p:spPr>
-          <a:xfrm>
-            <a:off x="6553080" y="6356520"/>
-            <a:ext cx="2133360" cy="364680"/>
-          </a:xfrm>
-          <a:prstGeom prst="rect">
-            <a:avLst/>
-          </a:prstGeom>
-        </p:spPr>
-        <p:txBody>
-          <a:bodyPr anchor="ctr">
-            <a:noAutofit/>
-          </a:bodyPr>
-          <a:p>
-            <a:pPr algn="r">
-              <a:lnSpc>
-                <a:spcPct val="100000"/>
-              </a:lnSpc>
-            </a:pPr>
-            <a:fld id="{C08386F3-4B20-4FA6-9639-619AA28EBE2E}" type="slidenum">
-              <a:rPr b="0" lang="de-DE" sz="1200" spc="-1" strike="noStrike">
-                <a:solidFill>
-                  <a:srgbClr val="8b8b8b"/>
-                </a:solidFill>
-                <a:latin typeface="Calibri"/>
-              </a:rPr>
-              <a:t>&lt;Foliennummer&gt;</a:t>
-            </a:fld>
-            <a:endParaRPr b="0" lang="de-DE" sz="1200" spc="-1" strike="noStrike">
-              <a:latin typeface="Times New Roman"/>
-            </a:endParaRPr>
-          </a:p>
-        </p:txBody>
-      </p:sp>
-      <p:sp>
-        <p:nvSpPr>
-          <p:cNvPr id="4" name="PlaceHolder 5"/>
-          <p:cNvSpPr>
-            <a:spLocks noGrp="1"/>
-          </p:cNvSpPr>
-          <p:nvPr>
             <p:ph type="body"/>
           </p:nvPr>
         </p:nvSpPr>
         <p:spPr>
           <a:xfrm>
             <a:off x="457200" y="1604520"/>
-            <a:ext cx="8229240" cy="3977280"/>
+            <a:ext cx="8228880" cy="3976920"/>
           </a:xfrm>
           <a:prstGeom prst="rect">
             <a:avLst/>
@@ -3145,19 +4116,13 @@
               <a:buChar char=""/>
             </a:pPr>
             <a:r>
-              <a:rPr b="0" lang="ru-RU" sz="3200" spc="-1" strike="noStrike">
-                <a:solidFill>
-                  <a:srgbClr val="000000"/>
-                </a:solidFill>
-                <a:latin typeface="Calibri"/>
-              </a:rPr>
-              <a:t>Format des Gliederungstextes durch Klicken bearbeiten</a:t>
-            </a:r>
-            <a:endParaRPr b="0" lang="ru-RU" sz="3200" spc="-1" strike="noStrike">
-              <a:solidFill>
-                <a:srgbClr val="000000"/>
-              </a:solidFill>
-              <a:latin typeface="Calibri"/>
+              <a:rPr b="0" lang="de-DE" sz="1800" spc="-1" strike="noStrike">
+                <a:latin typeface="Arial"/>
+              </a:rPr>
+              <a:t>Click to edit the outline text format</a:t>
+            </a:r>
+            <a:endParaRPr b="0" lang="de-DE" sz="1800" spc="-1" strike="noStrike">
+              <a:latin typeface="Arial"/>
             </a:endParaRPr>
           </a:p>
           <a:p>
@@ -3173,19 +4138,13 @@
               <a:buChar char=""/>
             </a:pPr>
             <a:r>
-              <a:rPr b="0" lang="ru-RU" sz="2400" spc="-1" strike="noStrike">
-                <a:solidFill>
-                  <a:srgbClr val="000000"/>
-                </a:solidFill>
-                <a:latin typeface="Calibri"/>
-              </a:rPr>
-              <a:t>Zweite Gliederungsebene</a:t>
-            </a:r>
-            <a:endParaRPr b="0" lang="ru-RU" sz="2400" spc="-1" strike="noStrike">
-              <a:solidFill>
-                <a:srgbClr val="000000"/>
-              </a:solidFill>
-              <a:latin typeface="Calibri"/>
+              <a:rPr b="0" lang="de-DE" sz="1800" spc="-1" strike="noStrike">
+                <a:latin typeface="Arial"/>
+              </a:rPr>
+              <a:t>Second Outline Level</a:t>
+            </a:r>
+            <a:endParaRPr b="0" lang="de-DE" sz="1800" spc="-1" strike="noStrike">
+              <a:latin typeface="Arial"/>
             </a:endParaRPr>
           </a:p>
           <a:p>
@@ -3201,19 +4160,13 @@
               <a:buChar char=""/>
             </a:pPr>
             <a:r>
-              <a:rPr b="0" lang="ru-RU" sz="2000" spc="-1" strike="noStrike">
-                <a:solidFill>
-                  <a:srgbClr val="000000"/>
-                </a:solidFill>
-                <a:latin typeface="Calibri"/>
-              </a:rPr>
-              <a:t>Dritte Gliederungsebene</a:t>
-            </a:r>
-            <a:endParaRPr b="0" lang="ru-RU" sz="2000" spc="-1" strike="noStrike">
-              <a:solidFill>
-                <a:srgbClr val="000000"/>
-              </a:solidFill>
-              <a:latin typeface="Calibri"/>
+              <a:rPr b="0" lang="de-DE" sz="1800" spc="-1" strike="noStrike">
+                <a:latin typeface="Arial"/>
+              </a:rPr>
+              <a:t>Third Outline Level</a:t>
+            </a:r>
+            <a:endParaRPr b="0" lang="de-DE" sz="1800" spc="-1" strike="noStrike">
+              <a:latin typeface="Arial"/>
             </a:endParaRPr>
           </a:p>
           <a:p>
@@ -3229,19 +4182,13 @@
               <a:buChar char=""/>
             </a:pPr>
             <a:r>
-              <a:rPr b="0" lang="ru-RU" sz="2000" spc="-1" strike="noStrike">
-                <a:solidFill>
-                  <a:srgbClr val="000000"/>
-                </a:solidFill>
-                <a:latin typeface="Calibri"/>
-              </a:rPr>
-              <a:t>Vierte Gliederungsebene</a:t>
-            </a:r>
-            <a:endParaRPr b="0" lang="ru-RU" sz="2000" spc="-1" strike="noStrike">
-              <a:solidFill>
-                <a:srgbClr val="000000"/>
-              </a:solidFill>
-              <a:latin typeface="Calibri"/>
+              <a:rPr b="0" lang="de-DE" sz="1800" spc="-1" strike="noStrike">
+                <a:latin typeface="Arial"/>
+              </a:rPr>
+              <a:t>Fourth Outline Level</a:t>
+            </a:r>
+            <a:endParaRPr b="0" lang="de-DE" sz="1800" spc="-1" strike="noStrike">
+              <a:latin typeface="Arial"/>
             </a:endParaRPr>
           </a:p>
           <a:p>
@@ -3257,19 +4204,13 @@
               <a:buChar char=""/>
             </a:pPr>
             <a:r>
-              <a:rPr b="0" lang="ru-RU" sz="2000" spc="-1" strike="noStrike">
-                <a:solidFill>
-                  <a:srgbClr val="000000"/>
-                </a:solidFill>
-                <a:latin typeface="Calibri"/>
-              </a:rPr>
-              <a:t>Fünfte Gliederungsebene</a:t>
-            </a:r>
-            <a:endParaRPr b="0" lang="ru-RU" sz="2000" spc="-1" strike="noStrike">
-              <a:solidFill>
-                <a:srgbClr val="000000"/>
-              </a:solidFill>
-              <a:latin typeface="Calibri"/>
+              <a:rPr b="0" lang="de-DE" sz="1800" spc="-1" strike="noStrike">
+                <a:latin typeface="Arial"/>
+              </a:rPr>
+              <a:t>Fifth Outline Level</a:t>
+            </a:r>
+            <a:endParaRPr b="0" lang="de-DE" sz="1800" spc="-1" strike="noStrike">
+              <a:latin typeface="Arial"/>
             </a:endParaRPr>
           </a:p>
           <a:p>
@@ -3285,19 +4226,13 @@
               <a:buChar char=""/>
             </a:pPr>
             <a:r>
-              <a:rPr b="0" lang="ru-RU" sz="2000" spc="-1" strike="noStrike">
-                <a:solidFill>
-                  <a:srgbClr val="000000"/>
-                </a:solidFill>
-                <a:latin typeface="Calibri"/>
-              </a:rPr>
-              <a:t>Sechste Gliederungsebene</a:t>
-            </a:r>
-            <a:endParaRPr b="0" lang="ru-RU" sz="2000" spc="-1" strike="noStrike">
-              <a:solidFill>
-                <a:srgbClr val="000000"/>
-              </a:solidFill>
-              <a:latin typeface="Calibri"/>
+              <a:rPr b="0" lang="de-DE" sz="1800" spc="-1" strike="noStrike">
+                <a:latin typeface="Arial"/>
+              </a:rPr>
+              <a:t>Sixth Outline Level</a:t>
+            </a:r>
+            <a:endParaRPr b="0" lang="de-DE" sz="1800" spc="-1" strike="noStrike">
+              <a:latin typeface="Arial"/>
             </a:endParaRPr>
           </a:p>
           <a:p>
@@ -3313,19 +4248,13 @@
               <a:buChar char=""/>
             </a:pPr>
             <a:r>
-              <a:rPr b="0" lang="ru-RU" sz="2000" spc="-1" strike="noStrike">
-                <a:solidFill>
-                  <a:srgbClr val="000000"/>
-                </a:solidFill>
-                <a:latin typeface="Calibri"/>
-              </a:rPr>
-              <a:t>Siebte Gliederungsebene</a:t>
-            </a:r>
-            <a:endParaRPr b="0" lang="ru-RU" sz="2000" spc="-1" strike="noStrike">
-              <a:solidFill>
-                <a:srgbClr val="000000"/>
-              </a:solidFill>
-              <a:latin typeface="Calibri"/>
+              <a:rPr b="0" lang="de-DE" sz="1800" spc="-1" strike="noStrike">
+                <a:latin typeface="Arial"/>
+              </a:rPr>
+              <a:t>Seventh Outline Level</a:t>
+            </a:r>
+            <a:endParaRPr b="0" lang="de-DE" sz="1800" spc="-1" strike="noStrike">
+              <a:latin typeface="Arial"/>
             </a:endParaRPr>
           </a:p>
         </p:txBody>
@@ -3376,7 +4305,7 @@
       </p:grpSpPr>
       <p:sp>
         <p:nvSpPr>
-          <p:cNvPr id="41" name="PlaceHolder 1"/>
+          <p:cNvPr id="38" name="PlaceHolder 1"/>
           <p:cNvSpPr>
             <a:spLocks noGrp="1"/>
           </p:cNvSpPr>
@@ -3386,44 +4315,32 @@
         </p:nvSpPr>
         <p:spPr>
           <a:xfrm>
-            <a:off x="457200" y="274680"/>
-            <a:ext cx="8229240" cy="1142640"/>
-          </a:xfrm>
-          <a:prstGeom prst="rect">
-            <a:avLst/>
-          </a:prstGeom>
-        </p:spPr>
-        <p:txBody>
-          <a:bodyPr anchor="ctr">
-            <a:noAutofit/>
-          </a:bodyPr>
-          <a:p>
-            <a:pPr algn="ctr">
-              <a:lnSpc>
-                <a:spcPct val="100000"/>
-              </a:lnSpc>
-            </a:pPr>
-            <a:r>
-              <a:rPr b="0" lang="ru-RU" sz="4400" spc="-1" strike="noStrike">
-                <a:solidFill>
-                  <a:srgbClr val="000000"/>
-                </a:solidFill>
-                <a:latin typeface="Calibri"/>
-              </a:rPr>
-              <a:t>Образец заголовка</a:t>
-            </a:r>
-            <a:endParaRPr b="0" lang="ru-RU" sz="4400" spc="-1" strike="noStrike">
-              <a:solidFill>
-                <a:srgbClr val="000000"/>
-              </a:solidFill>
-              <a:latin typeface="Calibri"/>
-            </a:endParaRPr>
-          </a:p>
-        </p:txBody>
-      </p:sp>
-      <p:sp>
-        <p:nvSpPr>
-          <p:cNvPr id="42" name="PlaceHolder 2"/>
+            <a:off x="457200" y="273600"/>
+            <a:ext cx="8229240" cy="1144800"/>
+          </a:xfrm>
+          <a:prstGeom prst="rect">
+            <a:avLst/>
+          </a:prstGeom>
+        </p:spPr>
+        <p:txBody>
+          <a:bodyPr lIns="0" rIns="0" tIns="0" bIns="0" anchor="ctr"/>
+          <a:p>
+            <a:pPr algn="ctr"/>
+            <a:r>
+              <a:rPr b="0" lang="de-DE" sz="4400" spc="-1" strike="noStrike">
+                <a:latin typeface="Arial"/>
+              </a:rPr>
+              <a:t>Click to edit the title text format</a:t>
+            </a:r>
+            <a:endParaRPr b="0" lang="de-DE" sz="4400" spc="-1" strike="noStrike">
+              <a:latin typeface="Arial"/>
+            </a:endParaRPr>
+          </a:p>
+        </p:txBody>
+      </p:sp>
+      <p:sp>
+        <p:nvSpPr>
+          <p:cNvPr id="39" name="PlaceHolder 2"/>
           <p:cNvSpPr>
             <a:spLocks noGrp="1"/>
           </p:cNvSpPr>
@@ -3433,283 +4350,169 @@
         </p:nvSpPr>
         <p:spPr>
           <a:xfrm>
-            <a:off x="457200" y="1600200"/>
-            <a:ext cx="8229240" cy="4525560"/>
-          </a:xfrm>
-          <a:prstGeom prst="rect">
-            <a:avLst/>
-          </a:prstGeom>
-        </p:spPr>
-        <p:txBody>
-          <a:bodyPr>
-            <a:noAutofit/>
-          </a:bodyPr>
-          <a:p>
-            <a:pPr marL="343080" indent="-342720">
-              <a:lnSpc>
-                <a:spcPct val="100000"/>
-              </a:lnSpc>
+            <a:off x="457200" y="1604520"/>
+            <a:ext cx="8229240" cy="3977280"/>
+          </a:xfrm>
+          <a:prstGeom prst="rect">
+            <a:avLst/>
+          </a:prstGeom>
+        </p:spPr>
+        <p:txBody>
+          <a:bodyPr lIns="0" rIns="0" tIns="0" bIns="0">
+            <a:normAutofit/>
+          </a:bodyPr>
+          <a:p>
+            <a:pPr marL="432000" indent="-324000">
               <a:spcBef>
-                <a:spcPts val="641"/>
+                <a:spcPts val="1417"/>
               </a:spcBef>
               <a:buClr>
                 <a:srgbClr val="000000"/>
               </a:buClr>
-              <a:buFont typeface="Arial"/>
-              <a:buChar char="•"/>
-            </a:pPr>
-            <a:r>
-              <a:rPr b="0" lang="ru-RU" sz="3200" spc="-1" strike="noStrike">
-                <a:solidFill>
-                  <a:srgbClr val="000000"/>
-                </a:solidFill>
-                <a:latin typeface="Calibri"/>
-              </a:rPr>
-              <a:t>Образец текста</a:t>
-            </a:r>
-            <a:endParaRPr b="0" lang="ru-RU" sz="3200" spc="-1" strike="noStrike">
-              <a:solidFill>
-                <a:srgbClr val="000000"/>
-              </a:solidFill>
-              <a:latin typeface="Calibri"/>
-            </a:endParaRPr>
-          </a:p>
-          <a:p>
-            <a:pPr lvl="1" marL="743040" indent="-285480">
-              <a:lnSpc>
-                <a:spcPct val="100000"/>
-              </a:lnSpc>
+              <a:buSzPct val="45000"/>
+              <a:buFont typeface="Wingdings" charset="2"/>
+              <a:buChar char=""/>
+            </a:pPr>
+            <a:r>
+              <a:rPr b="0" lang="de-DE" sz="3200" spc="-1" strike="noStrike">
+                <a:latin typeface="Arial"/>
+              </a:rPr>
+              <a:t>Click to edit the outline text format</a:t>
+            </a:r>
+            <a:endParaRPr b="0" lang="de-DE" sz="3200" spc="-1" strike="noStrike">
+              <a:latin typeface="Arial"/>
+            </a:endParaRPr>
+          </a:p>
+          <a:p>
+            <a:pPr lvl="1" marL="864000" indent="-324000">
               <a:spcBef>
-                <a:spcPts val="561"/>
+                <a:spcPts val="1134"/>
               </a:spcBef>
               <a:buClr>
                 <a:srgbClr val="000000"/>
               </a:buClr>
-              <a:buFont typeface="Arial"/>
-              <a:buChar char="–"/>
-            </a:pPr>
-            <a:r>
-              <a:rPr b="0" lang="ru-RU" sz="2800" spc="-1" strike="noStrike">
-                <a:solidFill>
-                  <a:srgbClr val="000000"/>
-                </a:solidFill>
-                <a:latin typeface="Calibri"/>
-              </a:rPr>
-              <a:t>Второй уровень</a:t>
-            </a:r>
-            <a:endParaRPr b="0" lang="ru-RU" sz="2800" spc="-1" strike="noStrike">
-              <a:solidFill>
-                <a:srgbClr val="000000"/>
-              </a:solidFill>
-              <a:latin typeface="Calibri"/>
-            </a:endParaRPr>
-          </a:p>
-          <a:p>
-            <a:pPr lvl="2" marL="1143000" indent="-228240">
-              <a:lnSpc>
-                <a:spcPct val="100000"/>
-              </a:lnSpc>
+              <a:buSzPct val="75000"/>
+              <a:buFont typeface="Symbol" charset="2"/>
+              <a:buChar char=""/>
+            </a:pPr>
+            <a:r>
+              <a:rPr b="0" lang="de-DE" sz="2800" spc="-1" strike="noStrike">
+                <a:latin typeface="Arial"/>
+              </a:rPr>
+              <a:t>Second Outline Level</a:t>
+            </a:r>
+            <a:endParaRPr b="0" lang="de-DE" sz="2800" spc="-1" strike="noStrike">
+              <a:latin typeface="Arial"/>
+            </a:endParaRPr>
+          </a:p>
+          <a:p>
+            <a:pPr lvl="2" marL="1296000" indent="-288000">
               <a:spcBef>
-                <a:spcPts val="479"/>
+                <a:spcPts val="850"/>
               </a:spcBef>
               <a:buClr>
                 <a:srgbClr val="000000"/>
               </a:buClr>
-              <a:buFont typeface="Arial"/>
-              <a:buChar char="•"/>
-            </a:pPr>
-            <a:r>
-              <a:rPr b="0" lang="ru-RU" sz="2400" spc="-1" strike="noStrike">
-                <a:solidFill>
-                  <a:srgbClr val="000000"/>
-                </a:solidFill>
-                <a:latin typeface="Calibri"/>
-              </a:rPr>
-              <a:t>Третий уровень</a:t>
-            </a:r>
-            <a:endParaRPr b="0" lang="ru-RU" sz="2400" spc="-1" strike="noStrike">
-              <a:solidFill>
-                <a:srgbClr val="000000"/>
-              </a:solidFill>
-              <a:latin typeface="Calibri"/>
-            </a:endParaRPr>
-          </a:p>
-          <a:p>
-            <a:pPr lvl="3" marL="1600200" indent="-228240">
-              <a:lnSpc>
-                <a:spcPct val="100000"/>
-              </a:lnSpc>
+              <a:buSzPct val="45000"/>
+              <a:buFont typeface="Wingdings" charset="2"/>
+              <a:buChar char=""/>
+            </a:pPr>
+            <a:r>
+              <a:rPr b="0" lang="de-DE" sz="2400" spc="-1" strike="noStrike">
+                <a:latin typeface="Arial"/>
+              </a:rPr>
+              <a:t>Third Outline Level</a:t>
+            </a:r>
+            <a:endParaRPr b="0" lang="de-DE" sz="2400" spc="-1" strike="noStrike">
+              <a:latin typeface="Arial"/>
+            </a:endParaRPr>
+          </a:p>
+          <a:p>
+            <a:pPr lvl="3" marL="1728000" indent="-216000">
               <a:spcBef>
-                <a:spcPts val="400"/>
+                <a:spcPts val="567"/>
               </a:spcBef>
               <a:buClr>
                 <a:srgbClr val="000000"/>
               </a:buClr>
-              <a:buFont typeface="Arial"/>
-              <a:buChar char="–"/>
-            </a:pPr>
-            <a:r>
-              <a:rPr b="0" lang="ru-RU" sz="2000" spc="-1" strike="noStrike">
-                <a:solidFill>
-                  <a:srgbClr val="000000"/>
-                </a:solidFill>
-                <a:latin typeface="Calibri"/>
-              </a:rPr>
-              <a:t>Четвертый уровень</a:t>
-            </a:r>
-            <a:endParaRPr b="0" lang="ru-RU" sz="2000" spc="-1" strike="noStrike">
-              <a:solidFill>
-                <a:srgbClr val="000000"/>
-              </a:solidFill>
-              <a:latin typeface="Calibri"/>
-            </a:endParaRPr>
-          </a:p>
-          <a:p>
-            <a:pPr lvl="4" marL="2057400" indent="-228240">
-              <a:lnSpc>
-                <a:spcPct val="100000"/>
-              </a:lnSpc>
+              <a:buSzPct val="75000"/>
+              <a:buFont typeface="Symbol" charset="2"/>
+              <a:buChar char=""/>
+            </a:pPr>
+            <a:r>
+              <a:rPr b="0" lang="de-DE" sz="2000" spc="-1" strike="noStrike">
+                <a:latin typeface="Arial"/>
+              </a:rPr>
+              <a:t>Fourth Outline Level</a:t>
+            </a:r>
+            <a:endParaRPr b="0" lang="de-DE" sz="2000" spc="-1" strike="noStrike">
+              <a:latin typeface="Arial"/>
+            </a:endParaRPr>
+          </a:p>
+          <a:p>
+            <a:pPr lvl="4" marL="2160000" indent="-216000">
               <a:spcBef>
-                <a:spcPts val="400"/>
+                <a:spcPts val="283"/>
               </a:spcBef>
               <a:buClr>
                 <a:srgbClr val="000000"/>
               </a:buClr>
-              <a:buFont typeface="Arial"/>
-              <a:buChar char="»"/>
-            </a:pPr>
-            <a:r>
-              <a:rPr b="0" lang="ru-RU" sz="2000" spc="-1" strike="noStrike">
-                <a:solidFill>
-                  <a:srgbClr val="000000"/>
-                </a:solidFill>
-                <a:latin typeface="Calibri"/>
-              </a:rPr>
-              <a:t>Пятый уровень</a:t>
-            </a:r>
-            <a:endParaRPr b="0" lang="ru-RU" sz="2000" spc="-1" strike="noStrike">
-              <a:solidFill>
+              <a:buSzPct val="45000"/>
+              <a:buFont typeface="Wingdings" charset="2"/>
+              <a:buChar char=""/>
+            </a:pPr>
+            <a:r>
+              <a:rPr b="0" lang="de-DE" sz="2000" spc="-1" strike="noStrike">
+                <a:latin typeface="Arial"/>
+              </a:rPr>
+              <a:t>Fifth Outline Level</a:t>
+            </a:r>
+            <a:endParaRPr b="0" lang="de-DE" sz="2000" spc="-1" strike="noStrike">
+              <a:latin typeface="Arial"/>
+            </a:endParaRPr>
+          </a:p>
+          <a:p>
+            <a:pPr lvl="5" marL="2592000" indent="-216000">
+              <a:spcBef>
+                <a:spcPts val="283"/>
+              </a:spcBef>
+              <a:buClr>
                 <a:srgbClr val="000000"/>
-              </a:solidFill>
-              <a:latin typeface="Calibri"/>
-            </a:endParaRPr>
-          </a:p>
-        </p:txBody>
-      </p:sp>
-      <p:sp>
-        <p:nvSpPr>
-          <p:cNvPr id="43" name="PlaceHolder 3"/>
-          <p:cNvSpPr>
-            <a:spLocks noGrp="1"/>
-          </p:cNvSpPr>
-          <p:nvPr>
-            <p:ph type="dt"/>
-          </p:nvPr>
-        </p:nvSpPr>
-        <p:spPr>
-          <a:xfrm>
-            <a:off x="457200" y="6356520"/>
-            <a:ext cx="2133360" cy="364680"/>
-          </a:xfrm>
-          <a:prstGeom prst="rect">
-            <a:avLst/>
-          </a:prstGeom>
-        </p:spPr>
-        <p:txBody>
-          <a:bodyPr anchor="ctr">
-            <a:noAutofit/>
-          </a:bodyPr>
-          <a:p>
-            <a:pPr>
-              <a:lnSpc>
-                <a:spcPct val="100000"/>
-              </a:lnSpc>
-            </a:pPr>
-            <a:fld id="{E1F0F186-15AD-41B7-BC9F-65F2689B76DE}" type="datetime">
-              <a:rPr b="0" lang="de-DE" sz="1200" spc="-1" strike="noStrike">
-                <a:solidFill>
-                  <a:srgbClr val="8b8b8b"/>
-                </a:solidFill>
-                <a:latin typeface="Calibri"/>
-              </a:rPr>
-              <a:t>04.02.20</a:t>
-            </a:fld>
-            <a:endParaRPr b="0" lang="de-DE" sz="1200" spc="-1" strike="noStrike">
-              <a:latin typeface="Times New Roman"/>
-            </a:endParaRPr>
-          </a:p>
-        </p:txBody>
-      </p:sp>
-      <p:sp>
-        <p:nvSpPr>
-          <p:cNvPr id="44" name="PlaceHolder 4"/>
-          <p:cNvSpPr>
-            <a:spLocks noGrp="1"/>
-          </p:cNvSpPr>
-          <p:nvPr>
-            <p:ph type="ftr"/>
-          </p:nvPr>
-        </p:nvSpPr>
-        <p:spPr>
-          <a:xfrm>
-            <a:off x="3124080" y="6356520"/>
-            <a:ext cx="2895120" cy="364680"/>
-          </a:xfrm>
-          <a:prstGeom prst="rect">
-            <a:avLst/>
-          </a:prstGeom>
-        </p:spPr>
-        <p:txBody>
-          <a:bodyPr anchor="ctr">
-            <a:noAutofit/>
-          </a:bodyPr>
-          <a:p>
-            <a:endParaRPr b="0" lang="de-DE" sz="2400" spc="-1" strike="noStrike">
-              <a:latin typeface="Times New Roman"/>
-            </a:endParaRPr>
-          </a:p>
-        </p:txBody>
-      </p:sp>
-      <p:sp>
-        <p:nvSpPr>
-          <p:cNvPr id="45" name="PlaceHolder 5"/>
-          <p:cNvSpPr>
-            <a:spLocks noGrp="1"/>
-          </p:cNvSpPr>
-          <p:nvPr>
-            <p:ph type="sldNum"/>
-          </p:nvPr>
-        </p:nvSpPr>
-        <p:spPr>
-          <a:xfrm>
-            <a:off x="6553080" y="6356520"/>
-            <a:ext cx="2133360" cy="364680"/>
-          </a:xfrm>
-          <a:prstGeom prst="rect">
-            <a:avLst/>
-          </a:prstGeom>
-        </p:spPr>
-        <p:txBody>
-          <a:bodyPr anchor="ctr">
-            <a:noAutofit/>
-          </a:bodyPr>
-          <a:p>
-            <a:pPr algn="r">
-              <a:lnSpc>
-                <a:spcPct val="100000"/>
-              </a:lnSpc>
-            </a:pPr>
-            <a:fld id="{0E06792F-B4B3-45AB-9985-DF837331767B}" type="slidenum">
-              <a:rPr b="0" lang="de-DE" sz="1200" spc="-1" strike="noStrike">
-                <a:solidFill>
-                  <a:srgbClr val="8b8b8b"/>
-                </a:solidFill>
-                <a:latin typeface="Calibri"/>
-              </a:rPr>
-              <a:t>&lt;Foliennummer&gt;</a:t>
-            </a:fld>
-            <a:endParaRPr b="0" lang="de-DE" sz="1200" spc="-1" strike="noStrike">
-              <a:latin typeface="Times New Roman"/>
+              </a:buClr>
+              <a:buSzPct val="45000"/>
+              <a:buFont typeface="Wingdings" charset="2"/>
+              <a:buChar char=""/>
+            </a:pPr>
+            <a:r>
+              <a:rPr b="0" lang="de-DE" sz="2000" spc="-1" strike="noStrike">
+                <a:latin typeface="Arial"/>
+              </a:rPr>
+              <a:t>Sixth Outline Level</a:t>
+            </a:r>
+            <a:endParaRPr b="0" lang="de-DE" sz="2000" spc="-1" strike="noStrike">
+              <a:latin typeface="Arial"/>
+            </a:endParaRPr>
+          </a:p>
+          <a:p>
+            <a:pPr lvl="6" marL="3024000" indent="-216000">
+              <a:spcBef>
+                <a:spcPts val="283"/>
+              </a:spcBef>
+              <a:buClr>
+                <a:srgbClr val="000000"/>
+              </a:buClr>
+              <a:buSzPct val="45000"/>
+              <a:buFont typeface="Wingdings" charset="2"/>
+              <a:buChar char=""/>
+            </a:pPr>
+            <a:r>
+              <a:rPr b="0" lang="de-DE" sz="2000" spc="-1" strike="noStrike">
+                <a:latin typeface="Arial"/>
+              </a:rPr>
+              <a:t>Seventh Outline Level</a:t>
+            </a:r>
+            <a:endParaRPr b="0" lang="de-DE" sz="2000" spc="-1" strike="noStrike">
+              <a:latin typeface="Arial"/>
             </a:endParaRPr>
           </a:p>
         </p:txBody>
@@ -3730,6 +4533,263 @@
     <p:sldLayoutId id="2147483671" r:id="rId11"/>
     <p:sldLayoutId id="2147483672" r:id="rId12"/>
     <p:sldLayoutId id="2147483673" r:id="rId13"/>
+  </p:sldLayoutIdLst>
+</p:sldMaster>
+</file>
+
+<file path=ppt/slideMasters/slideMaster3.xml><?xml version="1.0" encoding="utf-8"?>
+<p:sldMaster xmlns:a="http://schemas.openxmlformats.org/drawingml/2006/main" xmlns:p="http://schemas.openxmlformats.org/presentationml/2006/main" xmlns:r="http://schemas.openxmlformats.org/officeDocument/2006/relationships" xmlns:p14="http://schemas.microsoft.com/office/powerpoint/2010/main" xmlns:p15="http://schemas.microsoft.com/office/powerpoint/2012/main" xmlns:mc="http://schemas.openxmlformats.org/markup-compatibility/2006">
+  <p:cSld>
+    <p:bg>
+      <p:bgPr>
+        <a:solidFill>
+          <a:srgbClr val="ffffff"/>
+        </a:solidFill>
+      </p:bgPr>
+    </p:bg>
+    <p:spTree>
+      <p:nvGrpSpPr>
+        <p:cNvPr id="1" name=""/>
+        <p:cNvGrpSpPr/>
+        <p:nvPr/>
+      </p:nvGrpSpPr>
+      <p:grpSpPr>
+        <a:xfrm>
+          <a:off x="0" y="0"/>
+          <a:ext cx="0" cy="0"/>
+          <a:chOff x="0" y="0"/>
+          <a:chExt cx="0" cy="0"/>
+        </a:xfrm>
+      </p:grpSpPr>
+      <p:sp>
+        <p:nvSpPr>
+          <p:cNvPr id="76" name="PlaceHolder 1"/>
+          <p:cNvSpPr>
+            <a:spLocks noGrp="1"/>
+          </p:cNvSpPr>
+          <p:nvPr>
+            <p:ph type="title"/>
+          </p:nvPr>
+        </p:nvSpPr>
+        <p:spPr>
+          <a:xfrm>
+            <a:off x="457200" y="273600"/>
+            <a:ext cx="8228880" cy="1144440"/>
+          </a:xfrm>
+          <a:prstGeom prst="rect">
+            <a:avLst/>
+          </a:prstGeom>
+        </p:spPr>
+        <p:txBody>
+          <a:bodyPr lIns="0" rIns="0" tIns="0" bIns="0" anchor="ctr"/>
+          <a:p>
+            <a:r>
+              <a:rPr b="0" lang="de-DE" sz="1800" spc="-1" strike="noStrike">
+                <a:latin typeface="Arial"/>
+              </a:rPr>
+              <a:t>Click to edit the title text format</a:t>
+            </a:r>
+            <a:endParaRPr b="0" lang="de-DE" sz="1800" spc="-1" strike="noStrike">
+              <a:latin typeface="Arial"/>
+            </a:endParaRPr>
+          </a:p>
+        </p:txBody>
+      </p:sp>
+      <p:sp>
+        <p:nvSpPr>
+          <p:cNvPr id="77" name="PlaceHolder 2"/>
+          <p:cNvSpPr>
+            <a:spLocks noGrp="1"/>
+          </p:cNvSpPr>
+          <p:nvPr>
+            <p:ph type="body"/>
+          </p:nvPr>
+        </p:nvSpPr>
+        <p:spPr>
+          <a:xfrm>
+            <a:off x="457200" y="1604520"/>
+            <a:ext cx="8229240" cy="3977280"/>
+          </a:xfrm>
+          <a:prstGeom prst="rect">
+            <a:avLst/>
+          </a:prstGeom>
+        </p:spPr>
+        <p:txBody>
+          <a:bodyPr lIns="0" rIns="0" tIns="0" bIns="0">
+            <a:normAutofit/>
+          </a:bodyPr>
+          <a:p>
+            <a:pPr marL="432000" indent="-324000">
+              <a:spcBef>
+                <a:spcPts val="1417"/>
+              </a:spcBef>
+              <a:buClr>
+                <a:srgbClr val="000000"/>
+              </a:buClr>
+              <a:buSzPct val="45000"/>
+              <a:buFont typeface="Wingdings" charset="2"/>
+              <a:buChar char=""/>
+            </a:pPr>
+            <a:r>
+              <a:rPr b="0" lang="de-DE" sz="3200" spc="-1" strike="noStrike">
+                <a:latin typeface="Arial"/>
+              </a:rPr>
+              <a:t>Click to edit the outline text format</a:t>
+            </a:r>
+            <a:endParaRPr b="0" lang="de-DE" sz="3200" spc="-1" strike="noStrike">
+              <a:latin typeface="Arial"/>
+            </a:endParaRPr>
+          </a:p>
+          <a:p>
+            <a:pPr lvl="1" marL="864000" indent="-324000">
+              <a:spcBef>
+                <a:spcPts val="1134"/>
+              </a:spcBef>
+              <a:buClr>
+                <a:srgbClr val="000000"/>
+              </a:buClr>
+              <a:buSzPct val="75000"/>
+              <a:buFont typeface="Symbol" charset="2"/>
+              <a:buChar char=""/>
+            </a:pPr>
+            <a:r>
+              <a:rPr b="0" lang="de-DE" sz="2800" spc="-1" strike="noStrike">
+                <a:latin typeface="Arial"/>
+              </a:rPr>
+              <a:t>Second Outline Level</a:t>
+            </a:r>
+            <a:endParaRPr b="0" lang="de-DE" sz="2800" spc="-1" strike="noStrike">
+              <a:latin typeface="Arial"/>
+            </a:endParaRPr>
+          </a:p>
+          <a:p>
+            <a:pPr lvl="2" marL="1296000" indent="-288000">
+              <a:spcBef>
+                <a:spcPts val="850"/>
+              </a:spcBef>
+              <a:buClr>
+                <a:srgbClr val="000000"/>
+              </a:buClr>
+              <a:buSzPct val="45000"/>
+              <a:buFont typeface="Wingdings" charset="2"/>
+              <a:buChar char=""/>
+            </a:pPr>
+            <a:r>
+              <a:rPr b="0" lang="de-DE" sz="2400" spc="-1" strike="noStrike">
+                <a:latin typeface="Arial"/>
+              </a:rPr>
+              <a:t>Third Outline Level</a:t>
+            </a:r>
+            <a:endParaRPr b="0" lang="de-DE" sz="2400" spc="-1" strike="noStrike">
+              <a:latin typeface="Arial"/>
+            </a:endParaRPr>
+          </a:p>
+          <a:p>
+            <a:pPr lvl="3" marL="1728000" indent="-216000">
+              <a:spcBef>
+                <a:spcPts val="567"/>
+              </a:spcBef>
+              <a:buClr>
+                <a:srgbClr val="000000"/>
+              </a:buClr>
+              <a:buSzPct val="75000"/>
+              <a:buFont typeface="Symbol" charset="2"/>
+              <a:buChar char=""/>
+            </a:pPr>
+            <a:r>
+              <a:rPr b="0" lang="de-DE" sz="2000" spc="-1" strike="noStrike">
+                <a:latin typeface="Arial"/>
+              </a:rPr>
+              <a:t>Fourth Outline Level</a:t>
+            </a:r>
+            <a:endParaRPr b="0" lang="de-DE" sz="2000" spc="-1" strike="noStrike">
+              <a:latin typeface="Arial"/>
+            </a:endParaRPr>
+          </a:p>
+          <a:p>
+            <a:pPr lvl="4" marL="2160000" indent="-216000">
+              <a:spcBef>
+                <a:spcPts val="283"/>
+              </a:spcBef>
+              <a:buClr>
+                <a:srgbClr val="000000"/>
+              </a:buClr>
+              <a:buSzPct val="45000"/>
+              <a:buFont typeface="Wingdings" charset="2"/>
+              <a:buChar char=""/>
+            </a:pPr>
+            <a:r>
+              <a:rPr b="0" lang="de-DE" sz="2000" spc="-1" strike="noStrike">
+                <a:latin typeface="Arial"/>
+              </a:rPr>
+              <a:t>Fifth Outline Level</a:t>
+            </a:r>
+            <a:endParaRPr b="0" lang="de-DE" sz="2000" spc="-1" strike="noStrike">
+              <a:latin typeface="Arial"/>
+            </a:endParaRPr>
+          </a:p>
+          <a:p>
+            <a:pPr lvl="5" marL="2592000" indent="-216000">
+              <a:spcBef>
+                <a:spcPts val="283"/>
+              </a:spcBef>
+              <a:buClr>
+                <a:srgbClr val="000000"/>
+              </a:buClr>
+              <a:buSzPct val="45000"/>
+              <a:buFont typeface="Wingdings" charset="2"/>
+              <a:buChar char=""/>
+            </a:pPr>
+            <a:r>
+              <a:rPr b="0" lang="de-DE" sz="2000" spc="-1" strike="noStrike">
+                <a:latin typeface="Arial"/>
+              </a:rPr>
+              <a:t>Sixth Outline Level</a:t>
+            </a:r>
+            <a:endParaRPr b="0" lang="de-DE" sz="2000" spc="-1" strike="noStrike">
+              <a:latin typeface="Arial"/>
+            </a:endParaRPr>
+          </a:p>
+          <a:p>
+            <a:pPr lvl="6" marL="3024000" indent="-216000">
+              <a:spcBef>
+                <a:spcPts val="283"/>
+              </a:spcBef>
+              <a:buClr>
+                <a:srgbClr val="000000"/>
+              </a:buClr>
+              <a:buSzPct val="45000"/>
+              <a:buFont typeface="Wingdings" charset="2"/>
+              <a:buChar char=""/>
+            </a:pPr>
+            <a:r>
+              <a:rPr b="0" lang="de-DE" sz="2000" spc="-1" strike="noStrike">
+                <a:latin typeface="Arial"/>
+              </a:rPr>
+              <a:t>Seventh Outline Level</a:t>
+            </a:r>
+            <a:endParaRPr b="0" lang="de-DE" sz="2000" spc="-1" strike="noStrike">
+              <a:latin typeface="Arial"/>
+            </a:endParaRPr>
+          </a:p>
+        </p:txBody>
+      </p:sp>
+    </p:spTree>
+  </p:cSld>
+  <p:clrMap bg1="lt1" bg2="lt2" tx1="dk1" tx2="dk2" accent1="accent1" accent2="accent2" accent3="accent3" accent4="accent4" accent5="accent5" accent6="accent6" hlink="hlink" folHlink="folHlink"/>
+  <p:sldLayoutIdLst>
+    <p:sldLayoutId id="2147483675" r:id="rId2"/>
+    <p:sldLayoutId id="2147483676" r:id="rId3"/>
+    <p:sldLayoutId id="2147483677" r:id="rId4"/>
+    <p:sldLayoutId id="2147483678" r:id="rId5"/>
+    <p:sldLayoutId id="2147483679" r:id="rId6"/>
+    <p:sldLayoutId id="2147483680" r:id="rId7"/>
+    <p:sldLayoutId id="2147483681" r:id="rId8"/>
+    <p:sldLayoutId id="2147483682" r:id="rId9"/>
+    <p:sldLayoutId id="2147483683" r:id="rId10"/>
+    <p:sldLayoutId id="2147483684" r:id="rId11"/>
+    <p:sldLayoutId id="2147483685" r:id="rId12"/>
+    <p:sldLayoutId id="2147483686" r:id="rId13"/>
   </p:sldLayoutIdLst>
 </p:sldMaster>
 </file>
@@ -3753,14 +4813,14 @@
       </p:grpSpPr>
       <p:sp>
         <p:nvSpPr>
-          <p:cNvPr id="82" name="TextShape 1"/>
-          <p:cNvSpPr txBox="1"/>
+          <p:cNvPr id="114" name="CustomShape 1"/>
+          <p:cNvSpPr/>
           <p:nvPr/>
         </p:nvSpPr>
         <p:spPr>
           <a:xfrm>
             <a:off x="755640" y="548640"/>
-            <a:ext cx="7772040" cy="1829880"/>
+            <a:ext cx="7771320" cy="1829160"/>
           </a:xfrm>
           <a:prstGeom prst="rect">
             <a:avLst/>
@@ -3770,8 +4830,14 @@
             <a:noFill/>
           </a:ln>
         </p:spPr>
-        <p:txBody>
-          <a:bodyPr anchor="ctr">
+        <p:style>
+          <a:lnRef idx="0"/>
+          <a:fillRef idx="0"/>
+          <a:effectRef idx="0"/>
+          <a:fontRef idx="minor"/>
+        </p:style>
+        <p:txBody>
+          <a:bodyPr lIns="90000" rIns="90000" tIns="45000" bIns="45000" anchor="ctr">
             <a:normAutofit/>
           </a:bodyPr>
           <a:p>
@@ -3781,33 +4847,31 @@
               </a:lnSpc>
             </a:pPr>
             <a:r>
-              <a:rPr b="1" lang="ru-RU" sz="8000" spc="-1" strike="noStrike">
+              <a:rPr b="1" lang="de-DE" sz="8000" spc="-1" strike="noStrike">
                 <a:solidFill>
                   <a:srgbClr val="000000"/>
                 </a:solidFill>
                 <a:latin typeface="Calibri"/>
+                <a:ea typeface="DejaVu Sans"/>
               </a:rPr>
               <a:t>Regression Test</a:t>
             </a:r>
-            <a:endParaRPr b="0" lang="ru-RU" sz="8000" spc="-1" strike="noStrike">
-              <a:solidFill>
-                <a:srgbClr val="000000"/>
-              </a:solidFill>
-              <a:latin typeface="Calibri"/>
-            </a:endParaRPr>
-          </a:p>
-        </p:txBody>
-      </p:sp>
-      <p:sp>
-        <p:nvSpPr>
-          <p:cNvPr id="83" name="TextShape 2"/>
-          <p:cNvSpPr txBox="1"/>
+            <a:endParaRPr b="0" lang="de-DE" sz="8000" spc="-1" strike="noStrike">
+              <a:latin typeface="Arial"/>
+            </a:endParaRPr>
+          </a:p>
+        </p:txBody>
+      </p:sp>
+      <p:sp>
+        <p:nvSpPr>
+          <p:cNvPr id="115" name="CustomShape 2"/>
+          <p:cNvSpPr/>
           <p:nvPr/>
         </p:nvSpPr>
         <p:spPr>
           <a:xfrm>
             <a:off x="323640" y="2421000"/>
-            <a:ext cx="5694120" cy="1800000"/>
+            <a:ext cx="5693400" cy="1799280"/>
           </a:xfrm>
           <a:prstGeom prst="rect">
             <a:avLst/>
@@ -3817,10 +4881,14 @@
             <a:noFill/>
           </a:ln>
         </p:spPr>
-        <p:txBody>
-          <a:bodyPr>
-            <a:noAutofit/>
-          </a:bodyPr>
+        <p:style>
+          <a:lnRef idx="0"/>
+          <a:fillRef idx="0"/>
+          <a:effectRef idx="0"/>
+          <a:fontRef idx="minor"/>
+        </p:style>
+        <p:txBody>
+          <a:bodyPr lIns="90000" rIns="90000" tIns="45000" bIns="45000"/>
           <a:p>
             <a:pPr algn="ctr">
               <a:lnSpc>
@@ -3831,29 +4899,32 @@
               </a:spcBef>
             </a:pPr>
             <a:r>
-              <a:rPr b="1" lang="de-DE" sz="3600" spc="599" strike="noStrike">
+              <a:rPr b="1" lang="de-DE" sz="3600" spc="593" strike="noStrike">
                 <a:solidFill>
                   <a:srgbClr val="808080"/>
                 </a:solidFill>
                 <a:latin typeface="Calibri"/>
+                <a:ea typeface="DejaVu Sans"/>
               </a:rPr>
               <a:t>Regressiontestsuite</a:t>
             </a:r>
             <a:r>
-              <a:rPr b="1" lang="de-DE" sz="3200" spc="599" strike="noStrike">
+              <a:rPr b="1" lang="de-DE" sz="3200" spc="593" strike="noStrike">
                 <a:solidFill>
                   <a:srgbClr val="808080"/>
                 </a:solidFill>
                 <a:latin typeface="Calibri"/>
+                <a:ea typeface="DejaVu Sans"/>
               </a:rPr>
               <a:t> </a:t>
             </a:r>
             <a:r>
-              <a:rPr b="1" lang="de-DE" sz="3200" spc="299" strike="noStrike">
+              <a:rPr b="1" lang="de-DE" sz="3200" spc="293" strike="noStrike">
                 <a:solidFill>
                   <a:srgbClr val="404040"/>
                 </a:solidFill>
                 <a:latin typeface="Calibri"/>
+                <a:ea typeface="DejaVu Sans"/>
               </a:rPr>
               <a:t>zu java2wsdl (axis_1._4.Lib)</a:t>
             </a:r>
@@ -3865,7 +4936,7 @@
       </p:sp>
       <p:pic>
         <p:nvPicPr>
-          <p:cNvPr id="84" name="Рисунок 3" descr=""/>
+          <p:cNvPr id="116" name="Рисунок 3" descr=""/>
           <p:cNvPicPr/>
           <p:nvPr/>
         </p:nvPicPr>
@@ -3877,7 +4948,7 @@
         <p:spPr>
           <a:xfrm>
             <a:off x="6125040" y="2450520"/>
-            <a:ext cx="2701080" cy="3930480"/>
+            <a:ext cx="2700360" cy="3929760"/>
           </a:xfrm>
           <a:prstGeom prst="rect">
             <a:avLst/>
@@ -3889,14 +4960,14 @@
       </p:pic>
       <p:sp>
         <p:nvSpPr>
-          <p:cNvPr id="85" name="CustomShape 3"/>
+          <p:cNvPr id="117" name="CustomShape 3"/>
           <p:cNvSpPr/>
           <p:nvPr/>
         </p:nvSpPr>
         <p:spPr>
           <a:xfrm>
             <a:off x="475920" y="4221000"/>
-            <a:ext cx="5319720" cy="2304000"/>
+            <a:ext cx="5319000" cy="2303280"/>
           </a:xfrm>
           <a:prstGeom prst="rect">
             <a:avLst/>
@@ -3913,7 +4984,7 @@
           <a:fontRef idx="minor"/>
         </p:style>
         <p:txBody>
-          <a:bodyPr>
+          <a:bodyPr lIns="90000" rIns="90000" tIns="45000" bIns="45000">
             <a:normAutofit/>
           </a:bodyPr>
           <a:p>
@@ -3931,15 +5002,17 @@
                   <a:srgbClr val="000000"/>
                 </a:solidFill>
                 <a:latin typeface="Calibri"/>
+                <a:ea typeface="DejaVu Sans"/>
               </a:rPr>
               <a:t>Authoren</a:t>
             </a:r>
             <a:r>
-              <a:rPr b="1" lang="de-DE" sz="2400" spc="299" strike="noStrike">
+              <a:rPr b="1" lang="de-DE" sz="2400" spc="293" strike="noStrike">
                 <a:solidFill>
                   <a:srgbClr val="000000"/>
                 </a:solidFill>
                 <a:latin typeface="Calibri"/>
+                <a:ea typeface="DejaVu Sans"/>
               </a:rPr>
               <a:t>:</a:t>
             </a:r>
@@ -3964,14 +5037,33 @@
       </p:sp>
     </p:spTree>
   </p:cSld>
-  <mc:AlternateContent>
-    <mc:Choice Requires="p14">
-      <p:transition spd="slow" p14:dur="2000"/>
-    </mc:Choice>
-    <mc:Fallback>
-      <p:transition spd="slow"/>
-    </mc:Fallback>
-  </mc:AlternateContent>
+  <p:timing>
+    <p:tnLst>
+      <p:par>
+        <p:cTn id="1" dur="indefinite" restart="never" nodeType="tmRoot">
+          <p:childTnLst>
+            <p:seq>
+              <p:cTn id="2" dur="indefinite" nodeType="mainSeq"/>
+              <p:prevCondLst>
+                <p:cond delay="0" evt="onPrev">
+                  <p:tgtEl>
+                    <p:sldTgt/>
+                  </p:tgtEl>
+                </p:cond>
+              </p:prevCondLst>
+              <p:nextCondLst>
+                <p:cond delay="0" evt="onNext">
+                  <p:tgtEl>
+                    <p:sldTgt/>
+                  </p:tgtEl>
+                </p:cond>
+              </p:nextCondLst>
+            </p:seq>
+          </p:childTnLst>
+        </p:cTn>
+      </p:par>
+    </p:tnLst>
+  </p:timing>
 </p:sld>
 </file>
 
@@ -3994,14 +5086,14 @@
       </p:grpSpPr>
       <p:sp>
         <p:nvSpPr>
-          <p:cNvPr id="103" name="TextShape 1"/>
-          <p:cNvSpPr txBox="1"/>
+          <p:cNvPr id="135" name="CustomShape 1"/>
+          <p:cNvSpPr/>
           <p:nvPr/>
         </p:nvSpPr>
         <p:spPr>
           <a:xfrm>
             <a:off x="457200" y="274680"/>
-            <a:ext cx="8229240" cy="1142640"/>
+            <a:ext cx="8228520" cy="1141920"/>
           </a:xfrm>
           <a:prstGeom prst="rect">
             <a:avLst/>
@@ -4011,8 +5103,14 @@
             <a:noFill/>
           </a:ln>
         </p:spPr>
-        <p:txBody>
-          <a:bodyPr anchor="ctr">
+        <p:style>
+          <a:lnRef idx="0"/>
+          <a:fillRef idx="0"/>
+          <a:effectRef idx="0"/>
+          <a:fontRef idx="minor"/>
+        </p:style>
+        <p:txBody>
+          <a:bodyPr lIns="90000" rIns="90000" tIns="45000" bIns="45000" anchor="ctr">
             <a:normAutofit/>
           </a:bodyPr>
           <a:p>
@@ -4022,33 +5120,31 @@
               </a:lnSpc>
             </a:pPr>
             <a:r>
-              <a:rPr b="0" lang="ru-RU" sz="5400" spc="-1" strike="noStrike">
+              <a:rPr b="0" lang="de-DE" sz="5400" spc="-1" strike="noStrike">
                 <a:solidFill>
                   <a:srgbClr val="ff0000"/>
                 </a:solidFill>
                 <a:latin typeface="Calibri"/>
+                <a:ea typeface="DejaVu Sans"/>
               </a:rPr>
               <a:t>&lt;!-- Fehler --&gt;</a:t>
             </a:r>
-            <a:endParaRPr b="0" lang="ru-RU" sz="5400" spc="-1" strike="noStrike">
-              <a:solidFill>
-                <a:srgbClr val="000000"/>
-              </a:solidFill>
-              <a:latin typeface="Calibri"/>
-            </a:endParaRPr>
-          </a:p>
-        </p:txBody>
-      </p:sp>
-      <p:sp>
-        <p:nvSpPr>
-          <p:cNvPr id="104" name="TextShape 2"/>
-          <p:cNvSpPr txBox="1"/>
+            <a:endParaRPr b="0" lang="de-DE" sz="5400" spc="-1" strike="noStrike">
+              <a:latin typeface="Arial"/>
+            </a:endParaRPr>
+          </a:p>
+        </p:txBody>
+      </p:sp>
+      <p:sp>
+        <p:nvSpPr>
+          <p:cNvPr id="136" name="CustomShape 2"/>
+          <p:cNvSpPr/>
           <p:nvPr/>
         </p:nvSpPr>
         <p:spPr>
           <a:xfrm>
             <a:off x="457200" y="1600200"/>
-            <a:ext cx="8229240" cy="4525560"/>
+            <a:ext cx="8228520" cy="4524840"/>
           </a:xfrm>
           <a:prstGeom prst="rect">
             <a:avLst/>
@@ -4058,12 +5154,18 @@
             <a:noFill/>
           </a:ln>
         </p:spPr>
-        <p:txBody>
-          <a:bodyPr>
-            <a:normAutofit/>
-          </a:bodyPr>
-          <a:p>
-            <a:pPr marL="343080" indent="-342720">
+        <p:style>
+          <a:lnRef idx="0"/>
+          <a:fillRef idx="0"/>
+          <a:effectRef idx="0"/>
+          <a:fontRef idx="minor"/>
+        </p:style>
+        <p:txBody>
+          <a:bodyPr lIns="90000" rIns="90000" tIns="45000" bIns="45000">
+            <a:normAutofit/>
+          </a:bodyPr>
+          <a:p>
+            <a:pPr marL="343080" indent="-342000">
               <a:lnSpc>
                 <a:spcPct val="100000"/>
               </a:lnSpc>
@@ -4077,28 +5179,27 @@
               <a:buChar char=""/>
             </a:pPr>
             <a:r>
-              <a:rPr b="0" lang="ru-RU" sz="3900" spc="-1" strike="noStrike">
+              <a:rPr b="0" lang="de-DE" sz="3900" spc="-1" strike="noStrike">
                 <a:solidFill>
                   <a:srgbClr val="0d0d0d"/>
                 </a:solidFill>
                 <a:latin typeface="Calibri"/>
+                <a:ea typeface="DejaVu Sans"/>
               </a:rPr>
               <a:t> </a:t>
             </a:r>
             <a:r>
-              <a:rPr b="0" lang="ru-RU" sz="3900" spc="-1" strike="noStrike">
+              <a:rPr b="0" lang="de-DE" sz="3900" spc="-1" strike="noStrike">
                 <a:solidFill>
                   <a:srgbClr val="0d0d0d"/>
                 </a:solidFill>
                 <a:latin typeface="Calibri"/>
+                <a:ea typeface="DejaVu Sans"/>
               </a:rPr>
               <a:t>Veränderter Inhalt von Tags in wsdl Datei:</a:t>
             </a:r>
-            <a:endParaRPr b="0" lang="ru-RU" sz="3900" spc="-1" strike="noStrike">
-              <a:solidFill>
-                <a:srgbClr val="000000"/>
-              </a:solidFill>
-              <a:latin typeface="Calibri"/>
+            <a:endParaRPr b="0" lang="de-DE" sz="3900" spc="-1" strike="noStrike">
+              <a:latin typeface="Arial"/>
             </a:endParaRPr>
           </a:p>
           <a:p>
@@ -4111,28 +5212,27 @@
               </a:spcBef>
             </a:pPr>
             <a:r>
-              <a:rPr b="0" lang="ru-RU" sz="3600" spc="-1" strike="noStrike">
+              <a:rPr b="0" lang="de-DE" sz="3600" spc="-1" strike="noStrike">
                 <a:solidFill>
                   <a:srgbClr val="808080"/>
                 </a:solidFill>
                 <a:latin typeface="Calibri"/>
+                <a:ea typeface="DejaVu Sans"/>
               </a:rPr>
               <a:t>-&gt; in `wsdlsoap:binding`:    </a:t>
             </a:r>
             <a:r>
-              <a:rPr b="1" lang="ru-RU" sz="2600" spc="-1" strike="noStrike">
+              <a:rPr b="1" lang="de-DE" sz="2600" spc="-1" strike="noStrike">
                 <a:solidFill>
                   <a:srgbClr val="254061"/>
                 </a:solidFill>
                 <a:latin typeface="Calibri"/>
+                <a:ea typeface="DejaVu Sans"/>
               </a:rPr>
               <a:t>`transport="http://schemas.xmlsoap.org/soap/http11"` </a:t>
             </a:r>
-            <a:endParaRPr b="0" lang="ru-RU" sz="2600" spc="-1" strike="noStrike">
-              <a:solidFill>
-                <a:srgbClr val="000000"/>
-              </a:solidFill>
-              <a:latin typeface="Calibri"/>
+            <a:endParaRPr b="0" lang="de-DE" sz="2600" spc="-1" strike="noStrike">
+              <a:latin typeface="Arial"/>
             </a:endParaRPr>
           </a:p>
           <a:p>
@@ -4145,19 +5245,17 @@
               </a:spcBef>
             </a:pPr>
             <a:r>
-              <a:rPr b="0" lang="ru-RU" sz="3200" spc="-1" strike="noStrike">
+              <a:rPr b="0" lang="de-DE" sz="3200" spc="-1" strike="noStrike">
                 <a:solidFill>
                   <a:srgbClr val="808080"/>
                 </a:solidFill>
                 <a:latin typeface="Calibri"/>
+                <a:ea typeface="DejaVu Sans"/>
               </a:rPr>
               <a:t>statt </a:t>
             </a:r>
-            <a:endParaRPr b="0" lang="ru-RU" sz="3200" spc="-1" strike="noStrike">
-              <a:solidFill>
-                <a:srgbClr val="000000"/>
-              </a:solidFill>
-              <a:latin typeface="Calibri"/>
+            <a:endParaRPr b="0" lang="de-DE" sz="3200" spc="-1" strike="noStrike">
+              <a:latin typeface="Arial"/>
             </a:endParaRPr>
           </a:p>
           <a:p>
@@ -4170,33 +5268,50 @@
               </a:spcBef>
             </a:pPr>
             <a:r>
-              <a:rPr b="1" lang="ru-RU" sz="2600" spc="-1" strike="noStrike">
+              <a:rPr b="1" lang="de-DE" sz="2600" spc="-1" strike="noStrike">
                 <a:solidFill>
                   <a:srgbClr val="254061"/>
                 </a:solidFill>
                 <a:latin typeface="Calibri"/>
+                <a:ea typeface="DejaVu Sans"/>
               </a:rPr>
               <a:t>`transport="http://schemas.xmlsoap.org/soap/http"`</a:t>
             </a:r>
-            <a:endParaRPr b="0" lang="ru-RU" sz="2600" spc="-1" strike="noStrike">
-              <a:solidFill>
-                <a:srgbClr val="000000"/>
-              </a:solidFill>
-              <a:latin typeface="Calibri"/>
+            <a:endParaRPr b="0" lang="de-DE" sz="2600" spc="-1" strike="noStrike">
+              <a:latin typeface="Arial"/>
             </a:endParaRPr>
           </a:p>
         </p:txBody>
       </p:sp>
     </p:spTree>
   </p:cSld>
-  <mc:AlternateContent>
-    <mc:Choice Requires="p14">
-      <p:transition spd="slow" p14:dur="2000"/>
-    </mc:Choice>
-    <mc:Fallback>
-      <p:transition spd="slow"/>
-    </mc:Fallback>
-  </mc:AlternateContent>
+  <p:timing>
+    <p:tnLst>
+      <p:par>
+        <p:cTn id="19" dur="indefinite" restart="never" nodeType="tmRoot">
+          <p:childTnLst>
+            <p:seq>
+              <p:cTn id="20" dur="indefinite" nodeType="mainSeq"/>
+              <p:prevCondLst>
+                <p:cond delay="0" evt="onPrev">
+                  <p:tgtEl>
+                    <p:sldTgt/>
+                  </p:tgtEl>
+                </p:cond>
+              </p:prevCondLst>
+              <p:nextCondLst>
+                <p:cond delay="0" evt="onNext">
+                  <p:tgtEl>
+                    <p:sldTgt/>
+                  </p:tgtEl>
+                </p:cond>
+              </p:nextCondLst>
+            </p:seq>
+          </p:childTnLst>
+        </p:cTn>
+      </p:par>
+    </p:tnLst>
+  </p:timing>
 </p:sld>
 </file>
 
@@ -4219,14 +5334,14 @@
       </p:grpSpPr>
       <p:sp>
         <p:nvSpPr>
-          <p:cNvPr id="105" name="TextShape 1"/>
-          <p:cNvSpPr txBox="1"/>
+          <p:cNvPr id="137" name="CustomShape 1"/>
+          <p:cNvSpPr/>
           <p:nvPr/>
         </p:nvSpPr>
         <p:spPr>
           <a:xfrm>
             <a:off x="457200" y="274680"/>
-            <a:ext cx="8229240" cy="1142640"/>
+            <a:ext cx="8228520" cy="1141920"/>
           </a:xfrm>
           <a:prstGeom prst="rect">
             <a:avLst/>
@@ -4236,8 +5351,14 @@
             <a:noFill/>
           </a:ln>
         </p:spPr>
-        <p:txBody>
-          <a:bodyPr anchor="ctr">
+        <p:style>
+          <a:lnRef idx="0"/>
+          <a:fillRef idx="0"/>
+          <a:effectRef idx="0"/>
+          <a:fontRef idx="minor"/>
+        </p:style>
+        <p:txBody>
+          <a:bodyPr lIns="90000" rIns="90000" tIns="45000" bIns="45000" anchor="ctr">
             <a:normAutofit/>
           </a:bodyPr>
           <a:p>
@@ -4247,33 +5368,31 @@
               </a:lnSpc>
             </a:pPr>
             <a:r>
-              <a:rPr b="0" lang="ru-RU" sz="5400" spc="-1" strike="noStrike">
+              <a:rPr b="0" lang="de-DE" sz="5400" spc="-1" strike="noStrike">
                 <a:solidFill>
                   <a:srgbClr val="ff0000"/>
                 </a:solidFill>
                 <a:latin typeface="Calibri"/>
+                <a:ea typeface="DejaVu Sans"/>
               </a:rPr>
               <a:t>&lt;!-- Fehler --&gt;</a:t>
             </a:r>
-            <a:endParaRPr b="0" lang="ru-RU" sz="5400" spc="-1" strike="noStrike">
-              <a:solidFill>
-                <a:srgbClr val="000000"/>
-              </a:solidFill>
-              <a:latin typeface="Calibri"/>
-            </a:endParaRPr>
-          </a:p>
-        </p:txBody>
-      </p:sp>
-      <p:sp>
-        <p:nvSpPr>
-          <p:cNvPr id="106" name="TextShape 2"/>
-          <p:cNvSpPr txBox="1"/>
+            <a:endParaRPr b="0" lang="de-DE" sz="5400" spc="-1" strike="noStrike">
+              <a:latin typeface="Arial"/>
+            </a:endParaRPr>
+          </a:p>
+        </p:txBody>
+      </p:sp>
+      <p:sp>
+        <p:nvSpPr>
+          <p:cNvPr id="138" name="CustomShape 2"/>
+          <p:cNvSpPr/>
           <p:nvPr/>
         </p:nvSpPr>
         <p:spPr>
           <a:xfrm>
             <a:off x="457200" y="1600200"/>
-            <a:ext cx="8229240" cy="4525560"/>
+            <a:ext cx="8228520" cy="4524840"/>
           </a:xfrm>
           <a:prstGeom prst="rect">
             <a:avLst/>
@@ -4283,12 +5402,18 @@
             <a:noFill/>
           </a:ln>
         </p:spPr>
-        <p:txBody>
-          <a:bodyPr>
-            <a:normAutofit/>
-          </a:bodyPr>
-          <a:p>
-            <a:pPr marL="343080" indent="-342720">
+        <p:style>
+          <a:lnRef idx="0"/>
+          <a:fillRef idx="0"/>
+          <a:effectRef idx="0"/>
+          <a:fontRef idx="minor"/>
+        </p:style>
+        <p:txBody>
+          <a:bodyPr lIns="90000" rIns="90000" tIns="45000" bIns="45000">
+            <a:normAutofit/>
+          </a:bodyPr>
+          <a:p>
+            <a:pPr marL="343080" indent="-342000">
               <a:lnSpc>
                 <a:spcPct val="100000"/>
               </a:lnSpc>
@@ -4302,28 +5427,27 @@
               <a:buChar char=""/>
             </a:pPr>
             <a:r>
-              <a:rPr b="0" lang="ru-RU" sz="3900" spc="-1" strike="noStrike">
+              <a:rPr b="0" lang="de-DE" sz="3900" spc="-1" strike="noStrike">
                 <a:solidFill>
                   <a:srgbClr val="0d0d0d"/>
                 </a:solidFill>
                 <a:latin typeface="Calibri"/>
+                <a:ea typeface="DejaVu Sans"/>
               </a:rPr>
               <a:t> </a:t>
             </a:r>
             <a:r>
-              <a:rPr b="0" lang="ru-RU" sz="3900" spc="-1" strike="noStrike">
+              <a:rPr b="0" lang="de-DE" sz="3900" spc="-1" strike="noStrike">
                 <a:solidFill>
                   <a:srgbClr val="0d0d0d"/>
                 </a:solidFill>
                 <a:latin typeface="Calibri"/>
+                <a:ea typeface="DejaVu Sans"/>
               </a:rPr>
               <a:t>Veränderter Inhalt von Tags in wsdl Datei:</a:t>
             </a:r>
-            <a:endParaRPr b="0" lang="ru-RU" sz="3900" spc="-1" strike="noStrike">
-              <a:solidFill>
-                <a:srgbClr val="000000"/>
-              </a:solidFill>
-              <a:latin typeface="Calibri"/>
+            <a:endParaRPr b="0" lang="de-DE" sz="3900" spc="-1" strike="noStrike">
+              <a:latin typeface="Arial"/>
             </a:endParaRPr>
           </a:p>
           <a:p>
@@ -4336,19 +5460,17 @@
               </a:spcBef>
             </a:pPr>
             <a:r>
-              <a:rPr b="0" lang="ru-RU" sz="3600" spc="-1" strike="noStrike">
+              <a:rPr b="0" lang="de-DE" sz="3600" spc="-1" strike="noStrike">
                 <a:solidFill>
                   <a:srgbClr val="808080"/>
                 </a:solidFill>
                 <a:latin typeface="Calibri"/>
+                <a:ea typeface="DejaVu Sans"/>
               </a:rPr>
               <a:t>-&gt; In `wsdl:service`:</a:t>
             </a:r>
-            <a:endParaRPr b="0" lang="ru-RU" sz="3600" spc="-1" strike="noStrike">
-              <a:solidFill>
-                <a:srgbClr val="000000"/>
-              </a:solidFill>
-              <a:latin typeface="Calibri"/>
+            <a:endParaRPr b="0" lang="de-DE" sz="3600" spc="-1" strike="noStrike">
+              <a:latin typeface="Arial"/>
             </a:endParaRPr>
           </a:p>
           <a:p>
@@ -4361,19 +5483,17 @@
               </a:spcBef>
             </a:pPr>
             <a:r>
-              <a:rPr b="1" lang="ru-RU" sz="3500" spc="-1" strike="noStrike">
+              <a:rPr b="1" lang="de-DE" sz="3500" spc="-1" strike="noStrike">
                 <a:solidFill>
                   <a:srgbClr val="10243e"/>
                 </a:solidFill>
                 <a:latin typeface="Calibri"/>
+                <a:ea typeface="DejaVu Sans"/>
               </a:rPr>
               <a:t>`name="URLEndpointService_Impl"`</a:t>
             </a:r>
-            <a:endParaRPr b="0" lang="ru-RU" sz="3500" spc="-1" strike="noStrike">
-              <a:solidFill>
-                <a:srgbClr val="000000"/>
-              </a:solidFill>
-              <a:latin typeface="Calibri"/>
+            <a:endParaRPr b="0" lang="de-DE" sz="3500" spc="-1" strike="noStrike">
+              <a:latin typeface="Arial"/>
             </a:endParaRPr>
           </a:p>
           <a:p>
@@ -4386,28 +5506,27 @@
               </a:spcBef>
             </a:pPr>
             <a:r>
-              <a:rPr b="0" lang="ru-RU" sz="3500" spc="-1" strike="noStrike">
+              <a:rPr b="0" lang="de-DE" sz="3500" spc="-1" strike="noStrike">
                 <a:solidFill>
                   <a:srgbClr val="808080"/>
                 </a:solidFill>
                 <a:latin typeface="Calibri"/>
+                <a:ea typeface="DejaVu Sans"/>
               </a:rPr>
               <a:t> </a:t>
             </a:r>
             <a:r>
-              <a:rPr b="0" lang="ru-RU" sz="3500" spc="-1" strike="noStrike">
+              <a:rPr b="0" lang="de-DE" sz="3500" spc="-1" strike="noStrike">
                 <a:solidFill>
                   <a:srgbClr val="808080"/>
                 </a:solidFill>
                 <a:latin typeface="Calibri"/>
+                <a:ea typeface="DejaVu Sans"/>
               </a:rPr>
               <a:t>statt </a:t>
             </a:r>
-            <a:endParaRPr b="0" lang="ru-RU" sz="3500" spc="-1" strike="noStrike">
-              <a:solidFill>
-                <a:srgbClr val="000000"/>
-              </a:solidFill>
-              <a:latin typeface="Calibri"/>
+            <a:endParaRPr b="0" lang="de-DE" sz="3500" spc="-1" strike="noStrike">
+              <a:latin typeface="Arial"/>
             </a:endParaRPr>
           </a:p>
           <a:p>
@@ -4420,19 +5539,17 @@
               </a:spcBef>
             </a:pPr>
             <a:r>
-              <a:rPr b="1" lang="ru-RU" sz="3300" spc="-1" strike="noStrike">
+              <a:rPr b="1" lang="de-DE" sz="3300" spc="-1" strike="noStrike">
                 <a:solidFill>
                   <a:srgbClr val="10243e"/>
                 </a:solidFill>
                 <a:latin typeface="Calibri"/>
+                <a:ea typeface="DejaVu Sans"/>
               </a:rPr>
               <a:t>`name="URLEndpointService"` </a:t>
             </a:r>
-            <a:endParaRPr b="0" lang="ru-RU" sz="3300" spc="-1" strike="noStrike">
-              <a:solidFill>
-                <a:srgbClr val="000000"/>
-              </a:solidFill>
-              <a:latin typeface="Calibri"/>
+            <a:endParaRPr b="0" lang="de-DE" sz="3300" spc="-1" strike="noStrike">
+              <a:latin typeface="Arial"/>
             </a:endParaRPr>
           </a:p>
           <a:p>
@@ -4445,19 +5562,17 @@
               </a:spcBef>
             </a:pPr>
             <a:r>
-              <a:rPr b="0" lang="ru-RU" sz="3600" spc="-1" strike="noStrike">
+              <a:rPr b="0" lang="de-DE" sz="3600" spc="-1" strike="noStrike">
                 <a:solidFill>
                   <a:srgbClr val="808080"/>
                 </a:solidFill>
                 <a:latin typeface="Calibri"/>
-              </a:rPr>
-              <a:t>//sowohl ohne optionen als auch mit gesetztem `-S`</a:t>
-            </a:r>
-            <a:endParaRPr b="0" lang="ru-RU" sz="3600" spc="-1" strike="noStrike">
-              <a:solidFill>
-                <a:srgbClr val="000000"/>
-              </a:solidFill>
-              <a:latin typeface="Calibri"/>
+                <a:ea typeface="DejaVu Sans"/>
+              </a:rPr>
+              <a:t>//sowohl ohne Optionen als auch mit gesetztem `-S`</a:t>
+            </a:r>
+            <a:endParaRPr b="0" lang="de-DE" sz="3600" spc="-1" strike="noStrike">
+              <a:latin typeface="Arial"/>
             </a:endParaRPr>
           </a:p>
           <a:p>
@@ -4469,25 +5584,41 @@
                 <a:spcPts val="519"/>
               </a:spcBef>
             </a:pPr>
-            <a:endParaRPr b="0" lang="ru-RU" sz="3600" spc="-1" strike="noStrike">
-              <a:solidFill>
-                <a:srgbClr val="000000"/>
-              </a:solidFill>
-              <a:latin typeface="Calibri"/>
+            <a:endParaRPr b="0" lang="de-DE" sz="3600" spc="-1" strike="noStrike">
+              <a:latin typeface="Arial"/>
             </a:endParaRPr>
           </a:p>
         </p:txBody>
       </p:sp>
     </p:spTree>
   </p:cSld>
-  <mc:AlternateContent>
-    <mc:Choice Requires="p14">
-      <p:transition spd="slow" p14:dur="2000"/>
-    </mc:Choice>
-    <mc:Fallback>
-      <p:transition spd="slow"/>
-    </mc:Fallback>
-  </mc:AlternateContent>
+  <p:timing>
+    <p:tnLst>
+      <p:par>
+        <p:cTn id="21" dur="indefinite" restart="never" nodeType="tmRoot">
+          <p:childTnLst>
+            <p:seq>
+              <p:cTn id="22" dur="indefinite" nodeType="mainSeq"/>
+              <p:prevCondLst>
+                <p:cond delay="0" evt="onPrev">
+                  <p:tgtEl>
+                    <p:sldTgt/>
+                  </p:tgtEl>
+                </p:cond>
+              </p:prevCondLst>
+              <p:nextCondLst>
+                <p:cond delay="0" evt="onNext">
+                  <p:tgtEl>
+                    <p:sldTgt/>
+                  </p:tgtEl>
+                </p:cond>
+              </p:nextCondLst>
+            </p:seq>
+          </p:childTnLst>
+        </p:cTn>
+      </p:par>
+    </p:tnLst>
+  </p:timing>
 </p:sld>
 </file>
 
@@ -4510,14 +5641,14 @@
       </p:grpSpPr>
       <p:sp>
         <p:nvSpPr>
-          <p:cNvPr id="107" name="TextShape 1"/>
-          <p:cNvSpPr txBox="1"/>
+          <p:cNvPr id="139" name="CustomShape 1"/>
+          <p:cNvSpPr/>
           <p:nvPr/>
         </p:nvSpPr>
         <p:spPr>
           <a:xfrm>
             <a:off x="457200" y="274680"/>
-            <a:ext cx="8229240" cy="1142640"/>
+            <a:ext cx="8228520" cy="1141920"/>
           </a:xfrm>
           <a:prstGeom prst="rect">
             <a:avLst/>
@@ -4527,8 +5658,14 @@
             <a:noFill/>
           </a:ln>
         </p:spPr>
-        <p:txBody>
-          <a:bodyPr anchor="ctr">
+        <p:style>
+          <a:lnRef idx="0"/>
+          <a:fillRef idx="0"/>
+          <a:effectRef idx="0"/>
+          <a:fontRef idx="minor"/>
+        </p:style>
+        <p:txBody>
+          <a:bodyPr lIns="90000" rIns="90000" tIns="45000" bIns="45000" anchor="ctr">
             <a:normAutofit/>
           </a:bodyPr>
           <a:p>
@@ -4538,33 +5675,31 @@
               </a:lnSpc>
             </a:pPr>
             <a:r>
-              <a:rPr b="0" lang="ru-RU" sz="5400" spc="-1" strike="noStrike">
+              <a:rPr b="0" lang="de-DE" sz="5400" spc="-1" strike="noStrike">
                 <a:solidFill>
                   <a:srgbClr val="ff0000"/>
                 </a:solidFill>
                 <a:latin typeface="Calibri"/>
+                <a:ea typeface="DejaVu Sans"/>
               </a:rPr>
               <a:t>&lt;!-- Fehler --&gt;</a:t>
             </a:r>
-            <a:endParaRPr b="0" lang="ru-RU" sz="5400" spc="-1" strike="noStrike">
-              <a:solidFill>
-                <a:srgbClr val="000000"/>
-              </a:solidFill>
-              <a:latin typeface="Calibri"/>
-            </a:endParaRPr>
-          </a:p>
-        </p:txBody>
-      </p:sp>
-      <p:sp>
-        <p:nvSpPr>
-          <p:cNvPr id="108" name="TextShape 2"/>
-          <p:cNvSpPr txBox="1"/>
+            <a:endParaRPr b="0" lang="de-DE" sz="5400" spc="-1" strike="noStrike">
+              <a:latin typeface="Arial"/>
+            </a:endParaRPr>
+          </a:p>
+        </p:txBody>
+      </p:sp>
+      <p:sp>
+        <p:nvSpPr>
+          <p:cNvPr id="140" name="CustomShape 2"/>
+          <p:cNvSpPr/>
           <p:nvPr/>
         </p:nvSpPr>
         <p:spPr>
           <a:xfrm>
             <a:off x="457200" y="1600200"/>
-            <a:ext cx="8229240" cy="4525560"/>
+            <a:ext cx="8228520" cy="4524840"/>
           </a:xfrm>
           <a:prstGeom prst="rect">
             <a:avLst/>
@@ -4574,12 +5709,18 @@
             <a:noFill/>
           </a:ln>
         </p:spPr>
-        <p:txBody>
-          <a:bodyPr>
-            <a:normAutofit/>
-          </a:bodyPr>
-          <a:p>
-            <a:pPr marL="343080" indent="-342720">
+        <p:style>
+          <a:lnRef idx="0"/>
+          <a:fillRef idx="0"/>
+          <a:effectRef idx="0"/>
+          <a:fontRef idx="minor"/>
+        </p:style>
+        <p:txBody>
+          <a:bodyPr lIns="90000" rIns="90000" tIns="45000" bIns="45000">
+            <a:normAutofit/>
+          </a:bodyPr>
+          <a:p>
+            <a:pPr marL="343080" indent="-342000">
               <a:lnSpc>
                 <a:spcPct val="100000"/>
               </a:lnSpc>
@@ -4593,28 +5734,27 @@
               <a:buChar char=""/>
             </a:pPr>
             <a:r>
-              <a:rPr b="0" lang="ru-RU" sz="3600" spc="-1" strike="noStrike">
+              <a:rPr b="0" lang="de-DE" sz="3600" spc="-1" strike="noStrike">
                 <a:solidFill>
                   <a:srgbClr val="000000"/>
                 </a:solidFill>
                 <a:latin typeface="Calibri"/>
+                <a:ea typeface="DejaVu Sans"/>
               </a:rPr>
               <a:t> </a:t>
             </a:r>
             <a:r>
-              <a:rPr b="0" lang="ru-RU" sz="3600" spc="-1" strike="noStrike">
+              <a:rPr b="0" lang="de-DE" sz="3600" spc="-1" strike="noStrike">
                 <a:solidFill>
                   <a:srgbClr val="000000"/>
                 </a:solidFill>
                 <a:latin typeface="Calibri"/>
+                <a:ea typeface="DejaVu Sans"/>
               </a:rPr>
               <a:t>Andere Fehler:</a:t>
             </a:r>
-            <a:endParaRPr b="0" lang="ru-RU" sz="3600" spc="-1" strike="noStrike">
-              <a:solidFill>
-                <a:srgbClr val="000000"/>
-              </a:solidFill>
-              <a:latin typeface="Calibri"/>
+            <a:endParaRPr b="0" lang="de-DE" sz="3600" spc="-1" strike="noStrike">
+              <a:latin typeface="Arial"/>
             </a:endParaRPr>
           </a:p>
           <a:p>
@@ -4627,55 +5767,57 @@
               </a:spcBef>
             </a:pPr>
             <a:r>
-              <a:rPr b="0" lang="ru-RU" sz="3600" spc="-1" strike="noStrike">
+              <a:rPr b="0" lang="de-DE" sz="3300" spc="-1" strike="noStrike">
                 <a:solidFill>
                   <a:srgbClr val="404040"/>
                 </a:solidFill>
                 <a:latin typeface="Calibri"/>
+                <a:ea typeface="DejaVu Sans"/>
               </a:rPr>
               <a:t>-&gt; </a:t>
             </a:r>
             <a:r>
-              <a:rPr b="1" lang="ru-RU" sz="3600" spc="-1" strike="noStrike">
+              <a:rPr b="1" lang="de-DE" sz="3300" spc="-1" strike="noStrike">
                 <a:solidFill>
                   <a:srgbClr val="002060"/>
                 </a:solidFill>
                 <a:latin typeface="Calibri"/>
+                <a:ea typeface="DejaVu Sans"/>
               </a:rPr>
               <a:t>`-a`</a:t>
             </a:r>
             <a:r>
-              <a:rPr b="0" lang="ru-RU" sz="3600" spc="-1" strike="noStrike">
+              <a:rPr b="0" lang="de-DE" sz="3300" spc="-1" strike="noStrike">
                 <a:solidFill>
                   <a:srgbClr val="404040"/>
                 </a:solidFill>
                 <a:latin typeface="Calibri"/>
+                <a:ea typeface="DejaVu Sans"/>
               </a:rPr>
               <a:t> und </a:t>
             </a:r>
             <a:r>
-              <a:rPr b="1" lang="ru-RU" sz="3600" spc="-1" strike="noStrike">
+              <a:rPr b="1" lang="de-DE" sz="3300" spc="-1" strike="noStrike">
                 <a:solidFill>
                   <a:srgbClr val="002060"/>
                 </a:solidFill>
                 <a:latin typeface="Calibri"/>
+                <a:ea typeface="DejaVu Sans"/>
               </a:rPr>
               <a:t>`-c`</a:t>
             </a:r>
             <a:r>
-              <a:rPr b="0" lang="ru-RU" sz="3600" spc="-1" strike="noStrike">
+              <a:rPr b="0" lang="de-DE" sz="3300" spc="-1" strike="noStrike">
                 <a:solidFill>
                   <a:srgbClr val="404040"/>
                 </a:solidFill>
                 <a:latin typeface="Calibri"/>
+                <a:ea typeface="DejaVu Sans"/>
               </a:rPr>
               <a:t> wird nicht richtig ausgeführt: Es wird nicht in extended Klassen der InputKlasse nach Funktionen gesucht</a:t>
             </a:r>
-            <a:endParaRPr b="0" lang="ru-RU" sz="3600" spc="-1" strike="noStrike">
-              <a:solidFill>
-                <a:srgbClr val="000000"/>
-              </a:solidFill>
-              <a:latin typeface="Calibri"/>
+            <a:endParaRPr b="0" lang="de-DE" sz="3300" spc="-1" strike="noStrike">
+              <a:latin typeface="Arial"/>
             </a:endParaRPr>
           </a:p>
           <a:p>
@@ -4688,55 +5830,57 @@
               </a:spcBef>
             </a:pPr>
             <a:r>
-              <a:rPr b="0" lang="ru-RU" sz="3600" spc="-1" strike="noStrike">
+              <a:rPr b="0" lang="de-DE" sz="3300" spc="-1" strike="noStrike">
                 <a:solidFill>
                   <a:srgbClr val="404040"/>
                 </a:solidFill>
                 <a:latin typeface="Calibri"/>
+                <a:ea typeface="DejaVu Sans"/>
               </a:rPr>
               <a:t>-&gt; Input-wsdl von </a:t>
             </a:r>
             <a:r>
-              <a:rPr b="1" lang="ru-RU" sz="3600" spc="-1" strike="noStrike">
+              <a:rPr b="1" lang="de-DE" sz="3300" spc="-1" strike="noStrike">
                 <a:solidFill>
                   <a:srgbClr val="10243e"/>
                 </a:solidFill>
                 <a:latin typeface="Calibri"/>
+                <a:ea typeface="DejaVu Sans"/>
               </a:rPr>
               <a:t>`-I`</a:t>
             </a:r>
             <a:r>
-              <a:rPr b="0" lang="ru-RU" sz="3600" spc="-1" strike="noStrike">
+              <a:rPr b="0" lang="de-DE" sz="3300" spc="-1" strike="noStrike">
                 <a:solidFill>
                   <a:srgbClr val="404040"/>
                 </a:solidFill>
                 <a:latin typeface="Calibri"/>
-              </a:rPr>
-              <a:t> wird nicht berücksichtigt//sowohl ohne optionen als auch mit gesetztem </a:t>
-            </a:r>
-            <a:r>
-              <a:rPr b="1" lang="ru-RU" sz="3600" spc="-1" strike="noStrike">
+                <a:ea typeface="DejaVu Sans"/>
+              </a:rPr>
+              <a:t> wird nicht berücksichtigt //sowohl ohne Optionen als auch mit gesetztem </a:t>
+            </a:r>
+            <a:r>
+              <a:rPr b="1" lang="de-DE" sz="3300" spc="-1" strike="noStrike">
                 <a:solidFill>
                   <a:srgbClr val="404040"/>
                 </a:solidFill>
                 <a:latin typeface="Calibri"/>
+                <a:ea typeface="DejaVu Sans"/>
               </a:rPr>
               <a:t>`-S</a:t>
             </a:r>
             <a:r>
-              <a:rPr b="0" lang="ru-RU" sz="3600" spc="-1" strike="noStrike">
+              <a:rPr b="0" lang="de-DE" sz="3300" spc="-1" strike="noStrike">
                 <a:solidFill>
                   <a:srgbClr val="404040"/>
                 </a:solidFill>
                 <a:latin typeface="Calibri"/>
+                <a:ea typeface="DejaVu Sans"/>
               </a:rPr>
               <a:t>`</a:t>
             </a:r>
-            <a:endParaRPr b="0" lang="ru-RU" sz="3600" spc="-1" strike="noStrike">
-              <a:solidFill>
-                <a:srgbClr val="000000"/>
-              </a:solidFill>
-              <a:latin typeface="Calibri"/>
+            <a:endParaRPr b="0" lang="de-DE" sz="3300" spc="-1" strike="noStrike">
+              <a:latin typeface="Arial"/>
             </a:endParaRPr>
           </a:p>
           <a:p>
@@ -4748,25 +5892,314 @@
                 <a:spcPts val="519"/>
               </a:spcBef>
             </a:pPr>
-            <a:endParaRPr b="0" lang="ru-RU" sz="3600" spc="-1" strike="noStrike">
-              <a:solidFill>
-                <a:srgbClr val="000000"/>
-              </a:solidFill>
-              <a:latin typeface="Calibri"/>
+            <a:endParaRPr b="0" lang="de-DE" sz="3300" spc="-1" strike="noStrike">
+              <a:latin typeface="Arial"/>
             </a:endParaRPr>
           </a:p>
         </p:txBody>
       </p:sp>
     </p:spTree>
   </p:cSld>
-  <mc:AlternateContent>
-    <mc:Choice Requires="p14">
-      <p:transition spd="slow" p14:dur="2000"/>
-    </mc:Choice>
-    <mc:Fallback>
-      <p:transition spd="slow"/>
-    </mc:Fallback>
-  </mc:AlternateContent>
+  <p:timing>
+    <p:tnLst>
+      <p:par>
+        <p:cTn id="23" dur="indefinite" restart="never" nodeType="tmRoot">
+          <p:childTnLst>
+            <p:seq>
+              <p:cTn id="24" dur="indefinite" nodeType="mainSeq"/>
+              <p:prevCondLst>
+                <p:cond delay="0" evt="onPrev">
+                  <p:tgtEl>
+                    <p:sldTgt/>
+                  </p:tgtEl>
+                </p:cond>
+              </p:prevCondLst>
+              <p:nextCondLst>
+                <p:cond delay="0" evt="onNext">
+                  <p:tgtEl>
+                    <p:sldTgt/>
+                  </p:tgtEl>
+                </p:cond>
+              </p:nextCondLst>
+            </p:seq>
+          </p:childTnLst>
+        </p:cTn>
+      </p:par>
+    </p:tnLst>
+  </p:timing>
+</p:sld>
+</file>
+
+<file path=ppt/slides/slide13.xml><?xml version="1.0" encoding="utf-8"?>
+<p:sld xmlns:a="http://schemas.openxmlformats.org/drawingml/2006/main" xmlns:p="http://schemas.openxmlformats.org/presentationml/2006/main" xmlns:r="http://schemas.openxmlformats.org/officeDocument/2006/relationships" xmlns:p14="http://schemas.microsoft.com/office/powerpoint/2010/main" xmlns:p15="http://schemas.microsoft.com/office/powerpoint/2012/main" xmlns:mc="http://schemas.openxmlformats.org/markup-compatibility/2006">
+  <p:cSld>
+    <p:spTree>
+      <p:nvGrpSpPr>
+        <p:cNvPr id="1" name=""/>
+        <p:cNvGrpSpPr/>
+        <p:nvPr/>
+      </p:nvGrpSpPr>
+      <p:grpSpPr>
+        <a:xfrm>
+          <a:off x="0" y="0"/>
+          <a:ext cx="0" cy="0"/>
+          <a:chOff x="0" y="0"/>
+          <a:chExt cx="0" cy="0"/>
+        </a:xfrm>
+      </p:grpSpPr>
+      <p:sp>
+        <p:nvSpPr>
+          <p:cNvPr id="141" name="CustomShape 1"/>
+          <p:cNvSpPr/>
+          <p:nvPr/>
+        </p:nvSpPr>
+        <p:spPr>
+          <a:xfrm>
+            <a:off x="457200" y="273600"/>
+            <a:ext cx="8228880" cy="1144440"/>
+          </a:xfrm>
+          <a:prstGeom prst="rect">
+            <a:avLst/>
+          </a:prstGeom>
+          <a:noFill/>
+          <a:ln>
+            <a:noFill/>
+          </a:ln>
+        </p:spPr>
+        <p:style>
+          <a:lnRef idx="0"/>
+          <a:fillRef idx="0"/>
+          <a:effectRef idx="0"/>
+          <a:fontRef idx="minor"/>
+        </p:style>
+        <p:txBody>
+          <a:bodyPr lIns="0" rIns="0" tIns="0" bIns="0" anchor="ctr"/>
+          <a:p>
+            <a:pPr algn="ctr">
+              <a:lnSpc>
+                <a:spcPct val="100000"/>
+              </a:lnSpc>
+            </a:pPr>
+            <a:r>
+              <a:rPr b="0" lang="de-DE" sz="4400" spc="-1" strike="noStrike">
+                <a:latin typeface="Arial"/>
+              </a:rPr>
+              <a:t>Fehlergruppierung</a:t>
+            </a:r>
+            <a:endParaRPr b="0" lang="de-DE" sz="4400" spc="-1" strike="noStrike">
+              <a:latin typeface="Arial"/>
+            </a:endParaRPr>
+          </a:p>
+        </p:txBody>
+      </p:sp>
+      <p:sp>
+        <p:nvSpPr>
+          <p:cNvPr id="142" name="CustomShape 2"/>
+          <p:cNvSpPr/>
+          <p:nvPr/>
+        </p:nvSpPr>
+        <p:spPr>
+          <a:xfrm>
+            <a:off x="457200" y="1604520"/>
+            <a:ext cx="8228880" cy="3976920"/>
+          </a:xfrm>
+          <a:prstGeom prst="rect">
+            <a:avLst/>
+          </a:prstGeom>
+          <a:noFill/>
+          <a:ln>
+            <a:noFill/>
+          </a:ln>
+        </p:spPr>
+        <p:style>
+          <a:lnRef idx="0"/>
+          <a:fillRef idx="0"/>
+          <a:effectRef idx="0"/>
+          <a:fontRef idx="minor"/>
+        </p:style>
+        <p:txBody>
+          <a:bodyPr lIns="0" rIns="0" tIns="0" bIns="0"/>
+          <a:p>
+            <a:pPr>
+              <a:lnSpc>
+                <a:spcPct val="100000"/>
+              </a:lnSpc>
+            </a:pPr>
+            <a:r>
+              <a:rPr b="0" lang="de-DE" sz="3200" spc="-1" strike="noStrike">
+                <a:latin typeface="Arial"/>
+              </a:rPr>
+              <a:t>-&gt; Fehler beim Aufruf von Befehlen(kritisch)</a:t>
+            </a:r>
+            <a:br/>
+            <a:r>
+              <a:rPr b="0" lang="de-DE" sz="3200" spc="-1" strike="noStrike">
+                <a:latin typeface="Arial"/>
+              </a:rPr>
+              <a:t>	</a:t>
+            </a:r>
+            <a:r>
+              <a:rPr b="0" lang="de-DE" sz="3200" spc="-1" strike="noStrike">
+                <a:latin typeface="Arial"/>
+              </a:rPr>
+              <a:t>//z.B. Nullpointer wenn -o fehlt</a:t>
+            </a:r>
+            <a:br/>
+            <a:r>
+              <a:rPr b="0" lang="de-DE" sz="3200" spc="-1" strike="noStrike">
+                <a:latin typeface="Arial"/>
+              </a:rPr>
+              <a:t>-&gt; Fehler bzgl. der Ausgabepfade(kritisch)</a:t>
+            </a:r>
+            <a:endParaRPr b="0" lang="de-DE" sz="3200" spc="-1" strike="noStrike">
+              <a:latin typeface="Arial"/>
+            </a:endParaRPr>
+          </a:p>
+          <a:p>
+            <a:pPr>
+              <a:lnSpc>
+                <a:spcPct val="100000"/>
+              </a:lnSpc>
+            </a:pPr>
+            <a:r>
+              <a:rPr b="0" lang="de-DE" sz="3200" spc="-1" strike="noStrike">
+                <a:latin typeface="Arial"/>
+              </a:rPr>
+              <a:t>	</a:t>
+            </a:r>
+            <a:r>
+              <a:rPr b="0" lang="de-DE" sz="3200" spc="-1" strike="noStrike">
+                <a:latin typeface="Arial"/>
+              </a:rPr>
+              <a:t>//z.B. verändert -o Dateinpfade</a:t>
+            </a:r>
+            <a:endParaRPr b="0" lang="de-DE" sz="3200" spc="-1" strike="noStrike">
+              <a:latin typeface="Arial"/>
+            </a:endParaRPr>
+          </a:p>
+          <a:p>
+            <a:pPr>
+              <a:lnSpc>
+                <a:spcPct val="100000"/>
+              </a:lnSpc>
+            </a:pPr>
+            <a:r>
+              <a:rPr b="0" lang="de-DE" sz="3200" spc="-1" strike="noStrike">
+                <a:latin typeface="Arial"/>
+              </a:rPr>
+              <a:t>-&gt; Fehler innerhalb der generierten WSDLs</a:t>
+            </a:r>
+            <a:endParaRPr b="0" lang="de-DE" sz="3200" spc="-1" strike="noStrike">
+              <a:latin typeface="Arial"/>
+            </a:endParaRPr>
+          </a:p>
+          <a:p>
+            <a:pPr>
+              <a:lnSpc>
+                <a:spcPct val="100000"/>
+              </a:lnSpc>
+            </a:pPr>
+            <a:r>
+              <a:rPr b="0" lang="de-DE" sz="3200" spc="-1" strike="noStrike">
+                <a:latin typeface="Arial"/>
+              </a:rPr>
+              <a:t>	</a:t>
+            </a:r>
+            <a:r>
+              <a:rPr b="0" lang="de-DE" sz="3200" spc="-1" strike="noStrike">
+                <a:latin typeface="Arial"/>
+              </a:rPr>
+              <a:t>(möglicherweise kritisch)</a:t>
+            </a:r>
+            <a:endParaRPr b="0" lang="de-DE" sz="3200" spc="-1" strike="noStrike">
+              <a:latin typeface="Arial"/>
+            </a:endParaRPr>
+          </a:p>
+          <a:p>
+            <a:pPr>
+              <a:lnSpc>
+                <a:spcPct val="100000"/>
+              </a:lnSpc>
+            </a:pPr>
+            <a:r>
+              <a:rPr b="0" lang="de-DE" sz="3200" spc="-1" strike="noStrike">
+                <a:latin typeface="Arial"/>
+              </a:rPr>
+              <a:t>	</a:t>
+            </a:r>
+            <a:r>
+              <a:rPr b="0" lang="de-DE" sz="3200" spc="-1" strike="noStrike">
+                <a:latin typeface="Arial"/>
+              </a:rPr>
+              <a:t>//Metadaten zu Schemas (mögl. Kritisch)</a:t>
+            </a:r>
+            <a:endParaRPr b="0" lang="de-DE" sz="3200" spc="-1" strike="noStrike">
+              <a:latin typeface="Arial"/>
+            </a:endParaRPr>
+          </a:p>
+          <a:p>
+            <a:pPr>
+              <a:lnSpc>
+                <a:spcPct val="100000"/>
+              </a:lnSpc>
+            </a:pPr>
+            <a:r>
+              <a:rPr b="0" lang="de-DE" sz="3200" spc="-1" strike="noStrike">
+                <a:latin typeface="Arial"/>
+              </a:rPr>
+              <a:t>	</a:t>
+            </a:r>
+            <a:r>
+              <a:rPr b="0" lang="de-DE" sz="3200" spc="-1" strike="noStrike">
+                <a:latin typeface="Arial"/>
+              </a:rPr>
+              <a:t>//Datum &amp; Zeitzone (unkritisch)</a:t>
+            </a:r>
+            <a:endParaRPr b="0" lang="de-DE" sz="3200" spc="-1" strike="noStrike">
+              <a:latin typeface="Arial"/>
+            </a:endParaRPr>
+          </a:p>
+          <a:p>
+            <a:pPr>
+              <a:lnSpc>
+                <a:spcPct val="100000"/>
+              </a:lnSpc>
+            </a:pPr>
+            <a:endParaRPr b="0" lang="de-DE" sz="3200" spc="-1" strike="noStrike">
+              <a:latin typeface="Arial"/>
+            </a:endParaRPr>
+          </a:p>
+        </p:txBody>
+      </p:sp>
+    </p:spTree>
+  </p:cSld>
+  <p:timing>
+    <p:tnLst>
+      <p:par>
+        <p:cTn id="25" dur="indefinite" restart="never" nodeType="tmRoot">
+          <p:childTnLst>
+            <p:seq>
+              <p:cTn id="26" dur="indefinite" nodeType="mainSeq"/>
+              <p:prevCondLst>
+                <p:cond delay="0" evt="onPrev">
+                  <p:tgtEl>
+                    <p:sldTgt/>
+                  </p:tgtEl>
+                </p:cond>
+              </p:prevCondLst>
+              <p:nextCondLst>
+                <p:cond delay="0" evt="onNext">
+                  <p:tgtEl>
+                    <p:sldTgt/>
+                  </p:tgtEl>
+                </p:cond>
+              </p:nextCondLst>
+            </p:seq>
+          </p:childTnLst>
+        </p:cTn>
+      </p:par>
+    </p:tnLst>
+  </p:timing>
 </p:sld>
 </file>
 
@@ -4789,7 +6222,7 @@
       </p:grpSpPr>
       <p:pic>
         <p:nvPicPr>
-          <p:cNvPr id="86" name="Picture 2" descr=""/>
+          <p:cNvPr id="118" name="Picture 2" descr=""/>
           <p:cNvPicPr/>
           <p:nvPr/>
         </p:nvPicPr>
@@ -4800,7 +6233,7 @@
         <p:spPr>
           <a:xfrm>
             <a:off x="179640" y="260640"/>
-            <a:ext cx="8784720" cy="6120360"/>
+            <a:ext cx="8784000" cy="6119640"/>
           </a:xfrm>
           <a:prstGeom prst="rect">
             <a:avLst/>
@@ -4812,14 +6245,14 @@
       </p:pic>
       <p:sp>
         <p:nvSpPr>
-          <p:cNvPr id="87" name="TextShape 1"/>
-          <p:cNvSpPr txBox="1"/>
+          <p:cNvPr id="119" name="CustomShape 1"/>
+          <p:cNvSpPr/>
           <p:nvPr/>
         </p:nvSpPr>
         <p:spPr>
           <a:xfrm>
             <a:off x="2915640" y="-315360"/>
-            <a:ext cx="6216120" cy="4392000"/>
+            <a:ext cx="6215400" cy="4391280"/>
           </a:xfrm>
           <a:prstGeom prst="rect">
             <a:avLst/>
@@ -4829,8 +6262,14 @@
             <a:noFill/>
           </a:ln>
         </p:spPr>
-        <p:txBody>
-          <a:bodyPr anchor="ctr">
+        <p:style>
+          <a:lnRef idx="0"/>
+          <a:fillRef idx="0"/>
+          <a:effectRef idx="0"/>
+          <a:fontRef idx="minor"/>
+        </p:style>
+        <p:txBody>
+          <a:bodyPr lIns="90000" rIns="90000" tIns="45000" bIns="45000" anchor="ctr">
             <a:normAutofit/>
           </a:bodyPr>
           <a:p>
@@ -4840,33 +6279,50 @@
               </a:lnSpc>
             </a:pPr>
             <a:r>
-              <a:rPr b="1" lang="ru-RU" sz="3200" spc="599" strike="noStrike">
+              <a:rPr b="1" lang="de-DE" sz="3200" spc="593" strike="noStrike">
                 <a:solidFill>
                   <a:srgbClr val="404040"/>
                 </a:solidFill>
                 <a:latin typeface="Calibri"/>
+                <a:ea typeface="DejaVu Sans"/>
               </a:rPr>
               <a:t>/*Regressiontestsuite*/</a:t>
             </a:r>
-            <a:endParaRPr b="0" lang="ru-RU" sz="3200" spc="-1" strike="noStrike">
-              <a:solidFill>
-                <a:srgbClr val="000000"/>
-              </a:solidFill>
-              <a:latin typeface="Calibri"/>
+            <a:endParaRPr b="0" lang="de-DE" sz="3200" spc="-1" strike="noStrike">
+              <a:latin typeface="Arial"/>
             </a:endParaRPr>
           </a:p>
         </p:txBody>
       </p:sp>
     </p:spTree>
   </p:cSld>
-  <mc:AlternateContent>
-    <mc:Choice Requires="p14">
-      <p:transition spd="slow" p14:dur="2000"/>
-    </mc:Choice>
-    <mc:Fallback>
-      <p:transition spd="slow"/>
-    </mc:Fallback>
-  </mc:AlternateContent>
+  <p:timing>
+    <p:tnLst>
+      <p:par>
+        <p:cTn id="3" dur="indefinite" restart="never" nodeType="tmRoot">
+          <p:childTnLst>
+            <p:seq>
+              <p:cTn id="4" dur="indefinite" nodeType="mainSeq"/>
+              <p:prevCondLst>
+                <p:cond delay="0" evt="onPrev">
+                  <p:tgtEl>
+                    <p:sldTgt/>
+                  </p:tgtEl>
+                </p:cond>
+              </p:prevCondLst>
+              <p:nextCondLst>
+                <p:cond delay="0" evt="onNext">
+                  <p:tgtEl>
+                    <p:sldTgt/>
+                  </p:tgtEl>
+                </p:cond>
+              </p:nextCondLst>
+            </p:seq>
+          </p:childTnLst>
+        </p:cTn>
+      </p:par>
+    </p:tnLst>
+  </p:timing>
 </p:sld>
 </file>
 
@@ -4889,14 +6345,14 @@
       </p:grpSpPr>
       <p:sp>
         <p:nvSpPr>
-          <p:cNvPr id="88" name="TextShape 1"/>
-          <p:cNvSpPr txBox="1"/>
+          <p:cNvPr id="120" name="CustomShape 1"/>
+          <p:cNvSpPr/>
           <p:nvPr/>
         </p:nvSpPr>
         <p:spPr>
           <a:xfrm>
             <a:off x="457200" y="274680"/>
-            <a:ext cx="8229240" cy="1353960"/>
+            <a:ext cx="8228520" cy="1353240"/>
           </a:xfrm>
           <a:prstGeom prst="rect">
             <a:avLst/>
@@ -4906,8 +6362,14 @@
             <a:noFill/>
           </a:ln>
         </p:spPr>
-        <p:txBody>
-          <a:bodyPr anchor="ctr">
+        <p:style>
+          <a:lnRef idx="0"/>
+          <a:fillRef idx="0"/>
+          <a:effectRef idx="0"/>
+          <a:fontRef idx="minor"/>
+        </p:style>
+        <p:txBody>
+          <a:bodyPr lIns="90000" rIns="90000" tIns="45000" bIns="45000" anchor="ctr">
             <a:normAutofit/>
           </a:bodyPr>
           <a:p>
@@ -4917,43 +6379,42 @@
               </a:lnSpc>
             </a:pPr>
             <a:r>
-              <a:rPr b="1" lang="ru-RU" sz="5400" spc="-1" strike="noStrike">
+              <a:rPr b="1" lang="de-DE" sz="5400" spc="-1" strike="noStrike">
                 <a:solidFill>
                   <a:srgbClr val="000000"/>
                 </a:solidFill>
                 <a:latin typeface="Calibri"/>
-              </a:rPr>
-              <a:t>/*BesonderHeiten</a:t>
+                <a:ea typeface="DejaVu Sans"/>
+              </a:rPr>
+              <a:t>/*Besonderheiten</a:t>
             </a:r>
             <a:br/>
             <a:r>
-              <a:rPr b="1" lang="ru-RU" sz="3100" spc="599" strike="noStrike">
+              <a:rPr b="1" lang="de-DE" sz="3100" spc="593" strike="noStrike">
                 <a:solidFill>
                   <a:srgbClr val="bfbfbf"/>
                 </a:solidFill>
                 <a:latin typeface="Calibri"/>
+                <a:ea typeface="DejaVu Sans"/>
               </a:rPr>
               <a:t>Was haben wir benutzt…*/</a:t>
             </a:r>
-            <a:endParaRPr b="0" lang="ru-RU" sz="3100" spc="-1" strike="noStrike">
-              <a:solidFill>
-                <a:srgbClr val="000000"/>
-              </a:solidFill>
-              <a:latin typeface="Calibri"/>
-            </a:endParaRPr>
-          </a:p>
-        </p:txBody>
-      </p:sp>
-      <p:sp>
-        <p:nvSpPr>
-          <p:cNvPr id="89" name="TextShape 2"/>
-          <p:cNvSpPr txBox="1"/>
+            <a:endParaRPr b="0" lang="de-DE" sz="3100" spc="-1" strike="noStrike">
+              <a:latin typeface="Arial"/>
+            </a:endParaRPr>
+          </a:p>
+        </p:txBody>
+      </p:sp>
+      <p:sp>
+        <p:nvSpPr>
+          <p:cNvPr id="121" name="CustomShape 2"/>
+          <p:cNvSpPr/>
           <p:nvPr/>
         </p:nvSpPr>
         <p:spPr>
           <a:xfrm>
             <a:off x="457200" y="1600200"/>
-            <a:ext cx="8229240" cy="4525560"/>
+            <a:ext cx="8228520" cy="4524840"/>
           </a:xfrm>
           <a:prstGeom prst="rect">
             <a:avLst/>
@@ -4963,12 +6424,18 @@
             <a:noFill/>
           </a:ln>
         </p:spPr>
-        <p:txBody>
-          <a:bodyPr>
-            <a:normAutofit/>
-          </a:bodyPr>
-          <a:p>
-            <a:pPr marL="343080" indent="-342720">
+        <p:style>
+          <a:lnRef idx="0"/>
+          <a:fillRef idx="0"/>
+          <a:effectRef idx="0"/>
+          <a:fontRef idx="minor"/>
+        </p:style>
+        <p:txBody>
+          <a:bodyPr lIns="90000" rIns="90000" tIns="45000" bIns="45000">
+            <a:normAutofit/>
+          </a:bodyPr>
+          <a:p>
+            <a:pPr marL="343080" indent="-342000">
               <a:lnSpc>
                 <a:spcPct val="150000"/>
               </a:lnSpc>
@@ -4982,23 +6449,21 @@
               <a:buChar char=""/>
             </a:pPr>
             <a:r>
-              <a:rPr b="0" lang="ru-RU" sz="3200" spc="-1" strike="noStrike">
+              <a:rPr b="0" lang="de-DE" sz="3200" spc="-1" strike="noStrike">
                 <a:solidFill>
                   <a:srgbClr val="595959"/>
                 </a:solidFill>
                 <a:latin typeface="Calibri"/>
+                <a:ea typeface="DejaVu Sans"/>
               </a:rPr>
               <a:t>Java</a:t>
             </a:r>
-            <a:endParaRPr b="0" lang="ru-RU" sz="3200" spc="-1" strike="noStrike">
-              <a:solidFill>
-                <a:srgbClr val="000000"/>
-              </a:solidFill>
-              <a:latin typeface="Calibri"/>
-            </a:endParaRPr>
-          </a:p>
-          <a:p>
-            <a:pPr marL="343080" indent="-342720">
+            <a:endParaRPr b="0" lang="de-DE" sz="3200" spc="-1" strike="noStrike">
+              <a:latin typeface="Arial"/>
+            </a:endParaRPr>
+          </a:p>
+          <a:p>
+            <a:pPr marL="343080" indent="-342000">
               <a:lnSpc>
                 <a:spcPct val="150000"/>
               </a:lnSpc>
@@ -5012,23 +6477,21 @@
               <a:buChar char=""/>
             </a:pPr>
             <a:r>
-              <a:rPr b="0" lang="ru-RU" sz="3200" spc="-1" strike="noStrike">
+              <a:rPr b="0" lang="de-DE" sz="3200" spc="-1" strike="noStrike">
                 <a:solidFill>
                   <a:srgbClr val="595959"/>
                 </a:solidFill>
                 <a:latin typeface="Calibri"/>
+                <a:ea typeface="DejaVu Sans"/>
               </a:rPr>
               <a:t>junit-4.13.jar</a:t>
             </a:r>
-            <a:endParaRPr b="0" lang="ru-RU" sz="3200" spc="-1" strike="noStrike">
-              <a:solidFill>
-                <a:srgbClr val="000000"/>
-              </a:solidFill>
-              <a:latin typeface="Calibri"/>
-            </a:endParaRPr>
-          </a:p>
-          <a:p>
-            <a:pPr marL="343080" indent="-342720">
+            <a:endParaRPr b="0" lang="de-DE" sz="3200" spc="-1" strike="noStrike">
+              <a:latin typeface="Arial"/>
+            </a:endParaRPr>
+          </a:p>
+          <a:p>
+            <a:pPr marL="343080" indent="-342000">
               <a:lnSpc>
                 <a:spcPct val="150000"/>
               </a:lnSpc>
@@ -5042,23 +6505,21 @@
               <a:buChar char=""/>
             </a:pPr>
             <a:r>
-              <a:rPr b="0" lang="ru-RU" sz="3200" spc="-1" strike="noStrike">
+              <a:rPr b="0" lang="de-DE" sz="3200" spc="-1" strike="noStrike">
                 <a:solidFill>
                   <a:srgbClr val="595959"/>
                 </a:solidFill>
                 <a:latin typeface="Calibri"/>
+                <a:ea typeface="DejaVu Sans"/>
               </a:rPr>
               <a:t>hamcrest-core-1.3.jar</a:t>
             </a:r>
-            <a:endParaRPr b="0" lang="ru-RU" sz="3200" spc="-1" strike="noStrike">
-              <a:solidFill>
-                <a:srgbClr val="000000"/>
-              </a:solidFill>
-              <a:latin typeface="Calibri"/>
-            </a:endParaRPr>
-          </a:p>
-          <a:p>
-            <a:pPr marL="343080" indent="-342720">
+            <a:endParaRPr b="0" lang="de-DE" sz="3200" spc="-1" strike="noStrike">
+              <a:latin typeface="Arial"/>
+            </a:endParaRPr>
+          </a:p>
+          <a:p>
+            <a:pPr marL="343080" indent="-342000">
               <a:lnSpc>
                 <a:spcPct val="150000"/>
               </a:lnSpc>
@@ -5072,23 +6533,21 @@
               <a:buChar char=""/>
             </a:pPr>
             <a:r>
-              <a:rPr b="0" lang="ru-RU" sz="3200" spc="-1" strike="noStrike">
+              <a:rPr b="0" lang="de-DE" sz="3200" spc="-1" strike="noStrike">
                 <a:solidFill>
                   <a:srgbClr val="595959"/>
                 </a:solidFill>
                 <a:latin typeface="Calibri"/>
+                <a:ea typeface="DejaVu Sans"/>
               </a:rPr>
               <a:t>java.lang.Processbuilder</a:t>
             </a:r>
-            <a:endParaRPr b="0" lang="ru-RU" sz="3200" spc="-1" strike="noStrike">
-              <a:solidFill>
-                <a:srgbClr val="000000"/>
-              </a:solidFill>
-              <a:latin typeface="Calibri"/>
-            </a:endParaRPr>
-          </a:p>
-          <a:p>
-            <a:pPr marL="343080" indent="-342720">
+            <a:endParaRPr b="0" lang="de-DE" sz="3200" spc="-1" strike="noStrike">
+              <a:latin typeface="Arial"/>
+            </a:endParaRPr>
+          </a:p>
+          <a:p>
+            <a:pPr marL="343080" indent="-342000">
               <a:lnSpc>
                 <a:spcPct val="150000"/>
               </a:lnSpc>
@@ -5102,23 +6561,21 @@
               <a:buChar char=""/>
             </a:pPr>
             <a:r>
-              <a:rPr b="0" lang="ru-RU" sz="3200" spc="-1" strike="noStrike">
+              <a:rPr b="0" lang="de-DE" sz="3200" spc="-1" strike="noStrike">
                 <a:solidFill>
                   <a:srgbClr val="595959"/>
                 </a:solidFill>
                 <a:latin typeface="Calibri"/>
+                <a:ea typeface="DejaVu Sans"/>
               </a:rPr>
               <a:t>org.w3c.dom</a:t>
             </a:r>
-            <a:endParaRPr b="0" lang="ru-RU" sz="3200" spc="-1" strike="noStrike">
-              <a:solidFill>
-                <a:srgbClr val="000000"/>
-              </a:solidFill>
-              <a:latin typeface="Calibri"/>
-            </a:endParaRPr>
-          </a:p>
-          <a:p>
-            <a:pPr marL="343080" indent="-342720">
+            <a:endParaRPr b="0" lang="de-DE" sz="3200" spc="-1" strike="noStrike">
+              <a:latin typeface="Arial"/>
+            </a:endParaRPr>
+          </a:p>
+          <a:p>
+            <a:pPr marL="343080" indent="-342000">
               <a:lnSpc>
                 <a:spcPct val="150000"/>
               </a:lnSpc>
@@ -5132,19 +6589,17 @@
               <a:buChar char=""/>
             </a:pPr>
             <a:r>
-              <a:rPr b="0" lang="ru-RU" sz="3200" spc="-1" strike="noStrike">
+              <a:rPr b="0" lang="de-DE" sz="3200" spc="-1" strike="noStrike">
                 <a:solidFill>
                   <a:srgbClr val="595959"/>
                 </a:solidFill>
                 <a:latin typeface="Calibri"/>
+                <a:ea typeface="DejaVu Sans"/>
               </a:rPr>
               <a:t>javax.xml.parsers ….u.a</a:t>
             </a:r>
-            <a:endParaRPr b="0" lang="ru-RU" sz="3200" spc="-1" strike="noStrike">
-              <a:solidFill>
-                <a:srgbClr val="000000"/>
-              </a:solidFill>
-              <a:latin typeface="Calibri"/>
+            <a:endParaRPr b="0" lang="de-DE" sz="3200" spc="-1" strike="noStrike">
+              <a:latin typeface="Arial"/>
             </a:endParaRPr>
           </a:p>
           <a:p>
@@ -5156,11 +6611,8 @@
                 <a:spcPts val="641"/>
               </a:spcBef>
             </a:pPr>
-            <a:endParaRPr b="0" lang="ru-RU" sz="3200" spc="-1" strike="noStrike">
-              <a:solidFill>
-                <a:srgbClr val="000000"/>
-              </a:solidFill>
-              <a:latin typeface="Calibri"/>
+            <a:endParaRPr b="0" lang="de-DE" sz="3200" spc="-1" strike="noStrike">
+              <a:latin typeface="Arial"/>
             </a:endParaRPr>
           </a:p>
           <a:p>
@@ -5172,11 +6624,8 @@
                 <a:spcPts val="641"/>
               </a:spcBef>
             </a:pPr>
-            <a:endParaRPr b="0" lang="ru-RU" sz="3200" spc="-1" strike="noStrike">
-              <a:solidFill>
-                <a:srgbClr val="000000"/>
-              </a:solidFill>
-              <a:latin typeface="Calibri"/>
+            <a:endParaRPr b="0" lang="de-DE" sz="3200" spc="-1" strike="noStrike">
+              <a:latin typeface="Arial"/>
             </a:endParaRPr>
           </a:p>
           <a:p>
@@ -5188,11 +6637,8 @@
                 <a:spcPts val="641"/>
               </a:spcBef>
             </a:pPr>
-            <a:endParaRPr b="0" lang="ru-RU" sz="3200" spc="-1" strike="noStrike">
-              <a:solidFill>
-                <a:srgbClr val="000000"/>
-              </a:solidFill>
-              <a:latin typeface="Calibri"/>
+            <a:endParaRPr b="0" lang="de-DE" sz="3200" spc="-1" strike="noStrike">
+              <a:latin typeface="Arial"/>
             </a:endParaRPr>
           </a:p>
           <a:p>
@@ -5204,11 +6650,8 @@
                 <a:spcPts val="641"/>
               </a:spcBef>
             </a:pPr>
-            <a:endParaRPr b="0" lang="ru-RU" sz="3200" spc="-1" strike="noStrike">
-              <a:solidFill>
-                <a:srgbClr val="000000"/>
-              </a:solidFill>
-              <a:latin typeface="Calibri"/>
+            <a:endParaRPr b="0" lang="de-DE" sz="3200" spc="-1" strike="noStrike">
+              <a:latin typeface="Arial"/>
             </a:endParaRPr>
           </a:p>
           <a:p>
@@ -5220,25 +6663,41 @@
                 <a:spcPts val="641"/>
               </a:spcBef>
             </a:pPr>
-            <a:endParaRPr b="0" lang="ru-RU" sz="3200" spc="-1" strike="noStrike">
-              <a:solidFill>
-                <a:srgbClr val="000000"/>
-              </a:solidFill>
-              <a:latin typeface="Calibri"/>
+            <a:endParaRPr b="0" lang="de-DE" sz="3200" spc="-1" strike="noStrike">
+              <a:latin typeface="Arial"/>
             </a:endParaRPr>
           </a:p>
         </p:txBody>
       </p:sp>
     </p:spTree>
   </p:cSld>
-  <mc:AlternateContent>
-    <mc:Choice Requires="p14">
-      <p:transition spd="slow" p14:dur="2000"/>
-    </mc:Choice>
-    <mc:Fallback>
-      <p:transition spd="slow"/>
-    </mc:Fallback>
-  </mc:AlternateContent>
+  <p:timing>
+    <p:tnLst>
+      <p:par>
+        <p:cTn id="5" dur="indefinite" restart="never" nodeType="tmRoot">
+          <p:childTnLst>
+            <p:seq>
+              <p:cTn id="6" dur="indefinite" nodeType="mainSeq"/>
+              <p:prevCondLst>
+                <p:cond delay="0" evt="onPrev">
+                  <p:tgtEl>
+                    <p:sldTgt/>
+                  </p:tgtEl>
+                </p:cond>
+              </p:prevCondLst>
+              <p:nextCondLst>
+                <p:cond delay="0" evt="onNext">
+                  <p:tgtEl>
+                    <p:sldTgt/>
+                  </p:tgtEl>
+                </p:cond>
+              </p:nextCondLst>
+            </p:seq>
+          </p:childTnLst>
+        </p:cTn>
+      </p:par>
+    </p:tnLst>
+  </p:timing>
 </p:sld>
 </file>
 
@@ -5261,14 +6720,14 @@
       </p:grpSpPr>
       <p:sp>
         <p:nvSpPr>
-          <p:cNvPr id="90" name="TextShape 1"/>
-          <p:cNvSpPr txBox="1"/>
+          <p:cNvPr id="122" name="CustomShape 1"/>
+          <p:cNvSpPr/>
           <p:nvPr/>
         </p:nvSpPr>
         <p:spPr>
           <a:xfrm>
             <a:off x="457200" y="274680"/>
-            <a:ext cx="8229240" cy="1353960"/>
+            <a:ext cx="8228520" cy="1353240"/>
           </a:xfrm>
           <a:prstGeom prst="rect">
             <a:avLst/>
@@ -5278,8 +6737,14 @@
             <a:noFill/>
           </a:ln>
         </p:spPr>
-        <p:txBody>
-          <a:bodyPr anchor="ctr">
+        <p:style>
+          <a:lnRef idx="0"/>
+          <a:fillRef idx="0"/>
+          <a:effectRef idx="0"/>
+          <a:fontRef idx="minor"/>
+        </p:style>
+        <p:txBody>
+          <a:bodyPr lIns="90000" rIns="90000" tIns="45000" bIns="45000" anchor="ctr">
             <a:normAutofit/>
           </a:bodyPr>
           <a:p>
@@ -5289,43 +6754,42 @@
               </a:lnSpc>
             </a:pPr>
             <a:r>
-              <a:rPr b="1" lang="ru-RU" sz="5400" spc="-1" strike="noStrike">
+              <a:rPr b="1" lang="de-DE" sz="5400" spc="-1" strike="noStrike">
                 <a:solidFill>
                   <a:srgbClr val="000000"/>
                 </a:solidFill>
                 <a:latin typeface="Calibri"/>
+                <a:ea typeface="DejaVu Sans"/>
               </a:rPr>
               <a:t>/*Besonderheiten</a:t>
             </a:r>
             <a:br/>
             <a:r>
-              <a:rPr b="1" lang="ru-RU" sz="3100" spc="599" strike="noStrike">
+              <a:rPr b="1" lang="de-DE" sz="3100" spc="593" strike="noStrike">
                 <a:solidFill>
                   <a:srgbClr val="bfbfbf"/>
                 </a:solidFill>
                 <a:latin typeface="Calibri"/>
+                <a:ea typeface="DejaVu Sans"/>
               </a:rPr>
               <a:t>der Testsuite*/</a:t>
             </a:r>
-            <a:endParaRPr b="0" lang="ru-RU" sz="3100" spc="-1" strike="noStrike">
-              <a:solidFill>
-                <a:srgbClr val="000000"/>
-              </a:solidFill>
-              <a:latin typeface="Calibri"/>
-            </a:endParaRPr>
-          </a:p>
-        </p:txBody>
-      </p:sp>
-      <p:sp>
-        <p:nvSpPr>
-          <p:cNvPr id="91" name="TextShape 2"/>
-          <p:cNvSpPr txBox="1"/>
+            <a:endParaRPr b="0" lang="de-DE" sz="3100" spc="-1" strike="noStrike">
+              <a:latin typeface="Arial"/>
+            </a:endParaRPr>
+          </a:p>
+        </p:txBody>
+      </p:sp>
+      <p:sp>
+        <p:nvSpPr>
+          <p:cNvPr id="123" name="CustomShape 2"/>
+          <p:cNvSpPr/>
           <p:nvPr/>
         </p:nvSpPr>
         <p:spPr>
           <a:xfrm>
             <a:off x="457200" y="1600200"/>
-            <a:ext cx="8229240" cy="4525560"/>
+            <a:ext cx="8228520" cy="4524840"/>
           </a:xfrm>
           <a:prstGeom prst="rect">
             <a:avLst/>
@@ -5335,12 +6799,18 @@
             <a:noFill/>
           </a:ln>
         </p:spPr>
-        <p:txBody>
-          <a:bodyPr>
-            <a:normAutofit fontScale="56000"/>
-          </a:bodyPr>
-          <a:p>
-            <a:pPr marL="343080" indent="-342720">
+        <p:style>
+          <a:lnRef idx="0"/>
+          <a:fillRef idx="0"/>
+          <a:effectRef idx="0"/>
+          <a:fontRef idx="minor"/>
+        </p:style>
+        <p:txBody>
+          <a:bodyPr lIns="90000" rIns="90000" tIns="45000" bIns="45000">
+            <a:normAutofit/>
+          </a:bodyPr>
+          <a:p>
+            <a:pPr marL="343080" indent="-342000">
               <a:lnSpc>
                 <a:spcPct val="150000"/>
               </a:lnSpc>
@@ -5354,50 +6824,51 @@
               <a:buChar char=""/>
             </a:pPr>
             <a:r>
-              <a:rPr b="0" lang="ru-RU" sz="3200" spc="-1" strike="noStrike">
+              <a:rPr b="0" lang="de-DE" sz="3200" spc="-1" strike="noStrike">
                 <a:solidFill>
                   <a:srgbClr val="595959"/>
                 </a:solidFill>
                 <a:latin typeface="Calibri"/>
+                <a:ea typeface="DejaVu Sans"/>
               </a:rPr>
               <a:t> </a:t>
             </a:r>
             <a:r>
-              <a:rPr b="1" lang="ru-RU" sz="3200" spc="-1" strike="noStrike">
+              <a:rPr b="1" lang="de-DE" sz="3200" spc="-1" strike="noStrike">
                 <a:solidFill>
                   <a:srgbClr val="000000"/>
                 </a:solidFill>
                 <a:latin typeface="Calibri"/>
+                <a:ea typeface="DejaVu Sans"/>
               </a:rPr>
               <a:t>Automatisches Erzeugung der zu testenden Dateien </a:t>
             </a:r>
             <a:r>
-              <a:rPr b="0" lang="ru-RU" sz="3200" spc="-1" strike="noStrike">
+              <a:rPr b="0" lang="de-DE" sz="3200" spc="-1" strike="noStrike">
                 <a:solidFill>
                   <a:srgbClr val="595959"/>
                 </a:solidFill>
                 <a:latin typeface="Calibri"/>
+                <a:ea typeface="DejaVu Sans"/>
               </a:rPr>
               <a:t>; </a:t>
             </a:r>
             <a:r>
-              <a:rPr b="0" lang="ru-RU" sz="3200" spc="-1" strike="noStrike">
+              <a:rPr b="0" lang="de-DE" sz="3200" spc="-1" strike="noStrike">
                 <a:solidFill>
                   <a:srgbClr val="a6a6a6"/>
                 </a:solidFill>
                 <a:latin typeface="Calibri"/>
+                <a:ea typeface="DejaVu Sans"/>
               </a:rPr>
               <a:t>//sowohl original als auch modifiziert</a:t>
             </a:r>
-            <a:endParaRPr b="0" lang="ru-RU" sz="3200" spc="-1" strike="noStrike">
-              <a:solidFill>
-                <a:srgbClr val="000000"/>
-              </a:solidFill>
-              <a:latin typeface="Calibri"/>
-            </a:endParaRPr>
-          </a:p>
-          <a:p>
-            <a:pPr marL="343080" indent="-342720">
+            <a:endParaRPr b="0" lang="de-DE" sz="3200" spc="-1" strike="noStrike">
+              <a:latin typeface="Arial"/>
+            </a:endParaRPr>
+          </a:p>
+          <a:p>
+            <a:pPr marL="343080" indent="-342000">
               <a:lnSpc>
                 <a:spcPct val="150000"/>
               </a:lnSpc>
@@ -5411,46 +6882,47 @@
               <a:buChar char=""/>
             </a:pPr>
             <a:r>
-              <a:rPr b="0" lang="ru-RU" sz="2400" spc="-1" strike="noStrike">
+              <a:rPr b="0" lang="de-DE" sz="2400" spc="-1" strike="noStrike">
                 <a:solidFill>
                   <a:srgbClr val="000000"/>
                 </a:solidFill>
                 <a:latin typeface="Calibri"/>
+                <a:ea typeface="DejaVu Sans"/>
               </a:rPr>
               <a:t> </a:t>
             </a:r>
             <a:r>
-              <a:rPr b="1" lang="ru-RU" sz="3200" spc="-1" strike="noStrike">
+              <a:rPr b="1" lang="de-DE" sz="3200" spc="-1" strike="noStrike">
                 <a:solidFill>
                   <a:srgbClr val="000000"/>
                 </a:solidFill>
                 <a:latin typeface="Calibri"/>
+                <a:ea typeface="DejaVu Sans"/>
               </a:rPr>
               <a:t>Kontrolle der Ergebnisse </a:t>
             </a:r>
             <a:r>
-              <a:rPr b="0" lang="ru-RU" sz="3200" spc="-1" strike="noStrike">
+              <a:rPr b="0" lang="de-DE" sz="3200" spc="-1" strike="noStrike">
                 <a:solidFill>
                   <a:srgbClr val="000000"/>
                 </a:solidFill>
                 <a:latin typeface="Calibri"/>
+                <a:ea typeface="DejaVu Sans"/>
               </a:rPr>
               <a:t>; </a:t>
             </a:r>
             <a:r>
-              <a:rPr b="0" lang="ru-RU" sz="3200" spc="-1" strike="noStrike">
+              <a:rPr b="0" lang="de-DE" sz="3200" spc="-1" strike="noStrike">
                 <a:solidFill>
                   <a:srgbClr val="404040"/>
                 </a:solidFill>
                 <a:latin typeface="Calibri"/>
+                <a:ea typeface="DejaVu Sans"/>
               </a:rPr>
               <a:t>/*</a:t>
             </a:r>
-            <a:endParaRPr b="0" lang="ru-RU" sz="3200" spc="-1" strike="noStrike">
-              <a:solidFill>
-                <a:srgbClr val="000000"/>
-              </a:solidFill>
-              <a:latin typeface="Calibri"/>
+            <a:endParaRPr b="0" lang="de-DE" sz="3200" spc="-1" strike="noStrike">
+              <a:latin typeface="Arial"/>
             </a:endParaRPr>
           </a:p>
           <a:p>
@@ -5463,20 +6935,18 @@
               </a:spcBef>
             </a:pPr>
             <a:r>
-              <a:rPr b="0" lang="ru-RU" sz="3100" spc="-1" strike="noStrike" u="sng">
+              <a:rPr b="0" lang="de-DE" sz="3100" spc="-1" strike="noStrike" u="sng">
                 <a:solidFill>
                   <a:srgbClr val="404040"/>
                 </a:solidFill>
                 <a:uFillTx/>
                 <a:latin typeface="Calibri"/>
+                <a:ea typeface="DejaVu Sans"/>
               </a:rPr>
               <a:t>@Gleicher Exitcode</a:t>
             </a:r>
-            <a:endParaRPr b="0" lang="ru-RU" sz="3100" spc="-1" strike="noStrike">
-              <a:solidFill>
-                <a:srgbClr val="000000"/>
-              </a:solidFill>
-              <a:latin typeface="Calibri"/>
+            <a:endParaRPr b="0" lang="de-DE" sz="3100" spc="-1" strike="noStrike">
+              <a:latin typeface="Arial"/>
             </a:endParaRPr>
           </a:p>
           <a:p>
@@ -5489,29 +6959,28 @@
               </a:spcBef>
             </a:pPr>
             <a:r>
-              <a:rPr b="0" lang="ru-RU" sz="3100" spc="-1" strike="noStrike" u="sng">
+              <a:rPr b="0" lang="de-DE" sz="3100" spc="-1" strike="noStrike" u="sng">
                 <a:solidFill>
                   <a:srgbClr val="404040"/>
                 </a:solidFill>
                 <a:uFillTx/>
                 <a:latin typeface="Calibri"/>
+                <a:ea typeface="DejaVu Sans"/>
               </a:rPr>
               <a:t>@Tags semantisch gleich? </a:t>
             </a:r>
             <a:r>
-              <a:rPr b="0" lang="ru-RU" sz="3100" spc="-1" strike="noStrike">
+              <a:rPr b="0" lang="de-DE" sz="3100" spc="-1" strike="noStrike">
                 <a:solidFill>
                   <a:srgbClr val="404040"/>
                 </a:solidFill>
                 <a:latin typeface="Calibri"/>
+                <a:ea typeface="DejaVu Sans"/>
               </a:rPr>
               <a:t>-&gt; Überprüfung der Nodestruktur, ignoriert Reihenfolge</a:t>
             </a:r>
-            <a:endParaRPr b="0" lang="ru-RU" sz="3100" spc="-1" strike="noStrike">
-              <a:solidFill>
-                <a:srgbClr val="000000"/>
-              </a:solidFill>
-              <a:latin typeface="Calibri"/>
+            <a:endParaRPr b="0" lang="de-DE" sz="3100" spc="-1" strike="noStrike">
+              <a:latin typeface="Arial"/>
             </a:endParaRPr>
           </a:p>
           <a:p>
@@ -5524,29 +6993,28 @@
               </a:spcBef>
             </a:pPr>
             <a:r>
-              <a:rPr b="0" lang="ru-RU" sz="3100" spc="-1" strike="noStrike" u="sng">
+              <a:rPr b="0" lang="de-DE" sz="3100" spc="-1" strike="noStrike" u="sng">
                 <a:solidFill>
                   <a:srgbClr val="404040"/>
                 </a:solidFill>
                 <a:uFillTx/>
                 <a:latin typeface="Calibri"/>
+                <a:ea typeface="DejaVu Sans"/>
               </a:rPr>
               <a:t>@gleicher Ausgabepfad  </a:t>
             </a:r>
             <a:r>
-              <a:rPr b="0" lang="ru-RU" sz="3100" spc="-1" strike="noStrike">
+              <a:rPr b="0" lang="de-DE" sz="3100" spc="-1" strike="noStrike">
                 <a:solidFill>
                   <a:srgbClr val="404040"/>
                 </a:solidFill>
                 <a:latin typeface="Calibri"/>
+                <a:ea typeface="DejaVu Sans"/>
               </a:rPr>
               <a:t>(abgesehen von mod vs orig)</a:t>
             </a:r>
-            <a:endParaRPr b="0" lang="ru-RU" sz="3100" spc="-1" strike="noStrike">
-              <a:solidFill>
-                <a:srgbClr val="000000"/>
-              </a:solidFill>
-              <a:latin typeface="Calibri"/>
+            <a:endParaRPr b="0" lang="de-DE" sz="3100" spc="-1" strike="noStrike">
+              <a:latin typeface="Arial"/>
             </a:endParaRPr>
           </a:p>
           <a:p>
@@ -5559,19 +7027,17 @@
               </a:spcBef>
             </a:pPr>
             <a:r>
-              <a:rPr b="0" lang="ru-RU" sz="3100" spc="-1" strike="noStrike">
+              <a:rPr b="0" lang="de-DE" sz="3100" spc="-1" strike="noStrike">
                 <a:solidFill>
                   <a:srgbClr val="404040"/>
                 </a:solidFill>
                 <a:latin typeface="Calibri"/>
+                <a:ea typeface="DejaVu Sans"/>
               </a:rPr>
               <a:t>-&gt; bzw existenz der Ausgabedatei  */</a:t>
             </a:r>
-            <a:endParaRPr b="0" lang="ru-RU" sz="3100" spc="-1" strike="noStrike">
-              <a:solidFill>
-                <a:srgbClr val="000000"/>
-              </a:solidFill>
-              <a:latin typeface="Calibri"/>
+            <a:endParaRPr b="0" lang="de-DE" sz="3100" spc="-1" strike="noStrike">
+              <a:latin typeface="Arial"/>
             </a:endParaRPr>
           </a:p>
           <a:p>
@@ -5583,11 +7049,8 @@
                 <a:spcPts val="641"/>
               </a:spcBef>
             </a:pPr>
-            <a:endParaRPr b="0" lang="ru-RU" sz="3100" spc="-1" strike="noStrike">
-              <a:solidFill>
-                <a:srgbClr val="000000"/>
-              </a:solidFill>
-              <a:latin typeface="Calibri"/>
+            <a:endParaRPr b="0" lang="de-DE" sz="3100" spc="-1" strike="noStrike">
+              <a:latin typeface="Arial"/>
             </a:endParaRPr>
           </a:p>
           <a:p>
@@ -5599,11 +7062,8 @@
                 <a:spcPts val="641"/>
               </a:spcBef>
             </a:pPr>
-            <a:endParaRPr b="0" lang="ru-RU" sz="3100" spc="-1" strike="noStrike">
-              <a:solidFill>
-                <a:srgbClr val="000000"/>
-              </a:solidFill>
-              <a:latin typeface="Calibri"/>
+            <a:endParaRPr b="0" lang="de-DE" sz="3100" spc="-1" strike="noStrike">
+              <a:latin typeface="Arial"/>
             </a:endParaRPr>
           </a:p>
           <a:p>
@@ -5615,11 +7075,8 @@
                 <a:spcPts val="641"/>
               </a:spcBef>
             </a:pPr>
-            <a:endParaRPr b="0" lang="ru-RU" sz="3100" spc="-1" strike="noStrike">
-              <a:solidFill>
-                <a:srgbClr val="000000"/>
-              </a:solidFill>
-              <a:latin typeface="Calibri"/>
+            <a:endParaRPr b="0" lang="de-DE" sz="3100" spc="-1" strike="noStrike">
+              <a:latin typeface="Arial"/>
             </a:endParaRPr>
           </a:p>
           <a:p>
@@ -5631,11 +7088,8 @@
                 <a:spcPts val="641"/>
               </a:spcBef>
             </a:pPr>
-            <a:endParaRPr b="0" lang="ru-RU" sz="3100" spc="-1" strike="noStrike">
-              <a:solidFill>
-                <a:srgbClr val="000000"/>
-              </a:solidFill>
-              <a:latin typeface="Calibri"/>
+            <a:endParaRPr b="0" lang="de-DE" sz="3100" spc="-1" strike="noStrike">
+              <a:latin typeface="Arial"/>
             </a:endParaRPr>
           </a:p>
           <a:p>
@@ -5647,11 +7101,8 @@
                 <a:spcPts val="641"/>
               </a:spcBef>
             </a:pPr>
-            <a:endParaRPr b="0" lang="ru-RU" sz="3100" spc="-1" strike="noStrike">
-              <a:solidFill>
-                <a:srgbClr val="000000"/>
-              </a:solidFill>
-              <a:latin typeface="Calibri"/>
+            <a:endParaRPr b="0" lang="de-DE" sz="3100" spc="-1" strike="noStrike">
+              <a:latin typeface="Arial"/>
             </a:endParaRPr>
           </a:p>
           <a:p>
@@ -5663,25 +7114,41 @@
                 <a:spcPts val="641"/>
               </a:spcBef>
             </a:pPr>
-            <a:endParaRPr b="0" lang="ru-RU" sz="3100" spc="-1" strike="noStrike">
-              <a:solidFill>
-                <a:srgbClr val="000000"/>
-              </a:solidFill>
-              <a:latin typeface="Calibri"/>
+            <a:endParaRPr b="0" lang="de-DE" sz="3100" spc="-1" strike="noStrike">
+              <a:latin typeface="Arial"/>
             </a:endParaRPr>
           </a:p>
         </p:txBody>
       </p:sp>
     </p:spTree>
   </p:cSld>
-  <mc:AlternateContent>
-    <mc:Choice Requires="p14">
-      <p:transition spd="slow" p14:dur="2000"/>
-    </mc:Choice>
-    <mc:Fallback>
-      <p:transition spd="slow"/>
-    </mc:Fallback>
-  </mc:AlternateContent>
+  <p:timing>
+    <p:tnLst>
+      <p:par>
+        <p:cTn id="7" dur="indefinite" restart="never" nodeType="tmRoot">
+          <p:childTnLst>
+            <p:seq>
+              <p:cTn id="8" dur="indefinite" nodeType="mainSeq"/>
+              <p:prevCondLst>
+                <p:cond delay="0" evt="onPrev">
+                  <p:tgtEl>
+                    <p:sldTgt/>
+                  </p:tgtEl>
+                </p:cond>
+              </p:prevCondLst>
+              <p:nextCondLst>
+                <p:cond delay="0" evt="onNext">
+                  <p:tgtEl>
+                    <p:sldTgt/>
+                  </p:tgtEl>
+                </p:cond>
+              </p:nextCondLst>
+            </p:seq>
+          </p:childTnLst>
+        </p:cTn>
+      </p:par>
+    </p:tnLst>
+  </p:timing>
 </p:sld>
 </file>
 
@@ -5704,7 +7171,7 @@
       </p:grpSpPr>
       <p:pic>
         <p:nvPicPr>
-          <p:cNvPr id="92" name="Picture 2" descr=""/>
+          <p:cNvPr id="124" name="Picture 2" descr=""/>
           <p:cNvPicPr/>
           <p:nvPr/>
         </p:nvPicPr>
@@ -5715,7 +7182,7 @@
         <p:spPr>
           <a:xfrm>
             <a:off x="152640" y="332640"/>
-            <a:ext cx="8811360" cy="5976360"/>
+            <a:ext cx="8810640" cy="5975640"/>
           </a:xfrm>
           <a:prstGeom prst="rect">
             <a:avLst/>
@@ -5727,14 +7194,14 @@
       </p:pic>
       <p:sp>
         <p:nvSpPr>
-          <p:cNvPr id="93" name="TextShape 1"/>
-          <p:cNvSpPr txBox="1"/>
+          <p:cNvPr id="125" name="CustomShape 1"/>
+          <p:cNvSpPr/>
           <p:nvPr/>
         </p:nvSpPr>
         <p:spPr>
           <a:xfrm>
             <a:off x="1979640" y="1124640"/>
-            <a:ext cx="7488360" cy="2952000"/>
+            <a:ext cx="7487640" cy="2951280"/>
           </a:xfrm>
           <a:prstGeom prst="rect">
             <a:avLst/>
@@ -5744,8 +7211,14 @@
             <a:noFill/>
           </a:ln>
         </p:spPr>
-        <p:txBody>
-          <a:bodyPr anchor="ctr">
+        <p:style>
+          <a:lnRef idx="0"/>
+          <a:fillRef idx="0"/>
+          <a:effectRef idx="0"/>
+          <a:fontRef idx="minor"/>
+        </p:style>
+        <p:txBody>
+          <a:bodyPr lIns="90000" rIns="90000" tIns="45000" bIns="45000" anchor="ctr">
             <a:normAutofit/>
           </a:bodyPr>
           <a:p>
@@ -5755,33 +7228,50 @@
               </a:lnSpc>
             </a:pPr>
             <a:r>
-              <a:rPr b="1" lang="ru-RU" sz="3200" spc="599" strike="noStrike">
+              <a:rPr b="1" lang="de-DE" sz="3200" spc="593" strike="noStrike">
                 <a:solidFill>
                   <a:srgbClr val="404040"/>
                 </a:solidFill>
                 <a:latin typeface="Calibri"/>
+                <a:ea typeface="DejaVu Sans"/>
               </a:rPr>
               <a:t>&lt;!-- Gefundene Fehler --&gt;</a:t>
             </a:r>
-            <a:endParaRPr b="0" lang="ru-RU" sz="3200" spc="-1" strike="noStrike">
-              <a:solidFill>
-                <a:srgbClr val="000000"/>
-              </a:solidFill>
-              <a:latin typeface="Calibri"/>
+            <a:endParaRPr b="0" lang="de-DE" sz="3200" spc="-1" strike="noStrike">
+              <a:latin typeface="Arial"/>
             </a:endParaRPr>
           </a:p>
         </p:txBody>
       </p:sp>
     </p:spTree>
   </p:cSld>
-  <mc:AlternateContent>
-    <mc:Choice Requires="p14">
-      <p:transition spd="slow" p14:dur="2000"/>
-    </mc:Choice>
-    <mc:Fallback>
-      <p:transition spd="slow"/>
-    </mc:Fallback>
-  </mc:AlternateContent>
+  <p:timing>
+    <p:tnLst>
+      <p:par>
+        <p:cTn id="9" dur="indefinite" restart="never" nodeType="tmRoot">
+          <p:childTnLst>
+            <p:seq>
+              <p:cTn id="10" dur="indefinite" nodeType="mainSeq"/>
+              <p:prevCondLst>
+                <p:cond delay="0" evt="onPrev">
+                  <p:tgtEl>
+                    <p:sldTgt/>
+                  </p:tgtEl>
+                </p:cond>
+              </p:prevCondLst>
+              <p:nextCondLst>
+                <p:cond delay="0" evt="onNext">
+                  <p:tgtEl>
+                    <p:sldTgt/>
+                  </p:tgtEl>
+                </p:cond>
+              </p:nextCondLst>
+            </p:seq>
+          </p:childTnLst>
+        </p:cTn>
+      </p:par>
+    </p:tnLst>
+  </p:timing>
 </p:sld>
 </file>
 
@@ -5804,14 +7294,14 @@
       </p:grpSpPr>
       <p:sp>
         <p:nvSpPr>
-          <p:cNvPr id="94" name="TextShape 1"/>
-          <p:cNvSpPr txBox="1"/>
+          <p:cNvPr id="126" name="CustomShape 1"/>
+          <p:cNvSpPr/>
           <p:nvPr/>
         </p:nvSpPr>
         <p:spPr>
           <a:xfrm>
             <a:off x="457200" y="274680"/>
-            <a:ext cx="8229240" cy="1142640"/>
+            <a:ext cx="8228520" cy="1141920"/>
           </a:xfrm>
           <a:prstGeom prst="rect">
             <a:avLst/>
@@ -5821,8 +7311,14 @@
             <a:noFill/>
           </a:ln>
         </p:spPr>
-        <p:txBody>
-          <a:bodyPr anchor="ctr">
+        <p:style>
+          <a:lnRef idx="0"/>
+          <a:fillRef idx="0"/>
+          <a:effectRef idx="0"/>
+          <a:fontRef idx="minor"/>
+        </p:style>
+        <p:txBody>
+          <a:bodyPr lIns="90000" rIns="90000" tIns="45000" bIns="45000" anchor="ctr">
             <a:normAutofit/>
           </a:bodyPr>
           <a:p>
@@ -5832,33 +7328,31 @@
               </a:lnSpc>
             </a:pPr>
             <a:r>
-              <a:rPr b="0" lang="ru-RU" sz="5400" spc="-1" strike="noStrike">
+              <a:rPr b="0" lang="de-DE" sz="5400" spc="-1" strike="noStrike">
                 <a:solidFill>
                   <a:srgbClr val="ff0000"/>
                 </a:solidFill>
                 <a:latin typeface="Calibri"/>
+                <a:ea typeface="DejaVu Sans"/>
               </a:rPr>
               <a:t>&lt;!-- Fehler --&gt;</a:t>
             </a:r>
-            <a:endParaRPr b="0" lang="ru-RU" sz="5400" spc="-1" strike="noStrike">
-              <a:solidFill>
-                <a:srgbClr val="000000"/>
-              </a:solidFill>
-              <a:latin typeface="Calibri"/>
-            </a:endParaRPr>
-          </a:p>
-        </p:txBody>
-      </p:sp>
-      <p:sp>
-        <p:nvSpPr>
-          <p:cNvPr id="95" name="TextShape 2"/>
-          <p:cNvSpPr txBox="1"/>
+            <a:endParaRPr b="0" lang="de-DE" sz="5400" spc="-1" strike="noStrike">
+              <a:latin typeface="Arial"/>
+            </a:endParaRPr>
+          </a:p>
+        </p:txBody>
+      </p:sp>
+      <p:sp>
+        <p:nvSpPr>
+          <p:cNvPr id="127" name="CustomShape 2"/>
+          <p:cNvSpPr/>
           <p:nvPr/>
         </p:nvSpPr>
         <p:spPr>
           <a:xfrm>
             <a:off x="457200" y="1600200"/>
-            <a:ext cx="8229240" cy="4525560"/>
+            <a:ext cx="8228520" cy="4524840"/>
           </a:xfrm>
           <a:prstGeom prst="rect">
             <a:avLst/>
@@ -5868,12 +7362,16 @@
             <a:noFill/>
           </a:ln>
         </p:spPr>
-        <p:txBody>
-          <a:bodyPr>
-            <a:noAutofit/>
-          </a:bodyPr>
-          <a:p>
-            <a:pPr marL="343080" indent="-342720">
+        <p:style>
+          <a:lnRef idx="0"/>
+          <a:fillRef idx="0"/>
+          <a:effectRef idx="0"/>
+          <a:fontRef idx="minor"/>
+        </p:style>
+        <p:txBody>
+          <a:bodyPr lIns="90000" rIns="90000" tIns="45000" bIns="45000"/>
+          <a:p>
+            <a:pPr marL="343080" indent="-342000">
               <a:lnSpc>
                 <a:spcPct val="100000"/>
               </a:lnSpc>
@@ -5887,37 +7385,37 @@
               <a:buChar char="o"/>
             </a:pPr>
             <a:r>
-              <a:rPr b="0" lang="ru-RU" sz="3200" spc="-1" strike="noStrike">
+              <a:rPr b="0" lang="de-DE" sz="2800" spc="-1" strike="noStrike">
                 <a:solidFill>
                   <a:srgbClr val="000000"/>
                 </a:solidFill>
                 <a:latin typeface="Calibri"/>
+                <a:ea typeface="DejaVu Sans"/>
               </a:rPr>
               <a:t>mit </a:t>
             </a:r>
             <a:r>
-              <a:rPr b="1" lang="ru-RU" sz="3200" spc="-1" strike="noStrike">
+              <a:rPr b="1" lang="de-DE" sz="2800" spc="-1" strike="noStrike">
                 <a:solidFill>
                   <a:srgbClr val="254061"/>
                 </a:solidFill>
                 <a:latin typeface="Calibri"/>
+                <a:ea typeface="DejaVu Sans"/>
               </a:rPr>
               <a:t>-o</a:t>
             </a:r>
             <a:r>
-              <a:rPr b="0" lang="ru-RU" sz="3200" spc="-1" strike="noStrike">
+              <a:rPr b="0" lang="de-DE" sz="2800" spc="-1" strike="noStrike">
                 <a:solidFill>
                   <a:srgbClr val="000000"/>
                 </a:solidFill>
                 <a:latin typeface="Calibri"/>
+                <a:ea typeface="DejaVu Sans"/>
               </a:rPr>
               <a:t> wird falscher Ausgabedateiname geschrieben, Beispiele:</a:t>
             </a:r>
-            <a:endParaRPr b="0" lang="ru-RU" sz="3200" spc="-1" strike="noStrike">
-              <a:solidFill>
-                <a:srgbClr val="000000"/>
-              </a:solidFill>
-              <a:latin typeface="Calibri"/>
+            <a:endParaRPr b="0" lang="de-DE" sz="2800" spc="-1" strike="noStrike">
+              <a:latin typeface="Arial"/>
             </a:endParaRPr>
           </a:p>
           <a:p>
@@ -5930,28 +7428,27 @@
               </a:spcBef>
             </a:pPr>
             <a:r>
-              <a:rPr b="0" lang="ru-RU" sz="3200" spc="-1" strike="noStrike">
+              <a:rPr b="0" lang="de-DE" sz="2800" spc="-1" strike="noStrike">
                 <a:solidFill>
                   <a:srgbClr val="000000"/>
                 </a:solidFill>
                 <a:latin typeface="Calibri"/>
+                <a:ea typeface="DejaVu Sans"/>
               </a:rPr>
               <a:t>   </a:t>
             </a:r>
             <a:r>
-              <a:rPr b="0" lang="ru-RU" sz="3200" spc="-1" strike="noStrike">
+              <a:rPr b="0" lang="de-DE" sz="2800" spc="-1" strike="noStrike">
                 <a:solidFill>
                   <a:srgbClr val="595959"/>
                 </a:solidFill>
                 <a:latin typeface="Calibri"/>
+                <a:ea typeface="DejaVu Sans"/>
               </a:rPr>
               <a:t>* test.eins.zwei.wsdl -&gt; test_impl.wsdl</a:t>
             </a:r>
-            <a:endParaRPr b="0" lang="ru-RU" sz="3200" spc="-1" strike="noStrike">
-              <a:solidFill>
-                <a:srgbClr val="000000"/>
-              </a:solidFill>
-              <a:latin typeface="Calibri"/>
+            <a:endParaRPr b="0" lang="de-DE" sz="2800" spc="-1" strike="noStrike">
+              <a:latin typeface="Arial"/>
             </a:endParaRPr>
           </a:p>
           <a:p>
@@ -5964,28 +7461,27 @@
               </a:spcBef>
             </a:pPr>
             <a:r>
-              <a:rPr b="0" lang="ru-RU" sz="3200" spc="-1" strike="noStrike">
+              <a:rPr b="0" lang="de-DE" sz="2800" spc="-1" strike="noStrike">
                 <a:solidFill>
                   <a:srgbClr val="595959"/>
                 </a:solidFill>
                 <a:latin typeface="Calibri"/>
+                <a:ea typeface="DejaVu Sans"/>
               </a:rPr>
               <a:t>   </a:t>
             </a:r>
             <a:r>
-              <a:rPr b="0" lang="ru-RU" sz="3200" spc="-1" strike="noStrike">
+              <a:rPr b="0" lang="de-DE" sz="2800" spc="-1" strike="noStrike">
                 <a:solidFill>
                   <a:srgbClr val="595959"/>
                 </a:solidFill>
                 <a:latin typeface="Calibri"/>
+                <a:ea typeface="DejaVu Sans"/>
               </a:rPr>
               <a:t>* test.wsdl -&gt; test_impl.wsdl</a:t>
             </a:r>
-            <a:endParaRPr b="0" lang="ru-RU" sz="3200" spc="-1" strike="noStrike">
-              <a:solidFill>
-                <a:srgbClr val="000000"/>
-              </a:solidFill>
-              <a:latin typeface="Calibri"/>
+            <a:endParaRPr b="0" lang="de-DE" sz="2800" spc="-1" strike="noStrike">
+              <a:latin typeface="Arial"/>
             </a:endParaRPr>
           </a:p>
           <a:p>
@@ -5998,7 +7494,7 @@
               </a:spcBef>
             </a:pPr>
             <a:r>
-              <a:rPr b="0" lang="ru-RU" sz="3200" spc="-1" strike="noStrike">
+              <a:rPr b="0" lang="de-DE" sz="2800" spc="-1" strike="noStrike">
                 <a:solidFill>
                   <a:srgbClr val="595959"/>
                 </a:solidFill>
@@ -6008,7 +7504,7 @@
               <a:t>   </a:t>
             </a:r>
             <a:r>
-              <a:rPr b="0" lang="ru-RU" sz="3200" spc="-1" strike="noStrike">
+              <a:rPr b="0" lang="de-DE" sz="2800" spc="-1" strike="noStrike">
                 <a:solidFill>
                   <a:srgbClr val="595959"/>
                 </a:solidFill>
@@ -6019,7 +7515,7 @@
             </a:r>
             <a:br/>
             <a:r>
-              <a:rPr b="0" lang="ru-RU" sz="3200" spc="-1" strike="noStrike">
+              <a:rPr b="0" lang="de-DE" sz="2800" spc="-1" strike="noStrike">
                 <a:solidFill>
                   <a:srgbClr val="595959"/>
                 </a:solidFill>
@@ -6029,41 +7525,41 @@
               <a:t>	</a:t>
             </a:r>
             <a:r>
-              <a:rPr b="0" lang="ru-RU" sz="3200" spc="-1" strike="noStrike">
+              <a:rPr b="0" lang="de-DE" sz="2800" spc="-1" strike="noStrike">
                 <a:solidFill>
                   <a:srgbClr val="a6a6a6"/>
                 </a:solidFill>
                 <a:latin typeface="Calibri"/>
+                <a:ea typeface="Microsoft YaHei"/>
               </a:rPr>
               <a:t>//aber korrekt für </a:t>
             </a:r>
             <a:r>
-              <a:rPr b="0" lang="ru-RU" sz="3200" spc="-1" strike="noStrike">
+              <a:rPr b="0" lang="de-DE" sz="2800" spc="-1" strike="noStrike">
                 <a:solidFill>
                   <a:srgbClr val="558ed5"/>
                 </a:solidFill>
                 <a:latin typeface="Calibri"/>
+                <a:ea typeface="Microsoft YaHei"/>
               </a:rPr>
               <a:t>-O</a:t>
             </a:r>
             <a:r>
-              <a:rPr b="0" lang="ru-RU" sz="3200" spc="-1" strike="noStrike">
+              <a:rPr b="0" lang="de-DE" sz="2800" spc="-1" strike="noStrike">
                 <a:solidFill>
                   <a:srgbClr val="000000"/>
                 </a:solidFill>
                 <a:latin typeface="Calibri"/>
+                <a:ea typeface="Microsoft YaHei"/>
               </a:rPr>
               <a:t>  </a:t>
             </a:r>
-            <a:endParaRPr b="0" lang="ru-RU" sz="3200" spc="-1" strike="noStrike">
-              <a:solidFill>
-                <a:srgbClr val="000000"/>
-              </a:solidFill>
-              <a:latin typeface="Calibri"/>
-            </a:endParaRPr>
-          </a:p>
-          <a:p>
-            <a:pPr marL="343080" indent="-342720">
+            <a:endParaRPr b="0" lang="de-DE" sz="2800" spc="-1" strike="noStrike">
+              <a:latin typeface="Arial"/>
+            </a:endParaRPr>
+          </a:p>
+          <a:p>
+            <a:pPr marL="343080" indent="-342000">
               <a:lnSpc>
                 <a:spcPct val="100000"/>
               </a:lnSpc>
@@ -6077,51 +7573,70 @@
               <a:buChar char="o"/>
             </a:pPr>
             <a:r>
-              <a:rPr b="0" lang="ru-RU" sz="3200" spc="-1" strike="noStrike">
+              <a:rPr b="0" lang="de-DE" sz="2800" spc="-1" strike="noStrike">
                 <a:solidFill>
                   <a:srgbClr val="000000"/>
                 </a:solidFill>
                 <a:latin typeface="Calibri"/>
+                <a:ea typeface="Microsoft YaHei"/>
               </a:rPr>
               <a:t>ohne </a:t>
             </a:r>
             <a:r>
-              <a:rPr b="1" lang="ru-RU" sz="3200" spc="-1" strike="noStrike">
+              <a:rPr b="1" lang="de-DE" sz="2800" spc="-1" strike="noStrike">
                 <a:solidFill>
                   <a:srgbClr val="10243e"/>
                 </a:solidFill>
                 <a:latin typeface="Calibri"/>
+                <a:ea typeface="Microsoft YaHei"/>
               </a:rPr>
               <a:t>-o</a:t>
             </a:r>
             <a:r>
-              <a:rPr b="0" lang="ru-RU" sz="3200" spc="-1" strike="noStrike">
+              <a:rPr b="0" lang="de-DE" sz="2800" spc="-1" strike="noStrike">
                 <a:solidFill>
                   <a:srgbClr val="000000"/>
                 </a:solidFill>
                 <a:latin typeface="Calibri"/>
+                <a:ea typeface="Microsoft YaHei"/>
               </a:rPr>
               <a:t>  -&gt; wirft das Programm eine NullPointerException </a:t>
             </a:r>
-            <a:endParaRPr b="0" lang="ru-RU" sz="3200" spc="-1" strike="noStrike">
-              <a:solidFill>
-                <a:srgbClr val="000000"/>
-              </a:solidFill>
-              <a:latin typeface="Calibri"/>
+            <a:endParaRPr b="0" lang="de-DE" sz="2800" spc="-1" strike="noStrike">
+              <a:latin typeface="Arial"/>
             </a:endParaRPr>
           </a:p>
         </p:txBody>
       </p:sp>
     </p:spTree>
   </p:cSld>
-  <mc:AlternateContent>
-    <mc:Choice Requires="p14">
-      <p:transition spd="slow" p14:dur="2000"/>
-    </mc:Choice>
-    <mc:Fallback>
-      <p:transition spd="slow"/>
-    </mc:Fallback>
-  </mc:AlternateContent>
+  <p:timing>
+    <p:tnLst>
+      <p:par>
+        <p:cTn id="11" dur="indefinite" restart="never" nodeType="tmRoot">
+          <p:childTnLst>
+            <p:seq>
+              <p:cTn id="12" dur="indefinite" nodeType="mainSeq"/>
+              <p:prevCondLst>
+                <p:cond delay="0" evt="onPrev">
+                  <p:tgtEl>
+                    <p:sldTgt/>
+                  </p:tgtEl>
+                </p:cond>
+              </p:prevCondLst>
+              <p:nextCondLst>
+                <p:cond delay="0" evt="onNext">
+                  <p:tgtEl>
+                    <p:sldTgt/>
+                  </p:tgtEl>
+                </p:cond>
+              </p:nextCondLst>
+            </p:seq>
+          </p:childTnLst>
+        </p:cTn>
+      </p:par>
+    </p:tnLst>
+  </p:timing>
 </p:sld>
 </file>
 
@@ -6144,14 +7659,14 @@
       </p:grpSpPr>
       <p:sp>
         <p:nvSpPr>
-          <p:cNvPr id="96" name="TextShape 1"/>
-          <p:cNvSpPr txBox="1"/>
+          <p:cNvPr id="128" name="CustomShape 1"/>
+          <p:cNvSpPr/>
           <p:nvPr/>
         </p:nvSpPr>
         <p:spPr>
           <a:xfrm>
             <a:off x="457200" y="116640"/>
-            <a:ext cx="8229240" cy="1151640"/>
+            <a:ext cx="8228520" cy="1150920"/>
           </a:xfrm>
           <a:prstGeom prst="rect">
             <a:avLst/>
@@ -6161,8 +7676,14 @@
             <a:noFill/>
           </a:ln>
         </p:spPr>
-        <p:txBody>
-          <a:bodyPr anchor="ctr">
+        <p:style>
+          <a:lnRef idx="0"/>
+          <a:fillRef idx="0"/>
+          <a:effectRef idx="0"/>
+          <a:fontRef idx="minor"/>
+        </p:style>
+        <p:txBody>
+          <a:bodyPr lIns="90000" rIns="90000" tIns="45000" bIns="45000" anchor="ctr">
             <a:normAutofit/>
           </a:bodyPr>
           <a:p>
@@ -6172,33 +7693,31 @@
               </a:lnSpc>
             </a:pPr>
             <a:r>
-              <a:rPr b="0" lang="ru-RU" sz="5400" spc="-1" strike="noStrike">
+              <a:rPr b="0" lang="de-DE" sz="5400" spc="-1" strike="noStrike">
                 <a:solidFill>
                   <a:srgbClr val="ff0000"/>
                 </a:solidFill>
                 <a:latin typeface="Calibri"/>
+                <a:ea typeface="DejaVu Sans"/>
               </a:rPr>
               <a:t>&lt;!-- Fehler --&gt;</a:t>
             </a:r>
-            <a:endParaRPr b="0" lang="ru-RU" sz="5400" spc="-1" strike="noStrike">
-              <a:solidFill>
-                <a:srgbClr val="000000"/>
-              </a:solidFill>
-              <a:latin typeface="Calibri"/>
-            </a:endParaRPr>
-          </a:p>
-        </p:txBody>
-      </p:sp>
-      <p:sp>
-        <p:nvSpPr>
-          <p:cNvPr id="97" name="TextShape 2"/>
-          <p:cNvSpPr txBox="1"/>
+            <a:endParaRPr b="0" lang="de-DE" sz="5400" spc="-1" strike="noStrike">
+              <a:latin typeface="Arial"/>
+            </a:endParaRPr>
+          </a:p>
+        </p:txBody>
+      </p:sp>
+      <p:sp>
+        <p:nvSpPr>
+          <p:cNvPr id="129" name="CustomShape 2"/>
+          <p:cNvSpPr/>
           <p:nvPr/>
         </p:nvSpPr>
         <p:spPr>
           <a:xfrm>
             <a:off x="467640" y="1340640"/>
-            <a:ext cx="8229240" cy="1324440"/>
+            <a:ext cx="8228520" cy="1323720"/>
           </a:xfrm>
           <a:prstGeom prst="rect">
             <a:avLst/>
@@ -6208,12 +7727,18 @@
             <a:noFill/>
           </a:ln>
         </p:spPr>
-        <p:txBody>
-          <a:bodyPr>
-            <a:normAutofit/>
-          </a:bodyPr>
-          <a:p>
-            <a:pPr marL="343080" indent="-342720">
+        <p:style>
+          <a:lnRef idx="0"/>
+          <a:fillRef idx="0"/>
+          <a:effectRef idx="0"/>
+          <a:fontRef idx="minor"/>
+        </p:style>
+        <p:txBody>
+          <a:bodyPr lIns="90000" rIns="90000" tIns="45000" bIns="45000">
+            <a:normAutofit/>
+          </a:bodyPr>
+          <a:p>
+            <a:pPr marL="343080" indent="-342000">
               <a:lnSpc>
                 <a:spcPct val="100000"/>
               </a:lnSpc>
@@ -6227,37 +7752,37 @@
               <a:buChar char="o"/>
             </a:pPr>
             <a:r>
-              <a:rPr b="0" lang="ru-RU" sz="3200" spc="-1" strike="noStrike">
+              <a:rPr b="0" lang="de-DE" sz="3200" spc="-1" strike="noStrike">
                 <a:solidFill>
                   <a:srgbClr val="000000"/>
                 </a:solidFill>
                 <a:latin typeface="Calibri"/>
+                <a:ea typeface="DejaVu Sans"/>
               </a:rPr>
               <a:t>Teil der .wsdl Datei fehlt z.B. bei </a:t>
             </a:r>
             <a:r>
-              <a:rPr b="0" lang="ru-RU" sz="3200" spc="-1" strike="noStrike">
+              <a:rPr b="0" lang="de-DE" sz="3200" spc="-1" strike="noStrike">
                 <a:solidFill>
                   <a:srgbClr val="558ed5"/>
                 </a:solidFill>
                 <a:latin typeface="Calibri"/>
+                <a:ea typeface="DejaVu Sans"/>
               </a:rPr>
               <a:t>–o</a:t>
             </a:r>
             <a:r>
-              <a:rPr b="0" lang="ru-RU" sz="3200" spc="-1" strike="noStrike">
+              <a:rPr b="0" lang="de-DE" sz="3200" spc="-1" strike="noStrike">
                 <a:solidFill>
                   <a:srgbClr val="000000"/>
                 </a:solidFill>
                 <a:latin typeface="Calibri"/>
+                <a:ea typeface="DejaVu Sans"/>
               </a:rPr>
               <a:t> :</a:t>
             </a:r>
-            <a:endParaRPr b="0" lang="ru-RU" sz="3200" spc="-1" strike="noStrike">
-              <a:solidFill>
-                <a:srgbClr val="000000"/>
-              </a:solidFill>
-              <a:latin typeface="Calibri"/>
+            <a:endParaRPr b="0" lang="de-DE" sz="3200" spc="-1" strike="noStrike">
+              <a:latin typeface="Arial"/>
             </a:endParaRPr>
           </a:p>
           <a:p>
@@ -6270,26 +7795,24 @@
               </a:spcBef>
             </a:pPr>
             <a:r>
-              <a:rPr b="0" lang="ru-RU" sz="2000" spc="299" strike="noStrike">
+              <a:rPr b="0" lang="de-DE" sz="2000" spc="293" strike="noStrike">
                 <a:solidFill>
                   <a:srgbClr val="808080"/>
                 </a:solidFill>
                 <a:latin typeface="Calibri"/>
+                <a:ea typeface="DejaVu Sans"/>
               </a:rPr>
               <a:t>/* 146 Zeilen in calculator_orig.wsdl und 127 Zeilen in calculator_mod_impl.wsdl */</a:t>
             </a:r>
-            <a:endParaRPr b="0" lang="ru-RU" sz="2000" spc="-1" strike="noStrike">
-              <a:solidFill>
-                <a:srgbClr val="000000"/>
-              </a:solidFill>
-              <a:latin typeface="Calibri"/>
+            <a:endParaRPr b="0" lang="de-DE" sz="2000" spc="-1" strike="noStrike">
+              <a:latin typeface="Arial"/>
             </a:endParaRPr>
           </a:p>
         </p:txBody>
       </p:sp>
       <p:pic>
         <p:nvPicPr>
-          <p:cNvPr id="98" name="Picture 2" descr=""/>
+          <p:cNvPr id="130" name="Picture 2" descr=""/>
           <p:cNvPicPr/>
           <p:nvPr/>
         </p:nvPicPr>
@@ -6300,7 +7823,7 @@
         <p:spPr>
           <a:xfrm>
             <a:off x="423000" y="2668320"/>
-            <a:ext cx="8253000" cy="3640680"/>
+            <a:ext cx="8252280" cy="3639960"/>
           </a:xfrm>
           <a:prstGeom prst="rect">
             <a:avLst/>
@@ -6312,14 +7835,33 @@
       </p:pic>
     </p:spTree>
   </p:cSld>
-  <mc:AlternateContent>
-    <mc:Choice Requires="p14">
-      <p:transition spd="slow" p14:dur="2000"/>
-    </mc:Choice>
-    <mc:Fallback>
-      <p:transition spd="slow"/>
-    </mc:Fallback>
-  </mc:AlternateContent>
+  <p:timing>
+    <p:tnLst>
+      <p:par>
+        <p:cTn id="13" dur="indefinite" restart="never" nodeType="tmRoot">
+          <p:childTnLst>
+            <p:seq>
+              <p:cTn id="14" dur="indefinite" nodeType="mainSeq"/>
+              <p:prevCondLst>
+                <p:cond delay="0" evt="onPrev">
+                  <p:tgtEl>
+                    <p:sldTgt/>
+                  </p:tgtEl>
+                </p:cond>
+              </p:prevCondLst>
+              <p:nextCondLst>
+                <p:cond delay="0" evt="onNext">
+                  <p:tgtEl>
+                    <p:sldTgt/>
+                  </p:tgtEl>
+                </p:cond>
+              </p:nextCondLst>
+            </p:seq>
+          </p:childTnLst>
+        </p:cTn>
+      </p:par>
+    </p:tnLst>
+  </p:timing>
 </p:sld>
 </file>
 
@@ -6342,14 +7884,14 @@
       </p:grpSpPr>
       <p:sp>
         <p:nvSpPr>
-          <p:cNvPr id="99" name="TextShape 1"/>
-          <p:cNvSpPr txBox="1"/>
+          <p:cNvPr id="131" name="CustomShape 1"/>
+          <p:cNvSpPr/>
           <p:nvPr/>
         </p:nvSpPr>
         <p:spPr>
           <a:xfrm>
             <a:off x="457200" y="116640"/>
-            <a:ext cx="8229240" cy="1151640"/>
+            <a:ext cx="8228520" cy="1150920"/>
           </a:xfrm>
           <a:prstGeom prst="rect">
             <a:avLst/>
@@ -6359,8 +7901,14 @@
             <a:noFill/>
           </a:ln>
         </p:spPr>
-        <p:txBody>
-          <a:bodyPr anchor="ctr">
+        <p:style>
+          <a:lnRef idx="0"/>
+          <a:fillRef idx="0"/>
+          <a:effectRef idx="0"/>
+          <a:fontRef idx="minor"/>
+        </p:style>
+        <p:txBody>
+          <a:bodyPr lIns="90000" rIns="90000" tIns="45000" bIns="45000" anchor="ctr">
             <a:normAutofit/>
           </a:bodyPr>
           <a:p>
@@ -6370,33 +7918,31 @@
               </a:lnSpc>
             </a:pPr>
             <a:r>
-              <a:rPr b="0" lang="ru-RU" sz="5400" spc="-1" strike="noStrike">
+              <a:rPr b="0" lang="de-DE" sz="5400" spc="-1" strike="noStrike">
                 <a:solidFill>
                   <a:srgbClr val="ff0000"/>
                 </a:solidFill>
                 <a:latin typeface="Calibri"/>
+                <a:ea typeface="DejaVu Sans"/>
               </a:rPr>
               <a:t>&lt;!-- Fehler --&gt;</a:t>
             </a:r>
-            <a:endParaRPr b="0" lang="ru-RU" sz="5400" spc="-1" strike="noStrike">
-              <a:solidFill>
-                <a:srgbClr val="000000"/>
-              </a:solidFill>
-              <a:latin typeface="Calibri"/>
-            </a:endParaRPr>
-          </a:p>
-        </p:txBody>
-      </p:sp>
-      <p:sp>
-        <p:nvSpPr>
-          <p:cNvPr id="100" name="TextShape 2"/>
-          <p:cNvSpPr txBox="1"/>
+            <a:endParaRPr b="0" lang="de-DE" sz="5400" spc="-1" strike="noStrike">
+              <a:latin typeface="Arial"/>
+            </a:endParaRPr>
+          </a:p>
+        </p:txBody>
+      </p:sp>
+      <p:sp>
+        <p:nvSpPr>
+          <p:cNvPr id="132" name="CustomShape 2"/>
+          <p:cNvSpPr/>
           <p:nvPr/>
         </p:nvSpPr>
         <p:spPr>
           <a:xfrm>
             <a:off x="467640" y="1340640"/>
-            <a:ext cx="8424720" cy="5112360"/>
+            <a:ext cx="8424000" cy="5111640"/>
           </a:xfrm>
           <a:prstGeom prst="rect">
             <a:avLst/>
@@ -6406,12 +7952,18 @@
             <a:noFill/>
           </a:ln>
         </p:spPr>
-        <p:txBody>
-          <a:bodyPr>
-            <a:normAutofit/>
-          </a:bodyPr>
-          <a:p>
-            <a:pPr marL="343080" indent="-342720">
+        <p:style>
+          <a:lnRef idx="0"/>
+          <a:fillRef idx="0"/>
+          <a:effectRef idx="0"/>
+          <a:fontRef idx="minor"/>
+        </p:style>
+        <p:txBody>
+          <a:bodyPr lIns="90000" rIns="90000" tIns="45000" bIns="45000">
+            <a:normAutofit/>
+          </a:bodyPr>
+          <a:p>
+            <a:pPr marL="343080" indent="-342000">
               <a:lnSpc>
                 <a:spcPct val="100000"/>
               </a:lnSpc>
@@ -6425,19 +7977,17 @@
               <a:buChar char="o"/>
             </a:pPr>
             <a:r>
-              <a:rPr b="0" lang="ru-RU" sz="3600" spc="-1" strike="noStrike">
+              <a:rPr b="0" lang="de-DE" sz="3600" spc="-1" strike="noStrike">
                 <a:solidFill>
                   <a:srgbClr val="000000"/>
                 </a:solidFill>
                 <a:latin typeface="Calibri"/>
+                <a:ea typeface="DejaVu Sans"/>
               </a:rPr>
               <a:t>Teil der .wsdl Datei fliegt raus</a:t>
             </a:r>
-            <a:endParaRPr b="0" lang="ru-RU" sz="3600" spc="-1" strike="noStrike">
-              <a:solidFill>
-                <a:srgbClr val="000000"/>
-              </a:solidFill>
-              <a:latin typeface="Calibri"/>
+            <a:endParaRPr b="0" lang="de-DE" sz="3600" spc="-1" strike="noStrike">
+              <a:latin typeface="Arial"/>
             </a:endParaRPr>
           </a:p>
           <a:p>
@@ -6450,23 +8000,21 @@
               </a:spcBef>
             </a:pPr>
             <a:r>
-              <a:rPr b="0" lang="ru-RU" sz="4800" spc="-1" strike="noStrike">
+              <a:rPr b="0" lang="de-DE" sz="4800" spc="-1" strike="noStrike">
                 <a:solidFill>
                   <a:srgbClr val="000000"/>
                 </a:solidFill>
                 <a:latin typeface="Calibri"/>
+                <a:ea typeface="DejaVu Sans"/>
               </a:rPr>
               <a:t>Wo? ??????????</a:t>
             </a:r>
-            <a:endParaRPr b="0" lang="ru-RU" sz="4800" spc="-1" strike="noStrike">
-              <a:solidFill>
-                <a:srgbClr val="000000"/>
-              </a:solidFill>
-              <a:latin typeface="Calibri"/>
-            </a:endParaRPr>
-          </a:p>
-          <a:p>
-            <a:pPr marL="343080" indent="-342720">
+            <a:endParaRPr b="0" lang="de-DE" sz="4800" spc="-1" strike="noStrike">
+              <a:latin typeface="Arial"/>
+            </a:endParaRPr>
+          </a:p>
+          <a:p>
+            <a:pPr marL="343080" indent="-342000">
               <a:lnSpc>
                 <a:spcPct val="100000"/>
               </a:lnSpc>
@@ -6480,29 +8028,28 @@
               <a:buChar char="-"/>
             </a:pPr>
             <a:r>
-              <a:rPr b="0" lang="ru-RU" sz="4400" spc="299" strike="noStrike">
+              <a:rPr b="0" lang="de-DE" sz="4400" spc="293" strike="noStrike">
                 <a:solidFill>
                   <a:srgbClr val="404040"/>
                 </a:solidFill>
                 <a:latin typeface="Calibri"/>
+                <a:ea typeface="DejaVu Sans"/>
               </a:rPr>
               <a:t>&gt; In </a:t>
             </a:r>
             <a:r>
-              <a:rPr b="0" lang="ru-RU" sz="4400" spc="299" strike="noStrike" u="sng">
+              <a:rPr b="0" lang="de-DE" sz="4400" spc="293" strike="noStrike" u="sng">
                 <a:solidFill>
                   <a:srgbClr val="404040"/>
                 </a:solidFill>
                 <a:uFillTx/>
                 <a:latin typeface="Calibri"/>
+                <a:ea typeface="DejaVu Sans"/>
               </a:rPr>
               <a:t>`wsdl:message`-Tag </a:t>
             </a:r>
-            <a:endParaRPr b="0" lang="ru-RU" sz="4400" spc="-1" strike="noStrike">
-              <a:solidFill>
-                <a:srgbClr val="000000"/>
-              </a:solidFill>
-              <a:latin typeface="Calibri"/>
+            <a:endParaRPr b="0" lang="de-DE" sz="4400" spc="-1" strike="noStrike">
+              <a:latin typeface="Arial"/>
             </a:endParaRPr>
           </a:p>
           <a:p>
@@ -6515,33 +8062,50 @@
               </a:spcBef>
             </a:pPr>
             <a:r>
-              <a:rPr b="0" lang="ru-RU" sz="3600" spc="-1" strike="noStrike">
+              <a:rPr b="0" lang="de-DE" sz="3600" spc="-1" strike="noStrike">
                 <a:solidFill>
                   <a:srgbClr val="808080"/>
                 </a:solidFill>
                 <a:latin typeface="Calibri"/>
-              </a:rPr>
-              <a:t>/*Sowohl ohne optionen, als auch wenn die Methode mit `-m` spefizifiziert ist*/</a:t>
-            </a:r>
-            <a:endParaRPr b="0" lang="ru-RU" sz="3600" spc="-1" strike="noStrike">
-              <a:solidFill>
-                <a:srgbClr val="000000"/>
-              </a:solidFill>
-              <a:latin typeface="Calibri"/>
+                <a:ea typeface="DejaVu Sans"/>
+              </a:rPr>
+              <a:t>/*Sowohl ohne Optionen, als auch wenn die Methode mit `-m` spefizifiziert ist*/</a:t>
+            </a:r>
+            <a:endParaRPr b="0" lang="de-DE" sz="3600" spc="-1" strike="noStrike">
+              <a:latin typeface="Arial"/>
             </a:endParaRPr>
           </a:p>
         </p:txBody>
       </p:sp>
     </p:spTree>
   </p:cSld>
-  <mc:AlternateContent>
-    <mc:Choice Requires="p14">
-      <p:transition spd="slow" p14:dur="2000"/>
-    </mc:Choice>
-    <mc:Fallback>
-      <p:transition spd="slow"/>
-    </mc:Fallback>
-  </mc:AlternateContent>
+  <p:timing>
+    <p:tnLst>
+      <p:par>
+        <p:cTn id="15" dur="indefinite" restart="never" nodeType="tmRoot">
+          <p:childTnLst>
+            <p:seq>
+              <p:cTn id="16" dur="indefinite" nodeType="mainSeq"/>
+              <p:prevCondLst>
+                <p:cond delay="0" evt="onPrev">
+                  <p:tgtEl>
+                    <p:sldTgt/>
+                  </p:tgtEl>
+                </p:cond>
+              </p:prevCondLst>
+              <p:nextCondLst>
+                <p:cond delay="0" evt="onNext">
+                  <p:tgtEl>
+                    <p:sldTgt/>
+                  </p:tgtEl>
+                </p:cond>
+              </p:nextCondLst>
+            </p:seq>
+          </p:childTnLst>
+        </p:cTn>
+      </p:par>
+    </p:tnLst>
+  </p:timing>
 </p:sld>
 </file>
 
@@ -6564,14 +8128,14 @@
       </p:grpSpPr>
       <p:sp>
         <p:nvSpPr>
-          <p:cNvPr id="101" name="TextShape 1"/>
-          <p:cNvSpPr txBox="1"/>
+          <p:cNvPr id="133" name="CustomShape 1"/>
+          <p:cNvSpPr/>
           <p:nvPr/>
         </p:nvSpPr>
         <p:spPr>
           <a:xfrm>
             <a:off x="457200" y="116640"/>
-            <a:ext cx="8229240" cy="1151640"/>
+            <a:ext cx="8228520" cy="1150920"/>
           </a:xfrm>
           <a:prstGeom prst="rect">
             <a:avLst/>
@@ -6581,8 +8145,14 @@
             <a:noFill/>
           </a:ln>
         </p:spPr>
-        <p:txBody>
-          <a:bodyPr anchor="ctr">
+        <p:style>
+          <a:lnRef idx="0"/>
+          <a:fillRef idx="0"/>
+          <a:effectRef idx="0"/>
+          <a:fontRef idx="minor"/>
+        </p:style>
+        <p:txBody>
+          <a:bodyPr lIns="90000" rIns="90000" tIns="45000" bIns="45000" anchor="ctr">
             <a:normAutofit/>
           </a:bodyPr>
           <a:p>
@@ -6592,33 +8162,31 @@
               </a:lnSpc>
             </a:pPr>
             <a:r>
-              <a:rPr b="0" lang="ru-RU" sz="5400" spc="-1" strike="noStrike">
+              <a:rPr b="0" lang="de-DE" sz="5400" spc="-1" strike="noStrike">
                 <a:solidFill>
                   <a:srgbClr val="ff0000"/>
                 </a:solidFill>
                 <a:latin typeface="Calibri"/>
+                <a:ea typeface="DejaVu Sans"/>
               </a:rPr>
               <a:t>&lt;!-- Fehler --&gt;</a:t>
             </a:r>
-            <a:endParaRPr b="0" lang="ru-RU" sz="5400" spc="-1" strike="noStrike">
-              <a:solidFill>
-                <a:srgbClr val="000000"/>
-              </a:solidFill>
-              <a:latin typeface="Calibri"/>
-            </a:endParaRPr>
-          </a:p>
-        </p:txBody>
-      </p:sp>
-      <p:sp>
-        <p:nvSpPr>
-          <p:cNvPr id="102" name="TextShape 2"/>
-          <p:cNvSpPr txBox="1"/>
+            <a:endParaRPr b="0" lang="de-DE" sz="5400" spc="-1" strike="noStrike">
+              <a:latin typeface="Arial"/>
+            </a:endParaRPr>
+          </a:p>
+        </p:txBody>
+      </p:sp>
+      <p:sp>
+        <p:nvSpPr>
+          <p:cNvPr id="134" name="CustomShape 2"/>
+          <p:cNvSpPr/>
           <p:nvPr/>
         </p:nvSpPr>
         <p:spPr>
           <a:xfrm>
             <a:off x="467640" y="1340640"/>
-            <a:ext cx="8352720" cy="5112360"/>
+            <a:ext cx="8352000" cy="5111640"/>
           </a:xfrm>
           <a:prstGeom prst="rect">
             <a:avLst/>
@@ -6628,12 +8196,18 @@
             <a:noFill/>
           </a:ln>
         </p:spPr>
-        <p:txBody>
-          <a:bodyPr>
-            <a:normAutofit/>
-          </a:bodyPr>
-          <a:p>
-            <a:pPr marL="343080" indent="-342720">
+        <p:style>
+          <a:lnRef idx="0"/>
+          <a:fillRef idx="0"/>
+          <a:effectRef idx="0"/>
+          <a:fontRef idx="minor"/>
+        </p:style>
+        <p:txBody>
+          <a:bodyPr lIns="90000" rIns="90000" tIns="45000" bIns="45000">
+            <a:normAutofit/>
+          </a:bodyPr>
+          <a:p>
+            <a:pPr marL="343080" indent="-342000">
               <a:lnSpc>
                 <a:spcPct val="100000"/>
               </a:lnSpc>
@@ -6647,28 +8221,27 @@
               <a:buChar char=""/>
             </a:pPr>
             <a:r>
-              <a:rPr b="0" lang="ru-RU" sz="3600" spc="-1" strike="noStrike">
+              <a:rPr b="0" lang="de-DE" sz="3600" spc="-1" strike="noStrike">
                 <a:solidFill>
                   <a:srgbClr val="0d0d0d"/>
                 </a:solidFill>
                 <a:latin typeface="Calibri"/>
+                <a:ea typeface="DejaVu Sans"/>
               </a:rPr>
               <a:t> </a:t>
             </a:r>
             <a:r>
-              <a:rPr b="0" lang="ru-RU" sz="3600" spc="-1" strike="noStrike">
+              <a:rPr b="0" lang="de-DE" sz="3600" spc="-1" strike="noStrike">
                 <a:solidFill>
                   <a:srgbClr val="0d0d0d"/>
                 </a:solidFill>
                 <a:latin typeface="Calibri"/>
+                <a:ea typeface="DejaVu Sans"/>
               </a:rPr>
               <a:t>Veränderter Inhalt von Tags in wsdl Datei:</a:t>
             </a:r>
-            <a:endParaRPr b="0" lang="ru-RU" sz="3600" spc="-1" strike="noStrike">
-              <a:solidFill>
-                <a:srgbClr val="000000"/>
-              </a:solidFill>
-              <a:latin typeface="Calibri"/>
+            <a:endParaRPr b="0" lang="de-DE" sz="3600" spc="-1" strike="noStrike">
+              <a:latin typeface="Arial"/>
             </a:endParaRPr>
           </a:p>
           <a:p>
@@ -6681,28 +8254,27 @@
               </a:spcBef>
             </a:pPr>
             <a:r>
-              <a:rPr b="0" lang="ru-RU" sz="3600" spc="-1" strike="noStrike">
+              <a:rPr b="0" lang="de-DE" sz="3600" spc="-1" strike="noStrike">
                 <a:solidFill>
                   <a:srgbClr val="808080"/>
                 </a:solidFill>
                 <a:latin typeface="Calibri"/>
+                <a:ea typeface="DejaVu Sans"/>
               </a:rPr>
               <a:t>-&gt; in `wsdl:definitions`: </a:t>
             </a:r>
             <a:r>
-              <a:rPr b="1" lang="ru-RU" sz="2400" spc="-1" strike="noStrike">
+              <a:rPr b="1" lang="de-DE" sz="2400" spc="-1" strike="noStrike">
                 <a:solidFill>
                   <a:srgbClr val="254061"/>
                 </a:solidFill>
                 <a:latin typeface="Calibri"/>
+                <a:ea typeface="DejaVu Sans"/>
               </a:rPr>
               <a:t>`xmlns:apachesoap="http://xml.apache.org/xml-soap2"` </a:t>
             </a:r>
-            <a:endParaRPr b="0" lang="ru-RU" sz="2400" spc="-1" strike="noStrike">
-              <a:solidFill>
-                <a:srgbClr val="000000"/>
-              </a:solidFill>
-              <a:latin typeface="Calibri"/>
+            <a:endParaRPr b="0" lang="de-DE" sz="2400" spc="-1" strike="noStrike">
+              <a:latin typeface="Arial"/>
             </a:endParaRPr>
           </a:p>
           <a:p>
@@ -6715,19 +8287,17 @@
               </a:spcBef>
             </a:pPr>
             <a:r>
-              <a:rPr b="0" lang="ru-RU" sz="3600" spc="-1" strike="noStrike">
+              <a:rPr b="0" lang="de-DE" sz="3600" spc="-1" strike="noStrike">
                 <a:solidFill>
                   <a:srgbClr val="808080"/>
                 </a:solidFill>
                 <a:latin typeface="Calibri"/>
+                <a:ea typeface="DejaVu Sans"/>
               </a:rPr>
               <a:t>statt </a:t>
             </a:r>
-            <a:endParaRPr b="0" lang="ru-RU" sz="3600" spc="-1" strike="noStrike">
-              <a:solidFill>
-                <a:srgbClr val="000000"/>
-              </a:solidFill>
-              <a:latin typeface="Calibri"/>
+            <a:endParaRPr b="0" lang="de-DE" sz="3600" spc="-1" strike="noStrike">
+              <a:latin typeface="Arial"/>
             </a:endParaRPr>
           </a:p>
           <a:p>
@@ -6740,19 +8310,17 @@
               </a:spcBef>
             </a:pPr>
             <a:r>
-              <a:rPr b="1" lang="ru-RU" sz="2400" spc="-1" strike="noStrike">
+              <a:rPr b="1" lang="de-DE" sz="2400" spc="-1" strike="noStrike">
                 <a:solidFill>
                   <a:srgbClr val="10243e"/>
                 </a:solidFill>
                 <a:latin typeface="Calibri"/>
+                <a:ea typeface="DejaVu Sans"/>
               </a:rPr>
               <a:t>`"xmlns:apachesoap=http://xml.apache.org/xml-soap"`</a:t>
             </a:r>
-            <a:endParaRPr b="0" lang="ru-RU" sz="2400" spc="-1" strike="noStrike">
-              <a:solidFill>
-                <a:srgbClr val="000000"/>
-              </a:solidFill>
-              <a:latin typeface="Calibri"/>
+            <a:endParaRPr b="0" lang="de-DE" sz="2400" spc="-1" strike="noStrike">
+              <a:latin typeface="Arial"/>
             </a:endParaRPr>
           </a:p>
           <a:p>
@@ -6765,19 +8333,37 @@
               </a:spcBef>
             </a:pPr>
             <a:r>
-              <a:rPr b="0" lang="ru-RU" sz="3600" spc="-1" strike="noStrike">
+              <a:rPr b="0" lang="de-DE" sz="3600" spc="-1" strike="noStrike">
                 <a:solidFill>
                   <a:srgbClr val="808080"/>
                 </a:solidFill>
                 <a:latin typeface="Calibri"/>
-              </a:rPr>
-              <a:t>-&gt; `Built on` Datum unterscheidet sich, auch Zeitzone</a:t>
-            </a:r>
-            <a:endParaRPr b="0" lang="ru-RU" sz="3600" spc="-1" strike="noStrike">
-              <a:solidFill>
-                <a:srgbClr val="000000"/>
-              </a:solidFill>
-              <a:latin typeface="Calibri"/>
+                <a:ea typeface="DejaVu Sans"/>
+              </a:rPr>
+              <a:t>-&gt; `Built on` Datum &amp; Zeitzone </a:t>
+            </a:r>
+            <a:r>
+              <a:rPr b="0" lang="de-DE" sz="3600" spc="-1" strike="noStrike">
+                <a:solidFill>
+                  <a:srgbClr val="808080"/>
+                </a:solidFill>
+                <a:latin typeface="Calibri"/>
+                <a:ea typeface="DejaVu Sans"/>
+              </a:rPr>
+              <a:t>	</a:t>
+            </a:r>
+            <a:r>
+              <a:rPr b="0" lang="de-DE" sz="3600" spc="-1" strike="noStrike">
+                <a:solidFill>
+                  <a:srgbClr val="808080"/>
+                </a:solidFill>
+                <a:latin typeface="Calibri"/>
+                <a:ea typeface="DejaVu Sans"/>
+              </a:rPr>
+              <a:t>          unterscheiden sich</a:t>
+            </a:r>
+            <a:endParaRPr b="0" lang="de-DE" sz="3600" spc="-1" strike="noStrike">
+              <a:latin typeface="Arial"/>
             </a:endParaRPr>
           </a:p>
           <a:p>
@@ -6789,11 +8375,8 @@
                 <a:spcPts val="720"/>
               </a:spcBef>
             </a:pPr>
-            <a:endParaRPr b="0" lang="ru-RU" sz="3600" spc="-1" strike="noStrike">
-              <a:solidFill>
-                <a:srgbClr val="000000"/>
-              </a:solidFill>
-              <a:latin typeface="Calibri"/>
+            <a:endParaRPr b="0" lang="de-DE" sz="3600" spc="-1" strike="noStrike">
+              <a:latin typeface="Arial"/>
             </a:endParaRPr>
           </a:p>
           <a:p>
@@ -6805,25 +8388,41 @@
                 <a:spcPts val="641"/>
               </a:spcBef>
             </a:pPr>
-            <a:endParaRPr b="0" lang="ru-RU" sz="3600" spc="-1" strike="noStrike">
-              <a:solidFill>
-                <a:srgbClr val="000000"/>
-              </a:solidFill>
-              <a:latin typeface="Calibri"/>
+            <a:endParaRPr b="0" lang="de-DE" sz="3600" spc="-1" strike="noStrike">
+              <a:latin typeface="Arial"/>
             </a:endParaRPr>
           </a:p>
         </p:txBody>
       </p:sp>
     </p:spTree>
   </p:cSld>
-  <mc:AlternateContent>
-    <mc:Choice Requires="p14">
-      <p:transition spd="slow" p14:dur="2000"/>
-    </mc:Choice>
-    <mc:Fallback>
-      <p:transition spd="slow"/>
-    </mc:Fallback>
-  </mc:AlternateContent>
+  <p:timing>
+    <p:tnLst>
+      <p:par>
+        <p:cTn id="17" dur="indefinite" restart="never" nodeType="tmRoot">
+          <p:childTnLst>
+            <p:seq>
+              <p:cTn id="18" dur="indefinite" nodeType="mainSeq"/>
+              <p:prevCondLst>
+                <p:cond delay="0" evt="onPrev">
+                  <p:tgtEl>
+                    <p:sldTgt/>
+                  </p:tgtEl>
+                </p:cond>
+              </p:prevCondLst>
+              <p:nextCondLst>
+                <p:cond delay="0" evt="onNext">
+                  <p:tgtEl>
+                    <p:sldTgt/>
+                  </p:tgtEl>
+                </p:cond>
+              </p:nextCondLst>
+            </p:seq>
+          </p:childTnLst>
+        </p:cTn>
+      </p:par>
+    </p:tnLst>
+  </p:timing>
 </p:sld>
 </file>
 
@@ -7271,4 +8870,227 @@
     </a:fmtScheme>
   </a:themeElements>
 </a:theme>
+</file>
+
+<file path=ppt/theme/theme3.xml><?xml version="1.0" encoding="utf-8"?>
+<a:theme xmlns:a="http://schemas.openxmlformats.org/drawingml/2006/main" name="Office Theme">
+  <a:themeElements>
+    <a:clrScheme name="Office">
+      <a:dk1>
+        <a:sysClr val="windowText" lastClr="000000"/>
+      </a:dk1>
+      <a:lt1>
+        <a:sysClr val="window" lastClr="FFFFFF"/>
+      </a:lt1>
+      <a:dk2>
+        <a:srgbClr val="1f497d"/>
+      </a:dk2>
+      <a:lt2>
+        <a:srgbClr val="eeece1"/>
+      </a:lt2>
+      <a:accent1>
+        <a:srgbClr val="4f81bd"/>
+      </a:accent1>
+      <a:accent2>
+        <a:srgbClr val="c0504d"/>
+      </a:accent2>
+      <a:accent3>
+        <a:srgbClr val="9bbb59"/>
+      </a:accent3>
+      <a:accent4>
+        <a:srgbClr val="8064a2"/>
+      </a:accent4>
+      <a:accent5>
+        <a:srgbClr val="4bacc6"/>
+      </a:accent5>
+      <a:accent6>
+        <a:srgbClr val="f79646"/>
+      </a:accent6>
+      <a:hlink>
+        <a:srgbClr val="0000ff"/>
+      </a:hlink>
+      <a:folHlink>
+        <a:srgbClr val="800080"/>
+      </a:folHlink>
+    </a:clrScheme>
+    <a:fontScheme name="Office">
+      <a:majorFont>
+        <a:latin typeface="Arial"/>
+        <a:ea typeface="DejaVu Sans"/>
+        <a:cs typeface="DejaVu Sans"/>
+      </a:majorFont>
+      <a:minorFont>
+        <a:latin typeface="Arial"/>
+        <a:ea typeface="DejaVu Sans"/>
+        <a:cs typeface="DejaVu Sans"/>
+      </a:minorFont>
+    </a:fontScheme>
+    <a:fmtScheme name="Office">
+      <a:fillStyleLst>
+        <a:solidFill>
+          <a:schemeClr val="phClr"/>
+        </a:solidFill>
+        <a:gradFill rotWithShape="1">
+          <a:gsLst>
+            <a:gs pos="0">
+              <a:schemeClr val="phClr">
+                <a:tint val="50000"/>
+                <a:satMod val="300000"/>
+              </a:schemeClr>
+            </a:gs>
+            <a:gs pos="35000">
+              <a:schemeClr val="phClr">
+                <a:tint val="37000"/>
+                <a:satMod val="300000"/>
+              </a:schemeClr>
+            </a:gs>
+            <a:gs pos="100000">
+              <a:schemeClr val="phClr">
+                <a:tint val="15000"/>
+                <a:satMod val="350000"/>
+              </a:schemeClr>
+            </a:gs>
+          </a:gsLst>
+          <a:lin ang="16200000" scaled="1"/>
+        </a:gradFill>
+        <a:gradFill rotWithShape="1">
+          <a:gsLst>
+            <a:gs pos="0">
+              <a:schemeClr val="phClr">
+                <a:shade val="51000"/>
+                <a:satMod val="130000"/>
+              </a:schemeClr>
+            </a:gs>
+            <a:gs pos="80000">
+              <a:schemeClr val="phClr">
+                <a:shade val="93000"/>
+                <a:satMod val="130000"/>
+              </a:schemeClr>
+            </a:gs>
+            <a:gs pos="100000">
+              <a:schemeClr val="phClr">
+                <a:shade val="94000"/>
+                <a:satMod val="135000"/>
+              </a:schemeClr>
+            </a:gs>
+          </a:gsLst>
+          <a:lin ang="16200000" scaled="0"/>
+        </a:gradFill>
+      </a:fillStyleLst>
+      <a:lnStyleLst>
+        <a:ln w="9525" cap="flat" cmpd="sng" algn="ctr">
+          <a:solidFill>
+            <a:schemeClr val="phClr">
+              <a:shade val="95000"/>
+              <a:satMod val="105000"/>
+            </a:schemeClr>
+          </a:solidFill>
+          <a:prstDash val="solid"/>
+        </a:ln>
+        <a:ln w="25400" cap="flat" cmpd="sng" algn="ctr">
+          <a:solidFill>
+            <a:schemeClr val="phClr"/>
+          </a:solidFill>
+          <a:prstDash val="solid"/>
+        </a:ln>
+        <a:ln w="38100" cap="flat" cmpd="sng" algn="ctr">
+          <a:solidFill>
+            <a:schemeClr val="phClr"/>
+          </a:solidFill>
+          <a:prstDash val="solid"/>
+        </a:ln>
+      </a:lnStyleLst>
+      <a:effectStyleLst>
+        <a:effectStyle>
+          <a:effectLst>
+            <a:outerShdw blurRad="40000" dist="20000" dir="5400000" rotWithShape="0">
+              <a:srgbClr val="000000">
+                <a:alpha val="38000"/>
+              </a:srgbClr>
+            </a:outerShdw>
+          </a:effectLst>
+        </a:effectStyle>
+        <a:effectStyle>
+          <a:effectLst>
+            <a:outerShdw blurRad="40000" dist="23000" dir="5400000" rotWithShape="0">
+              <a:srgbClr val="000000">
+                <a:alpha val="35000"/>
+              </a:srgbClr>
+            </a:outerShdw>
+          </a:effectLst>
+        </a:effectStyle>
+        <a:effectStyle>
+          <a:effectLst>
+            <a:outerShdw blurRad="40000" dist="23000" dir="5400000" rotWithShape="0">
+              <a:srgbClr val="000000">
+                <a:alpha val="35000"/>
+              </a:srgbClr>
+            </a:outerShdw>
+          </a:effectLst>
+          <a:scene3d>
+            <a:camera prst="orthographicFront">
+              <a:rot lat="0" lon="0" rev="0"/>
+            </a:camera>
+            <a:lightRig rig="threePt" dir="t">
+              <a:rot lat="0" lon="0" rev="1200000"/>
+            </a:lightRig>
+          </a:scene3d>
+          <a:sp3d>
+            <a:bevelT w="63500" h="25400"/>
+          </a:sp3d>
+        </a:effectStyle>
+      </a:effectStyleLst>
+      <a:bgFillStyleLst>
+        <a:solidFill>
+          <a:schemeClr val="phClr"/>
+        </a:solidFill>
+        <a:gradFill rotWithShape="1">
+          <a:gsLst>
+            <a:gs pos="0">
+              <a:schemeClr val="phClr">
+                <a:tint val="40000"/>
+                <a:satMod val="350000"/>
+              </a:schemeClr>
+            </a:gs>
+            <a:gs pos="40000">
+              <a:schemeClr val="phClr">
+                <a:tint val="45000"/>
+                <a:shade val="99000"/>
+                <a:satMod val="350000"/>
+              </a:schemeClr>
+            </a:gs>
+            <a:gs pos="100000">
+              <a:schemeClr val="phClr">
+                <a:shade val="20000"/>
+                <a:satMod val="255000"/>
+              </a:schemeClr>
+            </a:gs>
+          </a:gsLst>
+          <a:path path="circle">
+            <a:fillToRect l="50000" t="-80000" r="50000" b="180000"/>
+          </a:path>
+        </a:gradFill>
+        <a:gradFill rotWithShape="1">
+          <a:gsLst>
+            <a:gs pos="0">
+              <a:schemeClr val="phClr">
+                <a:tint val="80000"/>
+                <a:satMod val="300000"/>
+              </a:schemeClr>
+            </a:gs>
+            <a:gs pos="100000">
+              <a:schemeClr val="phClr">
+                <a:shade val="30000"/>
+                <a:satMod val="200000"/>
+              </a:schemeClr>
+            </a:gs>
+          </a:gsLst>
+          <a:path path="circle">
+            <a:fillToRect l="50000" t="50000" r="50000" b="50000"/>
+          </a:path>
+        </a:gradFill>
+      </a:bgFillStyleLst>
+    </a:fmtScheme>
+  </a:themeElements>
+</a:theme>
 </file>
--- a/5_Regressionstests/Main_v2/Präsentation.pptx
+++ b/5_Regressionstests/Main_v2/Präsentation.pptx
@@ -20,6 +20,7 @@
     <p:sldId id="266" r:id="rId15"/>
     <p:sldId id="267" r:id="rId16"/>
     <p:sldId id="268" r:id="rId17"/>
+    <p:sldId id="269" r:id="rId18"/>
   </p:sldIdLst>
   <p:sldSz cx="9144000" cy="6858000"/>
   <p:notesSz cx="7559675" cy="10691812"/>
@@ -4996,27 +4997,7 @@
                 <a:spcPts val="479"/>
               </a:spcBef>
             </a:pPr>
-            <a:r>
-              <a:rPr b="1" lang="de-DE" sz="2400" spc="-1" strike="noStrike">
-                <a:solidFill>
-                  <a:srgbClr val="000000"/>
-                </a:solidFill>
-                <a:latin typeface="Calibri"/>
-                <a:ea typeface="DejaVu Sans"/>
-              </a:rPr>
-              <a:t>Authoren</a:t>
-            </a:r>
-            <a:r>
-              <a:rPr b="1" lang="de-DE" sz="2400" spc="293" strike="noStrike">
-                <a:solidFill>
-                  <a:srgbClr val="000000"/>
-                </a:solidFill>
-                <a:latin typeface="Calibri"/>
-                <a:ea typeface="DejaVu Sans"/>
-              </a:rPr>
-              <a:t>:</a:t>
-            </a:r>
-            <a:endParaRPr b="0" lang="de-DE" sz="2400" spc="-1" strike="noStrike">
+            <a:endParaRPr b="0" lang="de-DE" sz="1800" spc="-1" strike="noStrike">
               <a:latin typeface="Arial"/>
             </a:endParaRPr>
           </a:p>
@@ -5029,7 +5010,7 @@
                 <a:spcPts val="479"/>
               </a:spcBef>
             </a:pPr>
-            <a:endParaRPr b="0" lang="de-DE" sz="2400" spc="-1" strike="noStrike">
+            <a:endParaRPr b="0" lang="de-DE" sz="1800" spc="-1" strike="noStrike">
               <a:latin typeface="Arial"/>
             </a:endParaRPr>
           </a:p>
@@ -6200,6 +6181,237 @@
       </p:par>
     </p:tnLst>
   </p:timing>
+</p:sld>
+</file>
+
+<file path=ppt/slides/slide14.xml><?xml version="1.0" encoding="utf-8"?>
+<p:sld xmlns:a="http://schemas.openxmlformats.org/drawingml/2006/main" xmlns:p="http://schemas.openxmlformats.org/presentationml/2006/main" xmlns:r="http://schemas.openxmlformats.org/officeDocument/2006/relationships" xmlns:p14="http://schemas.microsoft.com/office/powerpoint/2010/main" xmlns:p15="http://schemas.microsoft.com/office/powerpoint/2012/main" xmlns:mc="http://schemas.openxmlformats.org/markup-compatibility/2006">
+  <p:cSld>
+    <p:spTree>
+      <p:nvGrpSpPr>
+        <p:cNvPr id="1" name=""/>
+        <p:cNvGrpSpPr/>
+        <p:nvPr/>
+      </p:nvGrpSpPr>
+      <p:grpSpPr>
+        <a:xfrm>
+          <a:off x="0" y="0"/>
+          <a:ext cx="0" cy="0"/>
+          <a:chOff x="0" y="0"/>
+          <a:chExt cx="0" cy="0"/>
+        </a:xfrm>
+      </p:grpSpPr>
+      <p:sp>
+        <p:nvSpPr>
+          <p:cNvPr id="143" name="TextShape 1"/>
+          <p:cNvSpPr txBox="1"/>
+          <p:nvPr/>
+        </p:nvSpPr>
+        <p:spPr>
+          <a:xfrm>
+            <a:off x="457200" y="273600"/>
+            <a:ext cx="8228880" cy="1144440"/>
+          </a:xfrm>
+          <a:prstGeom prst="rect">
+            <a:avLst/>
+          </a:prstGeom>
+          <a:noFill/>
+          <a:ln>
+            <a:noFill/>
+          </a:ln>
+        </p:spPr>
+        <p:txBody>
+          <a:bodyPr lIns="0" rIns="0" tIns="0" bIns="0" anchor="ctr"/>
+          <a:p>
+            <a:pPr algn="ctr"/>
+            <a:endParaRPr b="0" lang="de-DE" sz="4400" spc="-1" strike="noStrike">
+              <a:latin typeface="Arial"/>
+            </a:endParaRPr>
+          </a:p>
+        </p:txBody>
+      </p:sp>
+      <p:sp>
+        <p:nvSpPr>
+          <p:cNvPr id="144" name="TextShape 2"/>
+          <p:cNvSpPr txBox="1"/>
+          <p:nvPr/>
+        </p:nvSpPr>
+        <p:spPr>
+          <a:xfrm>
+            <a:off x="457200" y="1604520"/>
+            <a:ext cx="2649600" cy="1896840"/>
+          </a:xfrm>
+          <a:prstGeom prst="rect">
+            <a:avLst/>
+          </a:prstGeom>
+          <a:noFill/>
+          <a:ln>
+            <a:noFill/>
+          </a:ln>
+        </p:spPr>
+        <p:txBody>
+          <a:bodyPr lIns="0" rIns="0" tIns="0" bIns="0">
+            <a:normAutofit/>
+          </a:bodyPr>
+          <a:p>
+            <a:endParaRPr b="0" lang="de-DE" sz="3200" spc="-1" strike="noStrike">
+              <a:latin typeface="Arial"/>
+            </a:endParaRPr>
+          </a:p>
+        </p:txBody>
+      </p:sp>
+      <p:sp>
+        <p:nvSpPr>
+          <p:cNvPr id="145" name="TextShape 3"/>
+          <p:cNvSpPr txBox="1"/>
+          <p:nvPr/>
+        </p:nvSpPr>
+        <p:spPr>
+          <a:xfrm>
+            <a:off x="3239640" y="1604520"/>
+            <a:ext cx="2649600" cy="1896840"/>
+          </a:xfrm>
+          <a:prstGeom prst="rect">
+            <a:avLst/>
+          </a:prstGeom>
+          <a:noFill/>
+          <a:ln>
+            <a:noFill/>
+          </a:ln>
+        </p:spPr>
+        <p:txBody>
+          <a:bodyPr lIns="0" rIns="0" tIns="0" bIns="0">
+            <a:normAutofit/>
+          </a:bodyPr>
+          <a:p>
+            <a:endParaRPr b="0" lang="de-DE" sz="3200" spc="-1" strike="noStrike">
+              <a:latin typeface="Arial"/>
+            </a:endParaRPr>
+          </a:p>
+        </p:txBody>
+      </p:sp>
+      <p:sp>
+        <p:nvSpPr>
+          <p:cNvPr id="146" name="TextShape 4"/>
+          <p:cNvSpPr txBox="1"/>
+          <p:nvPr/>
+        </p:nvSpPr>
+        <p:spPr>
+          <a:xfrm>
+            <a:off x="6022080" y="1604520"/>
+            <a:ext cx="2649600" cy="1896840"/>
+          </a:xfrm>
+          <a:prstGeom prst="rect">
+            <a:avLst/>
+          </a:prstGeom>
+          <a:noFill/>
+          <a:ln>
+            <a:noFill/>
+          </a:ln>
+        </p:spPr>
+        <p:txBody>
+          <a:bodyPr lIns="0" rIns="0" tIns="0" bIns="0">
+            <a:normAutofit/>
+          </a:bodyPr>
+          <a:p>
+            <a:endParaRPr b="0" lang="de-DE" sz="3200" spc="-1" strike="noStrike">
+              <a:latin typeface="Arial"/>
+            </a:endParaRPr>
+          </a:p>
+        </p:txBody>
+      </p:sp>
+      <p:sp>
+        <p:nvSpPr>
+          <p:cNvPr id="147" name="TextShape 5"/>
+          <p:cNvSpPr txBox="1"/>
+          <p:nvPr/>
+        </p:nvSpPr>
+        <p:spPr>
+          <a:xfrm>
+            <a:off x="457200" y="3682080"/>
+            <a:ext cx="2649600" cy="1896840"/>
+          </a:xfrm>
+          <a:prstGeom prst="rect">
+            <a:avLst/>
+          </a:prstGeom>
+          <a:noFill/>
+          <a:ln>
+            <a:noFill/>
+          </a:ln>
+        </p:spPr>
+        <p:txBody>
+          <a:bodyPr lIns="0" rIns="0" tIns="0" bIns="0">
+            <a:normAutofit/>
+          </a:bodyPr>
+          <a:p>
+            <a:endParaRPr b="0" lang="de-DE" sz="3200" spc="-1" strike="noStrike">
+              <a:latin typeface="Arial"/>
+            </a:endParaRPr>
+          </a:p>
+        </p:txBody>
+      </p:sp>
+      <p:sp>
+        <p:nvSpPr>
+          <p:cNvPr id="148" name="TextShape 6"/>
+          <p:cNvSpPr txBox="1"/>
+          <p:nvPr/>
+        </p:nvSpPr>
+        <p:spPr>
+          <a:xfrm>
+            <a:off x="3239640" y="3682080"/>
+            <a:ext cx="2649600" cy="1896840"/>
+          </a:xfrm>
+          <a:prstGeom prst="rect">
+            <a:avLst/>
+          </a:prstGeom>
+          <a:noFill/>
+          <a:ln>
+            <a:noFill/>
+          </a:ln>
+        </p:spPr>
+        <p:txBody>
+          <a:bodyPr lIns="0" rIns="0" tIns="0" bIns="0">
+            <a:normAutofit/>
+          </a:bodyPr>
+          <a:p>
+            <a:endParaRPr b="0" lang="de-DE" sz="3200" spc="-1" strike="noStrike">
+              <a:latin typeface="Arial"/>
+            </a:endParaRPr>
+          </a:p>
+        </p:txBody>
+      </p:sp>
+      <p:sp>
+        <p:nvSpPr>
+          <p:cNvPr id="149" name="TextShape 7"/>
+          <p:cNvSpPr txBox="1"/>
+          <p:nvPr/>
+        </p:nvSpPr>
+        <p:spPr>
+          <a:xfrm>
+            <a:off x="6022080" y="3682080"/>
+            <a:ext cx="2649600" cy="1896840"/>
+          </a:xfrm>
+          <a:prstGeom prst="rect">
+            <a:avLst/>
+          </a:prstGeom>
+          <a:noFill/>
+          <a:ln>
+            <a:noFill/>
+          </a:ln>
+        </p:spPr>
+        <p:txBody>
+          <a:bodyPr lIns="0" rIns="0" tIns="0" bIns="0">
+            <a:normAutofit/>
+          </a:bodyPr>
+          <a:p>
+            <a:endParaRPr b="0" lang="de-DE" sz="3200" spc="-1" strike="noStrike">
+              <a:latin typeface="Arial"/>
+            </a:endParaRPr>
+          </a:p>
+        </p:txBody>
+      </p:sp>
+    </p:spTree>
+  </p:cSld>
 </p:sld>
 </file>
 
